--- a/presentations/farmersall.pptx
+++ b/presentations/farmersall.pptx
@@ -6,72 +6,78 @@
     <p:sldMasterId id="2147483714" r:id="rId2"/>
   </p:sldMasterIdLst>
   <p:notesMasterIdLst>
-    <p:notesMasterId r:id="rId20"/>
+    <p:notesMasterId r:id="rId26"/>
   </p:notesMasterIdLst>
   <p:sldIdLst>
     <p:sldId id="256" r:id="rId3"/>
     <p:sldId id="341" r:id="rId4"/>
     <p:sldId id="344" r:id="rId5"/>
     <p:sldId id="345" r:id="rId6"/>
-    <p:sldId id="346" r:id="rId7"/>
-    <p:sldId id="348" r:id="rId8"/>
-    <p:sldId id="349" r:id="rId9"/>
-    <p:sldId id="350" r:id="rId10"/>
-    <p:sldId id="351" r:id="rId11"/>
-    <p:sldId id="352" r:id="rId12"/>
-    <p:sldId id="353" r:id="rId13"/>
-    <p:sldId id="358" r:id="rId14"/>
-    <p:sldId id="354" r:id="rId15"/>
-    <p:sldId id="355" r:id="rId16"/>
-    <p:sldId id="356" r:id="rId17"/>
-    <p:sldId id="357" r:id="rId18"/>
-    <p:sldId id="283" r:id="rId19"/>
+    <p:sldId id="359" r:id="rId7"/>
+    <p:sldId id="346" r:id="rId8"/>
+    <p:sldId id="360" r:id="rId9"/>
+    <p:sldId id="361" r:id="rId10"/>
+    <p:sldId id="362" r:id="rId11"/>
+    <p:sldId id="348" r:id="rId12"/>
+    <p:sldId id="363" r:id="rId13"/>
+    <p:sldId id="352" r:id="rId14"/>
+    <p:sldId id="364" r:id="rId15"/>
+    <p:sldId id="353" r:id="rId16"/>
+    <p:sldId id="358" r:id="rId17"/>
+    <p:sldId id="349" r:id="rId18"/>
+    <p:sldId id="350" r:id="rId19"/>
+    <p:sldId id="351" r:id="rId20"/>
+    <p:sldId id="354" r:id="rId21"/>
+    <p:sldId id="355" r:id="rId22"/>
+    <p:sldId id="356" r:id="rId23"/>
+    <p:sldId id="357" r:id="rId24"/>
+    <p:sldId id="283" r:id="rId25"/>
   </p:sldIdLst>
   <p:sldSz cx="9144000" cy="5143500" type="screen16x9"/>
   <p:notesSz cx="6858000" cy="9144000"/>
   <p:embeddedFontLst>
     <p:embeddedFont>
       <p:font typeface="Barlow Semi Condensed" panose="020F0502020204030204" pitchFamily="34" charset="0"/>
-      <p:regular r:id="rId21"/>
-      <p:bold r:id="rId22"/>
-      <p:italic r:id="rId23"/>
-      <p:boldItalic r:id="rId24"/>
+      <p:regular r:id="rId27"/>
+      <p:bold r:id="rId28"/>
+      <p:italic r:id="rId29"/>
+      <p:boldItalic r:id="rId30"/>
     </p:embeddedFont>
     <p:embeddedFont>
       <p:font typeface="Calibri" panose="020F0502020204030204" pitchFamily="34" charset="0"/>
-      <p:regular r:id="rId25"/>
-      <p:bold r:id="rId26"/>
-      <p:italic r:id="rId27"/>
-      <p:boldItalic r:id="rId28"/>
+      <p:regular r:id="rId31"/>
+      <p:bold r:id="rId32"/>
+      <p:italic r:id="rId33"/>
+      <p:boldItalic r:id="rId34"/>
     </p:embeddedFont>
     <p:embeddedFont>
       <p:font typeface="Calistoga" pitchFamily="2" charset="77"/>
-      <p:regular r:id="rId29"/>
+      <p:regular r:id="rId35"/>
     </p:embeddedFont>
     <p:embeddedFont>
       <p:font typeface="Georgia" panose="02040502050405020303" pitchFamily="18" charset="0"/>
-      <p:regular r:id="rId30"/>
-      <p:bold r:id="rId31"/>
-      <p:italic r:id="rId32"/>
-      <p:boldItalic r:id="rId33"/>
+      <p:regular r:id="rId36"/>
+      <p:bold r:id="rId37"/>
+      <p:italic r:id="rId38"/>
+      <p:boldItalic r:id="rId39"/>
     </p:embeddedFont>
     <p:embeddedFont>
       <p:font typeface="Proxima Nova" panose="02000506030000020004" pitchFamily="2" charset="0"/>
-      <p:regular r:id="rId34"/>
-      <p:bold r:id="rId35"/>
-      <p:italic r:id="rId36"/>
-      <p:boldItalic r:id="rId37"/>
+      <p:regular r:id="rId40"/>
+      <p:bold r:id="rId41"/>
+      <p:italic r:id="rId42"/>
+      <p:boldItalic r:id="rId43"/>
     </p:embeddedFont>
     <p:embeddedFont>
       <p:font typeface="Proxima Nova Semibold" panose="02000506030000020004" pitchFamily="2" charset="0"/>
-      <p:regular r:id="rId38"/>
-      <p:bold r:id="rId39"/>
-      <p:italic r:id="rId40"/>
-      <p:boldItalic r:id="rId41"/>
+      <p:regular r:id="rId44"/>
+      <p:bold r:id="rId45"/>
+      <p:italic r:id="rId46"/>
+      <p:boldItalic r:id="rId47"/>
     </p:embeddedFont>
     <p:embeddedFont>
       <p:font typeface="Voces" pitchFamily="2" charset="77"/>
-      <p:regular r:id="rId42"/>
+      <p:regular r:id="rId48"/>
     </p:embeddedFont>
   </p:embeddedFontLst>
   <p:defaultTextStyle>
@@ -966,7 +972,7 @@
     </p:spTree>
     <p:extLst>
       <p:ext uri="{BB962C8B-B14F-4D97-AF65-F5344CB8AC3E}">
-        <p14:creationId xmlns:p14="http://schemas.microsoft.com/office/powerpoint/2010/main" val="3510000923"/>
+        <p14:creationId xmlns:p14="http://schemas.microsoft.com/office/powerpoint/2010/main" val="2668837022"/>
       </p:ext>
     </p:extLst>
   </p:cSld>
@@ -1075,7 +1081,7 @@
     </p:spTree>
     <p:extLst>
       <p:ext uri="{BB962C8B-B14F-4D97-AF65-F5344CB8AC3E}">
-        <p14:creationId xmlns:p14="http://schemas.microsoft.com/office/powerpoint/2010/main" val="2668837022"/>
+        <p14:creationId xmlns:p14="http://schemas.microsoft.com/office/powerpoint/2010/main" val="3825640651"/>
       </p:ext>
     </p:extLst>
   </p:cSld>
@@ -1184,7 +1190,7 @@
     </p:spTree>
     <p:extLst>
       <p:ext uri="{BB962C8B-B14F-4D97-AF65-F5344CB8AC3E}">
-        <p14:creationId xmlns:p14="http://schemas.microsoft.com/office/powerpoint/2010/main" val="3825640651"/>
+        <p14:creationId xmlns:p14="http://schemas.microsoft.com/office/powerpoint/2010/main" val="3510000923"/>
       </p:ext>
     </p:extLst>
   </p:cSld>
@@ -28237,7 +28243,7 @@
         <p:fade thruBlk="1"/>
       </p:transition>
     </mc:Choice>
-    <mc:Fallback xmlns="" xmlns:mv="urn:schemas-microsoft-com:mac:vml" xmlns:c="http://schemas.openxmlformats.org/drawingml/2006/chart" xmlns:dgm="http://schemas.openxmlformats.org/drawingml/2006/diagram" xmlns:o="urn:schemas-microsoft-com:office:office" xmlns:v="urn:schemas-microsoft-com:vml" xmlns:pvml="urn:schemas-microsoft-com:office:powerpoint" xmlns:com="http://schemas.openxmlformats.org/drawingml/2006/compatibility" xmlns:p15="http://schemas.microsoft.com/office/powerpoint/2012/main" xmlns:ahyp="http://schemas.microsoft.com/office/drawing/2018/hyperlinkcolor">
+    <mc:Fallback xmlns:ahyp="http://schemas.microsoft.com/office/drawing/2018/hyperlinkcolor" xmlns:p15="http://schemas.microsoft.com/office/powerpoint/2012/main" xmlns:com="http://schemas.openxmlformats.org/drawingml/2006/compatibility" xmlns:pvml="urn:schemas-microsoft-com:office:powerpoint" xmlns:v="urn:schemas-microsoft-com:vml" xmlns:o="urn:schemas-microsoft-com:office:office" xmlns:dgm="http://schemas.openxmlformats.org/drawingml/2006/diagram" xmlns:c="http://schemas.openxmlformats.org/drawingml/2006/chart" xmlns:mv="urn:schemas-microsoft-com:mac:vml" xmlns="">
       <p:transition spd="slow">
         <p:fade/>
       </p:transition>
@@ -30231,7 +30237,7 @@
             </a:pPr>
             <a:r>
               <a:rPr lang="en-US" dirty="0"/>
-              <a:t>Famer’s All</a:t>
+              <a:t>Farmer’s All</a:t>
             </a:r>
             <a:endParaRPr dirty="0"/>
           </a:p>
@@ -30284,13 +30290,13 @@
   <p:clrMapOvr>
     <a:masterClrMapping/>
   </p:clrMapOvr>
-  <mc:AlternateContent xmlns:mc="http://schemas.openxmlformats.org/markup-compatibility/2006" xmlns:p159="http://schemas.microsoft.com/office/powerpoint/2015/09/main">
-    <mc:Choice Requires="p159">
+  <mc:AlternateContent xmlns:mc="http://schemas.openxmlformats.org/markup-compatibility/2006">
+    <mc:Choice xmlns:p159="http://schemas.microsoft.com/office/powerpoint/2015/09/main" Requires="p159">
       <p:transition xmlns:p14="http://schemas.microsoft.com/office/powerpoint/2010/main" spd="slow" p14:dur="2000">
         <p159:morph option="byObject"/>
       </p:transition>
     </mc:Choice>
-    <mc:Fallback xmlns="">
+    <mc:Fallback>
       <p:transition spd="slow">
         <p:fade/>
       </p:transition>
@@ -30439,10 +30445,1512 @@
       </p:grpSpPr>
       <p:sp>
         <p:nvSpPr>
+          <p:cNvPr id="4" name="Rounded Rectangle 3">
+            <a:extLst>
+              <a:ext uri="{FF2B5EF4-FFF2-40B4-BE49-F238E27FC236}">
+                <a16:creationId xmlns:a16="http://schemas.microsoft.com/office/drawing/2014/main" id="{FFB82623-1777-9660-122C-14B28A9ADC6A}"/>
+              </a:ext>
+            </a:extLst>
+          </p:cNvPr>
+          <p:cNvSpPr/>
+          <p:nvPr/>
+        </p:nvSpPr>
+        <p:spPr>
+          <a:xfrm>
+            <a:off x="666092" y="295560"/>
+            <a:ext cx="7811813" cy="734883"/>
+          </a:xfrm>
+          <a:prstGeom prst="roundRect">
+            <a:avLst/>
+          </a:prstGeom>
+          <a:solidFill>
+            <a:schemeClr val="dk1"/>
+          </a:solidFill>
+          <a:ln>
+            <a:noFill/>
+          </a:ln>
+        </p:spPr>
+        <p:style>
+          <a:lnRef idx="0">
+            <a:scrgbClr r="0" g="0" b="0"/>
+          </a:lnRef>
+          <a:fillRef idx="0">
+            <a:scrgbClr r="0" g="0" b="0"/>
+          </a:fillRef>
+          <a:effectRef idx="0">
+            <a:scrgbClr r="0" g="0" b="0"/>
+          </a:effectRef>
+          <a:fontRef idx="minor">
+            <a:schemeClr val="lt1"/>
+          </a:fontRef>
+        </p:style>
+        <p:txBody>
+          <a:bodyPr rtlCol="0" anchor="ctr"/>
+          <a:lstStyle/>
+          <a:p>
+            <a:pPr algn="ctr"/>
+            <a:r>
+              <a:rPr lang="en-US" sz="2800" dirty="0"/>
+              <a:t>Stage of paddy identification</a:t>
+            </a:r>
+          </a:p>
+        </p:txBody>
+      </p:sp>
+      <p:sp>
+        <p:nvSpPr>
+          <p:cNvPr id="7" name="Google Shape;2848;p83">
+            <a:extLst>
+              <a:ext uri="{FF2B5EF4-FFF2-40B4-BE49-F238E27FC236}">
+                <a16:creationId xmlns:a16="http://schemas.microsoft.com/office/drawing/2014/main" id="{4C711485-D58A-F8B2-4B52-24060DC56631}"/>
+              </a:ext>
+            </a:extLst>
+          </p:cNvPr>
+          <p:cNvSpPr txBox="1">
+            <a:spLocks/>
+          </p:cNvSpPr>
+          <p:nvPr/>
+        </p:nvSpPr>
+        <p:spPr>
+          <a:xfrm>
+            <a:off x="573924" y="1312530"/>
+            <a:ext cx="1676043" cy="400522"/>
+          </a:xfrm>
+          <a:prstGeom prst="rect">
+            <a:avLst/>
+          </a:prstGeom>
+          <a:noFill/>
+          <a:ln>
+            <a:noFill/>
+          </a:ln>
+        </p:spPr>
+        <p:txBody>
+          <a:bodyPr spcFirstLastPara="1" wrap="square" lIns="91425" tIns="0" rIns="91425" bIns="91425" anchor="t" anchorCtr="0">
+            <a:noAutofit/>
+          </a:bodyPr>
+          <a:lstStyle>
+            <a:defPPr marR="0" lvl="0" algn="l" rtl="0">
+              <a:lnSpc>
+                <a:spcPct val="100000"/>
+              </a:lnSpc>
+              <a:spcBef>
+                <a:spcPts val="0"/>
+              </a:spcBef>
+              <a:spcAft>
+                <a:spcPts val="0"/>
+              </a:spcAft>
+            </a:defPPr>
+            <a:lvl1pPr marL="457200" marR="0" lvl="0" indent="-330200" algn="l" rtl="0">
+              <a:lnSpc>
+                <a:spcPct val="100000"/>
+              </a:lnSpc>
+              <a:spcBef>
+                <a:spcPts val="0"/>
+              </a:spcBef>
+              <a:spcAft>
+                <a:spcPts val="0"/>
+              </a:spcAft>
+              <a:buClr>
+                <a:schemeClr val="dk1"/>
+              </a:buClr>
+              <a:buSzPts val="1600"/>
+              <a:buFont typeface="Voces"/>
+              <a:buChar char="●"/>
+              <a:defRPr sz="1600" b="0" i="0" u="none" strike="noStrike" cap="none">
+                <a:solidFill>
+                  <a:schemeClr val="dk1"/>
+                </a:solidFill>
+                <a:latin typeface="Voces"/>
+                <a:ea typeface="Voces"/>
+                <a:cs typeface="Voces"/>
+                <a:sym typeface="Voces"/>
+              </a:defRPr>
+            </a:lvl1pPr>
+            <a:lvl2pPr marL="914400" marR="0" lvl="1" indent="-330200" algn="l" rtl="0">
+              <a:lnSpc>
+                <a:spcPct val="100000"/>
+              </a:lnSpc>
+              <a:spcBef>
+                <a:spcPts val="0"/>
+              </a:spcBef>
+              <a:spcAft>
+                <a:spcPts val="0"/>
+              </a:spcAft>
+              <a:buClr>
+                <a:schemeClr val="dk1"/>
+              </a:buClr>
+              <a:buSzPts val="1600"/>
+              <a:buFont typeface="Voces"/>
+              <a:buChar char="○"/>
+              <a:defRPr sz="1600" b="0" i="0" u="none" strike="noStrike" cap="none">
+                <a:solidFill>
+                  <a:schemeClr val="dk1"/>
+                </a:solidFill>
+                <a:latin typeface="Voces"/>
+                <a:ea typeface="Voces"/>
+                <a:cs typeface="Voces"/>
+                <a:sym typeface="Voces"/>
+              </a:defRPr>
+            </a:lvl2pPr>
+            <a:lvl3pPr marL="1371600" marR="0" lvl="2" indent="-330200" algn="l" rtl="0">
+              <a:lnSpc>
+                <a:spcPct val="100000"/>
+              </a:lnSpc>
+              <a:spcBef>
+                <a:spcPts val="0"/>
+              </a:spcBef>
+              <a:spcAft>
+                <a:spcPts val="0"/>
+              </a:spcAft>
+              <a:buClr>
+                <a:schemeClr val="dk1"/>
+              </a:buClr>
+              <a:buSzPts val="1600"/>
+              <a:buFont typeface="Voces"/>
+              <a:buChar char="■"/>
+              <a:defRPr sz="1600" b="0" i="0" u="none" strike="noStrike" cap="none">
+                <a:solidFill>
+                  <a:schemeClr val="dk1"/>
+                </a:solidFill>
+                <a:latin typeface="Voces"/>
+                <a:ea typeface="Voces"/>
+                <a:cs typeface="Voces"/>
+                <a:sym typeface="Voces"/>
+              </a:defRPr>
+            </a:lvl3pPr>
+            <a:lvl4pPr marL="1828800" marR="0" lvl="3" indent="-330200" algn="l" rtl="0">
+              <a:lnSpc>
+                <a:spcPct val="100000"/>
+              </a:lnSpc>
+              <a:spcBef>
+                <a:spcPts val="0"/>
+              </a:spcBef>
+              <a:spcAft>
+                <a:spcPts val="0"/>
+              </a:spcAft>
+              <a:buClr>
+                <a:schemeClr val="dk1"/>
+              </a:buClr>
+              <a:buSzPts val="1600"/>
+              <a:buFont typeface="Voces"/>
+              <a:buChar char="●"/>
+              <a:defRPr sz="1600" b="0" i="0" u="none" strike="noStrike" cap="none">
+                <a:solidFill>
+                  <a:schemeClr val="dk1"/>
+                </a:solidFill>
+                <a:latin typeface="Voces"/>
+                <a:ea typeface="Voces"/>
+                <a:cs typeface="Voces"/>
+                <a:sym typeface="Voces"/>
+              </a:defRPr>
+            </a:lvl4pPr>
+            <a:lvl5pPr marL="2286000" marR="0" lvl="4" indent="-330200" algn="l" rtl="0">
+              <a:lnSpc>
+                <a:spcPct val="100000"/>
+              </a:lnSpc>
+              <a:spcBef>
+                <a:spcPts val="0"/>
+              </a:spcBef>
+              <a:spcAft>
+                <a:spcPts val="0"/>
+              </a:spcAft>
+              <a:buClr>
+                <a:schemeClr val="dk1"/>
+              </a:buClr>
+              <a:buSzPts val="1600"/>
+              <a:buFont typeface="Voces"/>
+              <a:buChar char="○"/>
+              <a:defRPr sz="1600" b="0" i="0" u="none" strike="noStrike" cap="none">
+                <a:solidFill>
+                  <a:schemeClr val="dk1"/>
+                </a:solidFill>
+                <a:latin typeface="Voces"/>
+                <a:ea typeface="Voces"/>
+                <a:cs typeface="Voces"/>
+                <a:sym typeface="Voces"/>
+              </a:defRPr>
+            </a:lvl5pPr>
+            <a:lvl6pPr marL="2743200" marR="0" lvl="5" indent="-330200" algn="l" rtl="0">
+              <a:lnSpc>
+                <a:spcPct val="100000"/>
+              </a:lnSpc>
+              <a:spcBef>
+                <a:spcPts val="0"/>
+              </a:spcBef>
+              <a:spcAft>
+                <a:spcPts val="0"/>
+              </a:spcAft>
+              <a:buClr>
+                <a:schemeClr val="dk1"/>
+              </a:buClr>
+              <a:buSzPts val="1600"/>
+              <a:buFont typeface="Voces"/>
+              <a:buChar char="■"/>
+              <a:defRPr sz="1600" b="0" i="0" u="none" strike="noStrike" cap="none">
+                <a:solidFill>
+                  <a:schemeClr val="dk1"/>
+                </a:solidFill>
+                <a:latin typeface="Voces"/>
+                <a:ea typeface="Voces"/>
+                <a:cs typeface="Voces"/>
+                <a:sym typeface="Voces"/>
+              </a:defRPr>
+            </a:lvl6pPr>
+            <a:lvl7pPr marL="3200400" marR="0" lvl="6" indent="-330200" algn="l" rtl="0">
+              <a:lnSpc>
+                <a:spcPct val="100000"/>
+              </a:lnSpc>
+              <a:spcBef>
+                <a:spcPts val="0"/>
+              </a:spcBef>
+              <a:spcAft>
+                <a:spcPts val="0"/>
+              </a:spcAft>
+              <a:buClr>
+                <a:schemeClr val="dk1"/>
+              </a:buClr>
+              <a:buSzPts val="1600"/>
+              <a:buFont typeface="Voces"/>
+              <a:buChar char="●"/>
+              <a:defRPr sz="1600" b="0" i="0" u="none" strike="noStrike" cap="none">
+                <a:solidFill>
+                  <a:schemeClr val="dk1"/>
+                </a:solidFill>
+                <a:latin typeface="Voces"/>
+                <a:ea typeface="Voces"/>
+                <a:cs typeface="Voces"/>
+                <a:sym typeface="Voces"/>
+              </a:defRPr>
+            </a:lvl7pPr>
+            <a:lvl8pPr marL="3657600" marR="0" lvl="7" indent="-330200" algn="l" rtl="0">
+              <a:lnSpc>
+                <a:spcPct val="100000"/>
+              </a:lnSpc>
+              <a:spcBef>
+                <a:spcPts val="0"/>
+              </a:spcBef>
+              <a:spcAft>
+                <a:spcPts val="0"/>
+              </a:spcAft>
+              <a:buClr>
+                <a:schemeClr val="dk1"/>
+              </a:buClr>
+              <a:buSzPts val="1600"/>
+              <a:buFont typeface="Voces"/>
+              <a:buChar char="○"/>
+              <a:defRPr sz="1600" b="0" i="0" u="none" strike="noStrike" cap="none">
+                <a:solidFill>
+                  <a:schemeClr val="dk1"/>
+                </a:solidFill>
+                <a:latin typeface="Voces"/>
+                <a:ea typeface="Voces"/>
+                <a:cs typeface="Voces"/>
+                <a:sym typeface="Voces"/>
+              </a:defRPr>
+            </a:lvl8pPr>
+            <a:lvl9pPr marL="4114800" marR="0" lvl="8" indent="-330200" algn="l" rtl="0">
+              <a:lnSpc>
+                <a:spcPct val="100000"/>
+              </a:lnSpc>
+              <a:spcBef>
+                <a:spcPts val="0"/>
+              </a:spcBef>
+              <a:spcAft>
+                <a:spcPts val="0"/>
+              </a:spcAft>
+              <a:buClr>
+                <a:schemeClr val="dk1"/>
+              </a:buClr>
+              <a:buSzPts val="1600"/>
+              <a:buFont typeface="Voces"/>
+              <a:buChar char="■"/>
+              <a:defRPr sz="1600" b="0" i="0" u="none" strike="noStrike" cap="none">
+                <a:solidFill>
+                  <a:schemeClr val="dk1"/>
+                </a:solidFill>
+                <a:latin typeface="Voces"/>
+                <a:ea typeface="Voces"/>
+                <a:cs typeface="Voces"/>
+                <a:sym typeface="Voces"/>
+              </a:defRPr>
+            </a:lvl9pPr>
+          </a:lstStyle>
+          <a:p>
+            <a:pPr marL="0" indent="0" algn="ctr">
+              <a:spcAft>
+                <a:spcPts val="1200"/>
+              </a:spcAft>
+              <a:buFont typeface="Voces"/>
+              <a:buNone/>
+            </a:pPr>
+            <a:r>
+              <a:rPr lang="en-IN" sz="2400">
+                <a:solidFill>
+                  <a:schemeClr val="accent1"/>
+                </a:solidFill>
+                <a:latin typeface="Calistoga"/>
+                <a:ea typeface="Calistoga"/>
+                <a:cs typeface="Calistoga"/>
+                <a:sym typeface="Calistoga"/>
+              </a:rPr>
+              <a:t>Ploughing</a:t>
+            </a:r>
+            <a:endParaRPr lang="en-IN" sz="2400" dirty="0">
+              <a:solidFill>
+                <a:schemeClr val="accent1"/>
+              </a:solidFill>
+              <a:latin typeface="Calistoga"/>
+              <a:ea typeface="Calistoga"/>
+              <a:cs typeface="Calistoga"/>
+              <a:sym typeface="Calistoga"/>
+            </a:endParaRPr>
+          </a:p>
+        </p:txBody>
+      </p:sp>
+      <p:sp>
+        <p:nvSpPr>
+          <p:cNvPr id="8" name="Google Shape;2851;p83">
+            <a:extLst>
+              <a:ext uri="{FF2B5EF4-FFF2-40B4-BE49-F238E27FC236}">
+                <a16:creationId xmlns:a16="http://schemas.microsoft.com/office/drawing/2014/main" id="{154456B4-41AA-564B-8AAE-FCCEECE72E0A}"/>
+              </a:ext>
+            </a:extLst>
+          </p:cNvPr>
+          <p:cNvSpPr txBox="1">
+            <a:spLocks/>
+          </p:cNvSpPr>
+          <p:nvPr/>
+        </p:nvSpPr>
+        <p:spPr>
+          <a:xfrm>
+            <a:off x="2008699" y="1995139"/>
+            <a:ext cx="1939084" cy="400522"/>
+          </a:xfrm>
+          <a:prstGeom prst="rect">
+            <a:avLst/>
+          </a:prstGeom>
+          <a:noFill/>
+          <a:ln>
+            <a:noFill/>
+          </a:ln>
+        </p:spPr>
+        <p:txBody>
+          <a:bodyPr spcFirstLastPara="1" wrap="square" lIns="91425" tIns="0" rIns="91425" bIns="91425" anchor="t" anchorCtr="0">
+            <a:noAutofit/>
+          </a:bodyPr>
+          <a:lstStyle>
+            <a:defPPr marR="0" lvl="0" algn="l" rtl="0">
+              <a:lnSpc>
+                <a:spcPct val="100000"/>
+              </a:lnSpc>
+              <a:spcBef>
+                <a:spcPts val="0"/>
+              </a:spcBef>
+              <a:spcAft>
+                <a:spcPts val="0"/>
+              </a:spcAft>
+            </a:defPPr>
+            <a:lvl1pPr marL="457200" marR="0" lvl="0" indent="-330200" algn="l" rtl="0">
+              <a:lnSpc>
+                <a:spcPct val="100000"/>
+              </a:lnSpc>
+              <a:spcBef>
+                <a:spcPts val="0"/>
+              </a:spcBef>
+              <a:spcAft>
+                <a:spcPts val="0"/>
+              </a:spcAft>
+              <a:buClr>
+                <a:schemeClr val="dk1"/>
+              </a:buClr>
+              <a:buSzPts val="1600"/>
+              <a:buFont typeface="Voces"/>
+              <a:buChar char="●"/>
+              <a:defRPr sz="1600" b="0" i="0" u="none" strike="noStrike" cap="none">
+                <a:solidFill>
+                  <a:schemeClr val="dk1"/>
+                </a:solidFill>
+                <a:latin typeface="Voces"/>
+                <a:ea typeface="Voces"/>
+                <a:cs typeface="Voces"/>
+                <a:sym typeface="Voces"/>
+              </a:defRPr>
+            </a:lvl1pPr>
+            <a:lvl2pPr marL="914400" marR="0" lvl="1" indent="-330200" algn="l" rtl="0">
+              <a:lnSpc>
+                <a:spcPct val="100000"/>
+              </a:lnSpc>
+              <a:spcBef>
+                <a:spcPts val="0"/>
+              </a:spcBef>
+              <a:spcAft>
+                <a:spcPts val="0"/>
+              </a:spcAft>
+              <a:buClr>
+                <a:schemeClr val="dk1"/>
+              </a:buClr>
+              <a:buSzPts val="1600"/>
+              <a:buFont typeface="Voces"/>
+              <a:buChar char="○"/>
+              <a:defRPr sz="1600" b="0" i="0" u="none" strike="noStrike" cap="none">
+                <a:solidFill>
+                  <a:schemeClr val="dk1"/>
+                </a:solidFill>
+                <a:latin typeface="Voces"/>
+                <a:ea typeface="Voces"/>
+                <a:cs typeface="Voces"/>
+                <a:sym typeface="Voces"/>
+              </a:defRPr>
+            </a:lvl2pPr>
+            <a:lvl3pPr marL="1371600" marR="0" lvl="2" indent="-330200" algn="l" rtl="0">
+              <a:lnSpc>
+                <a:spcPct val="100000"/>
+              </a:lnSpc>
+              <a:spcBef>
+                <a:spcPts val="0"/>
+              </a:spcBef>
+              <a:spcAft>
+                <a:spcPts val="0"/>
+              </a:spcAft>
+              <a:buClr>
+                <a:schemeClr val="dk1"/>
+              </a:buClr>
+              <a:buSzPts val="1600"/>
+              <a:buFont typeface="Voces"/>
+              <a:buChar char="■"/>
+              <a:defRPr sz="1600" b="0" i="0" u="none" strike="noStrike" cap="none">
+                <a:solidFill>
+                  <a:schemeClr val="dk1"/>
+                </a:solidFill>
+                <a:latin typeface="Voces"/>
+                <a:ea typeface="Voces"/>
+                <a:cs typeface="Voces"/>
+                <a:sym typeface="Voces"/>
+              </a:defRPr>
+            </a:lvl3pPr>
+            <a:lvl4pPr marL="1828800" marR="0" lvl="3" indent="-330200" algn="l" rtl="0">
+              <a:lnSpc>
+                <a:spcPct val="100000"/>
+              </a:lnSpc>
+              <a:spcBef>
+                <a:spcPts val="0"/>
+              </a:spcBef>
+              <a:spcAft>
+                <a:spcPts val="0"/>
+              </a:spcAft>
+              <a:buClr>
+                <a:schemeClr val="dk1"/>
+              </a:buClr>
+              <a:buSzPts val="1600"/>
+              <a:buFont typeface="Voces"/>
+              <a:buChar char="●"/>
+              <a:defRPr sz="1600" b="0" i="0" u="none" strike="noStrike" cap="none">
+                <a:solidFill>
+                  <a:schemeClr val="dk1"/>
+                </a:solidFill>
+                <a:latin typeface="Voces"/>
+                <a:ea typeface="Voces"/>
+                <a:cs typeface="Voces"/>
+                <a:sym typeface="Voces"/>
+              </a:defRPr>
+            </a:lvl4pPr>
+            <a:lvl5pPr marL="2286000" marR="0" lvl="4" indent="-330200" algn="l" rtl="0">
+              <a:lnSpc>
+                <a:spcPct val="100000"/>
+              </a:lnSpc>
+              <a:spcBef>
+                <a:spcPts val="0"/>
+              </a:spcBef>
+              <a:spcAft>
+                <a:spcPts val="0"/>
+              </a:spcAft>
+              <a:buClr>
+                <a:schemeClr val="dk1"/>
+              </a:buClr>
+              <a:buSzPts val="1600"/>
+              <a:buFont typeface="Voces"/>
+              <a:buChar char="○"/>
+              <a:defRPr sz="1600" b="0" i="0" u="none" strike="noStrike" cap="none">
+                <a:solidFill>
+                  <a:schemeClr val="dk1"/>
+                </a:solidFill>
+                <a:latin typeface="Voces"/>
+                <a:ea typeface="Voces"/>
+                <a:cs typeface="Voces"/>
+                <a:sym typeface="Voces"/>
+              </a:defRPr>
+            </a:lvl5pPr>
+            <a:lvl6pPr marL="2743200" marR="0" lvl="5" indent="-330200" algn="l" rtl="0">
+              <a:lnSpc>
+                <a:spcPct val="100000"/>
+              </a:lnSpc>
+              <a:spcBef>
+                <a:spcPts val="0"/>
+              </a:spcBef>
+              <a:spcAft>
+                <a:spcPts val="0"/>
+              </a:spcAft>
+              <a:buClr>
+                <a:schemeClr val="dk1"/>
+              </a:buClr>
+              <a:buSzPts val="1600"/>
+              <a:buFont typeface="Voces"/>
+              <a:buChar char="■"/>
+              <a:defRPr sz="1600" b="0" i="0" u="none" strike="noStrike" cap="none">
+                <a:solidFill>
+                  <a:schemeClr val="dk1"/>
+                </a:solidFill>
+                <a:latin typeface="Voces"/>
+                <a:ea typeface="Voces"/>
+                <a:cs typeface="Voces"/>
+                <a:sym typeface="Voces"/>
+              </a:defRPr>
+            </a:lvl6pPr>
+            <a:lvl7pPr marL="3200400" marR="0" lvl="6" indent="-330200" algn="l" rtl="0">
+              <a:lnSpc>
+                <a:spcPct val="100000"/>
+              </a:lnSpc>
+              <a:spcBef>
+                <a:spcPts val="0"/>
+              </a:spcBef>
+              <a:spcAft>
+                <a:spcPts val="0"/>
+              </a:spcAft>
+              <a:buClr>
+                <a:schemeClr val="dk1"/>
+              </a:buClr>
+              <a:buSzPts val="1600"/>
+              <a:buFont typeface="Voces"/>
+              <a:buChar char="●"/>
+              <a:defRPr sz="1600" b="0" i="0" u="none" strike="noStrike" cap="none">
+                <a:solidFill>
+                  <a:schemeClr val="dk1"/>
+                </a:solidFill>
+                <a:latin typeface="Voces"/>
+                <a:ea typeface="Voces"/>
+                <a:cs typeface="Voces"/>
+                <a:sym typeface="Voces"/>
+              </a:defRPr>
+            </a:lvl7pPr>
+            <a:lvl8pPr marL="3657600" marR="0" lvl="7" indent="-330200" algn="l" rtl="0">
+              <a:lnSpc>
+                <a:spcPct val="100000"/>
+              </a:lnSpc>
+              <a:spcBef>
+                <a:spcPts val="0"/>
+              </a:spcBef>
+              <a:spcAft>
+                <a:spcPts val="0"/>
+              </a:spcAft>
+              <a:buClr>
+                <a:schemeClr val="dk1"/>
+              </a:buClr>
+              <a:buSzPts val="1600"/>
+              <a:buFont typeface="Voces"/>
+              <a:buChar char="○"/>
+              <a:defRPr sz="1600" b="0" i="0" u="none" strike="noStrike" cap="none">
+                <a:solidFill>
+                  <a:schemeClr val="dk1"/>
+                </a:solidFill>
+                <a:latin typeface="Voces"/>
+                <a:ea typeface="Voces"/>
+                <a:cs typeface="Voces"/>
+                <a:sym typeface="Voces"/>
+              </a:defRPr>
+            </a:lvl8pPr>
+            <a:lvl9pPr marL="4114800" marR="0" lvl="8" indent="-330200" algn="l" rtl="0">
+              <a:lnSpc>
+                <a:spcPct val="100000"/>
+              </a:lnSpc>
+              <a:spcBef>
+                <a:spcPts val="0"/>
+              </a:spcBef>
+              <a:spcAft>
+                <a:spcPts val="0"/>
+              </a:spcAft>
+              <a:buClr>
+                <a:schemeClr val="dk1"/>
+              </a:buClr>
+              <a:buSzPts val="1600"/>
+              <a:buFont typeface="Voces"/>
+              <a:buChar char="■"/>
+              <a:defRPr sz="1600" b="0" i="0" u="none" strike="noStrike" cap="none">
+                <a:solidFill>
+                  <a:schemeClr val="dk1"/>
+                </a:solidFill>
+                <a:latin typeface="Voces"/>
+                <a:ea typeface="Voces"/>
+                <a:cs typeface="Voces"/>
+                <a:sym typeface="Voces"/>
+              </a:defRPr>
+            </a:lvl9pPr>
+          </a:lstStyle>
+          <a:p>
+            <a:pPr marL="0" indent="0" algn="ctr">
+              <a:spcAft>
+                <a:spcPts val="1200"/>
+              </a:spcAft>
+              <a:buFont typeface="Voces"/>
+              <a:buNone/>
+            </a:pPr>
+            <a:r>
+              <a:rPr lang="en-IN" sz="2400" dirty="0">
+                <a:solidFill>
+                  <a:schemeClr val="accent1"/>
+                </a:solidFill>
+                <a:latin typeface="Calistoga"/>
+                <a:ea typeface="Calistoga"/>
+                <a:cs typeface="Calistoga"/>
+                <a:sym typeface="Calistoga"/>
+              </a:rPr>
+              <a:t>Tillering</a:t>
+            </a:r>
+          </a:p>
+        </p:txBody>
+      </p:sp>
+      <p:sp>
+        <p:nvSpPr>
+          <p:cNvPr id="9" name="Google Shape;2854;p83">
+            <a:extLst>
+              <a:ext uri="{FF2B5EF4-FFF2-40B4-BE49-F238E27FC236}">
+                <a16:creationId xmlns:a16="http://schemas.microsoft.com/office/drawing/2014/main" id="{CAF64DC3-F737-D5B6-8E17-69C57068495A}"/>
+              </a:ext>
+            </a:extLst>
+          </p:cNvPr>
+          <p:cNvSpPr txBox="1">
+            <a:spLocks/>
+          </p:cNvSpPr>
+          <p:nvPr/>
+        </p:nvSpPr>
+        <p:spPr>
+          <a:xfrm>
+            <a:off x="4961979" y="1995138"/>
+            <a:ext cx="2164378" cy="400522"/>
+          </a:xfrm>
+          <a:prstGeom prst="rect">
+            <a:avLst/>
+          </a:prstGeom>
+          <a:noFill/>
+          <a:ln>
+            <a:noFill/>
+          </a:ln>
+        </p:spPr>
+        <p:txBody>
+          <a:bodyPr spcFirstLastPara="1" wrap="square" lIns="91425" tIns="0" rIns="91425" bIns="91425" anchor="t" anchorCtr="0">
+            <a:noAutofit/>
+          </a:bodyPr>
+          <a:lstStyle>
+            <a:defPPr marR="0" lvl="0" algn="l" rtl="0">
+              <a:lnSpc>
+                <a:spcPct val="100000"/>
+              </a:lnSpc>
+              <a:spcBef>
+                <a:spcPts val="0"/>
+              </a:spcBef>
+              <a:spcAft>
+                <a:spcPts val="0"/>
+              </a:spcAft>
+            </a:defPPr>
+            <a:lvl1pPr marL="457200" marR="0" lvl="0" indent="-330200" algn="l" rtl="0">
+              <a:lnSpc>
+                <a:spcPct val="100000"/>
+              </a:lnSpc>
+              <a:spcBef>
+                <a:spcPts val="0"/>
+              </a:spcBef>
+              <a:spcAft>
+                <a:spcPts val="0"/>
+              </a:spcAft>
+              <a:buClr>
+                <a:schemeClr val="dk1"/>
+              </a:buClr>
+              <a:buSzPts val="1600"/>
+              <a:buFont typeface="Voces"/>
+              <a:buChar char="●"/>
+              <a:defRPr sz="1600" b="0" i="0" u="none" strike="noStrike" cap="none">
+                <a:solidFill>
+                  <a:schemeClr val="dk1"/>
+                </a:solidFill>
+                <a:latin typeface="Voces"/>
+                <a:ea typeface="Voces"/>
+                <a:cs typeface="Voces"/>
+                <a:sym typeface="Voces"/>
+              </a:defRPr>
+            </a:lvl1pPr>
+            <a:lvl2pPr marL="914400" marR="0" lvl="1" indent="-330200" algn="l" rtl="0">
+              <a:lnSpc>
+                <a:spcPct val="100000"/>
+              </a:lnSpc>
+              <a:spcBef>
+                <a:spcPts val="0"/>
+              </a:spcBef>
+              <a:spcAft>
+                <a:spcPts val="0"/>
+              </a:spcAft>
+              <a:buClr>
+                <a:schemeClr val="dk1"/>
+              </a:buClr>
+              <a:buSzPts val="1600"/>
+              <a:buFont typeface="Voces"/>
+              <a:buChar char="○"/>
+              <a:defRPr sz="1600" b="0" i="0" u="none" strike="noStrike" cap="none">
+                <a:solidFill>
+                  <a:schemeClr val="dk1"/>
+                </a:solidFill>
+                <a:latin typeface="Voces"/>
+                <a:ea typeface="Voces"/>
+                <a:cs typeface="Voces"/>
+                <a:sym typeface="Voces"/>
+              </a:defRPr>
+            </a:lvl2pPr>
+            <a:lvl3pPr marL="1371600" marR="0" lvl="2" indent="-330200" algn="l" rtl="0">
+              <a:lnSpc>
+                <a:spcPct val="100000"/>
+              </a:lnSpc>
+              <a:spcBef>
+                <a:spcPts val="0"/>
+              </a:spcBef>
+              <a:spcAft>
+                <a:spcPts val="0"/>
+              </a:spcAft>
+              <a:buClr>
+                <a:schemeClr val="dk1"/>
+              </a:buClr>
+              <a:buSzPts val="1600"/>
+              <a:buFont typeface="Voces"/>
+              <a:buChar char="■"/>
+              <a:defRPr sz="1600" b="0" i="0" u="none" strike="noStrike" cap="none">
+                <a:solidFill>
+                  <a:schemeClr val="dk1"/>
+                </a:solidFill>
+                <a:latin typeface="Voces"/>
+                <a:ea typeface="Voces"/>
+                <a:cs typeface="Voces"/>
+                <a:sym typeface="Voces"/>
+              </a:defRPr>
+            </a:lvl3pPr>
+            <a:lvl4pPr marL="1828800" marR="0" lvl="3" indent="-330200" algn="l" rtl="0">
+              <a:lnSpc>
+                <a:spcPct val="100000"/>
+              </a:lnSpc>
+              <a:spcBef>
+                <a:spcPts val="0"/>
+              </a:spcBef>
+              <a:spcAft>
+                <a:spcPts val="0"/>
+              </a:spcAft>
+              <a:buClr>
+                <a:schemeClr val="dk1"/>
+              </a:buClr>
+              <a:buSzPts val="1600"/>
+              <a:buFont typeface="Voces"/>
+              <a:buChar char="●"/>
+              <a:defRPr sz="1600" b="0" i="0" u="none" strike="noStrike" cap="none">
+                <a:solidFill>
+                  <a:schemeClr val="dk1"/>
+                </a:solidFill>
+                <a:latin typeface="Voces"/>
+                <a:ea typeface="Voces"/>
+                <a:cs typeface="Voces"/>
+                <a:sym typeface="Voces"/>
+              </a:defRPr>
+            </a:lvl4pPr>
+            <a:lvl5pPr marL="2286000" marR="0" lvl="4" indent="-330200" algn="l" rtl="0">
+              <a:lnSpc>
+                <a:spcPct val="100000"/>
+              </a:lnSpc>
+              <a:spcBef>
+                <a:spcPts val="0"/>
+              </a:spcBef>
+              <a:spcAft>
+                <a:spcPts val="0"/>
+              </a:spcAft>
+              <a:buClr>
+                <a:schemeClr val="dk1"/>
+              </a:buClr>
+              <a:buSzPts val="1600"/>
+              <a:buFont typeface="Voces"/>
+              <a:buChar char="○"/>
+              <a:defRPr sz="1600" b="0" i="0" u="none" strike="noStrike" cap="none">
+                <a:solidFill>
+                  <a:schemeClr val="dk1"/>
+                </a:solidFill>
+                <a:latin typeface="Voces"/>
+                <a:ea typeface="Voces"/>
+                <a:cs typeface="Voces"/>
+                <a:sym typeface="Voces"/>
+              </a:defRPr>
+            </a:lvl5pPr>
+            <a:lvl6pPr marL="2743200" marR="0" lvl="5" indent="-330200" algn="l" rtl="0">
+              <a:lnSpc>
+                <a:spcPct val="100000"/>
+              </a:lnSpc>
+              <a:spcBef>
+                <a:spcPts val="0"/>
+              </a:spcBef>
+              <a:spcAft>
+                <a:spcPts val="0"/>
+              </a:spcAft>
+              <a:buClr>
+                <a:schemeClr val="dk1"/>
+              </a:buClr>
+              <a:buSzPts val="1600"/>
+              <a:buFont typeface="Voces"/>
+              <a:buChar char="■"/>
+              <a:defRPr sz="1600" b="0" i="0" u="none" strike="noStrike" cap="none">
+                <a:solidFill>
+                  <a:schemeClr val="dk1"/>
+                </a:solidFill>
+                <a:latin typeface="Voces"/>
+                <a:ea typeface="Voces"/>
+                <a:cs typeface="Voces"/>
+                <a:sym typeface="Voces"/>
+              </a:defRPr>
+            </a:lvl6pPr>
+            <a:lvl7pPr marL="3200400" marR="0" lvl="6" indent="-330200" algn="l" rtl="0">
+              <a:lnSpc>
+                <a:spcPct val="100000"/>
+              </a:lnSpc>
+              <a:spcBef>
+                <a:spcPts val="0"/>
+              </a:spcBef>
+              <a:spcAft>
+                <a:spcPts val="0"/>
+              </a:spcAft>
+              <a:buClr>
+                <a:schemeClr val="dk1"/>
+              </a:buClr>
+              <a:buSzPts val="1600"/>
+              <a:buFont typeface="Voces"/>
+              <a:buChar char="●"/>
+              <a:defRPr sz="1600" b="0" i="0" u="none" strike="noStrike" cap="none">
+                <a:solidFill>
+                  <a:schemeClr val="dk1"/>
+                </a:solidFill>
+                <a:latin typeface="Voces"/>
+                <a:ea typeface="Voces"/>
+                <a:cs typeface="Voces"/>
+                <a:sym typeface="Voces"/>
+              </a:defRPr>
+            </a:lvl7pPr>
+            <a:lvl8pPr marL="3657600" marR="0" lvl="7" indent="-330200" algn="l" rtl="0">
+              <a:lnSpc>
+                <a:spcPct val="100000"/>
+              </a:lnSpc>
+              <a:spcBef>
+                <a:spcPts val="0"/>
+              </a:spcBef>
+              <a:spcAft>
+                <a:spcPts val="0"/>
+              </a:spcAft>
+              <a:buClr>
+                <a:schemeClr val="dk1"/>
+              </a:buClr>
+              <a:buSzPts val="1600"/>
+              <a:buFont typeface="Voces"/>
+              <a:buChar char="○"/>
+              <a:defRPr sz="1600" b="0" i="0" u="none" strike="noStrike" cap="none">
+                <a:solidFill>
+                  <a:schemeClr val="dk1"/>
+                </a:solidFill>
+                <a:latin typeface="Voces"/>
+                <a:ea typeface="Voces"/>
+                <a:cs typeface="Voces"/>
+                <a:sym typeface="Voces"/>
+              </a:defRPr>
+            </a:lvl8pPr>
+            <a:lvl9pPr marL="4114800" marR="0" lvl="8" indent="-330200" algn="l" rtl="0">
+              <a:lnSpc>
+                <a:spcPct val="100000"/>
+              </a:lnSpc>
+              <a:spcBef>
+                <a:spcPts val="0"/>
+              </a:spcBef>
+              <a:spcAft>
+                <a:spcPts val="0"/>
+              </a:spcAft>
+              <a:buClr>
+                <a:schemeClr val="dk1"/>
+              </a:buClr>
+              <a:buSzPts val="1600"/>
+              <a:buFont typeface="Voces"/>
+              <a:buChar char="■"/>
+              <a:defRPr sz="1600" b="0" i="0" u="none" strike="noStrike" cap="none">
+                <a:solidFill>
+                  <a:schemeClr val="dk1"/>
+                </a:solidFill>
+                <a:latin typeface="Voces"/>
+                <a:ea typeface="Voces"/>
+                <a:cs typeface="Voces"/>
+                <a:sym typeface="Voces"/>
+              </a:defRPr>
+            </a:lvl9pPr>
+          </a:lstStyle>
+          <a:p>
+            <a:pPr marL="0" indent="0" algn="ctr">
+              <a:spcAft>
+                <a:spcPts val="1200"/>
+              </a:spcAft>
+              <a:buFont typeface="Voces"/>
+              <a:buNone/>
+            </a:pPr>
+            <a:r>
+              <a:rPr lang="en-IN" sz="2400" dirty="0">
+                <a:solidFill>
+                  <a:schemeClr val="accent1"/>
+                </a:solidFill>
+                <a:latin typeface="Calistoga"/>
+                <a:ea typeface="Calistoga"/>
+                <a:cs typeface="Calistoga"/>
+                <a:sym typeface="Calistoga"/>
+              </a:rPr>
+              <a:t>Ripening</a:t>
+            </a:r>
+          </a:p>
+        </p:txBody>
+      </p:sp>
+      <p:sp>
+        <p:nvSpPr>
+          <p:cNvPr id="10" name="Google Shape;2857;p83">
+            <a:extLst>
+              <a:ext uri="{FF2B5EF4-FFF2-40B4-BE49-F238E27FC236}">
+                <a16:creationId xmlns:a16="http://schemas.microsoft.com/office/drawing/2014/main" id="{5D459850-47C0-FCBC-5B3E-6743B0EBD67A}"/>
+              </a:ext>
+            </a:extLst>
+          </p:cNvPr>
+          <p:cNvSpPr txBox="1">
+            <a:spLocks/>
+          </p:cNvSpPr>
+          <p:nvPr/>
+        </p:nvSpPr>
+        <p:spPr>
+          <a:xfrm>
+            <a:off x="6979684" y="1349136"/>
+            <a:ext cx="1939084" cy="400521"/>
+          </a:xfrm>
+          <a:prstGeom prst="rect">
+            <a:avLst/>
+          </a:prstGeom>
+          <a:noFill/>
+          <a:ln>
+            <a:noFill/>
+          </a:ln>
+        </p:spPr>
+        <p:txBody>
+          <a:bodyPr spcFirstLastPara="1" wrap="square" lIns="91425" tIns="0" rIns="91425" bIns="91425" anchor="t" anchorCtr="0">
+            <a:noAutofit/>
+          </a:bodyPr>
+          <a:lstStyle>
+            <a:defPPr marR="0" lvl="0" algn="l" rtl="0">
+              <a:lnSpc>
+                <a:spcPct val="100000"/>
+              </a:lnSpc>
+              <a:spcBef>
+                <a:spcPts val="0"/>
+              </a:spcBef>
+              <a:spcAft>
+                <a:spcPts val="0"/>
+              </a:spcAft>
+            </a:defPPr>
+            <a:lvl1pPr marL="457200" marR="0" lvl="0" indent="-330200" algn="l" rtl="0">
+              <a:lnSpc>
+                <a:spcPct val="100000"/>
+              </a:lnSpc>
+              <a:spcBef>
+                <a:spcPts val="0"/>
+              </a:spcBef>
+              <a:spcAft>
+                <a:spcPts val="0"/>
+              </a:spcAft>
+              <a:buClr>
+                <a:schemeClr val="dk1"/>
+              </a:buClr>
+              <a:buSzPts val="1600"/>
+              <a:buFont typeface="Voces"/>
+              <a:buChar char="●"/>
+              <a:defRPr sz="1600" b="0" i="0" u="none" strike="noStrike" cap="none">
+                <a:solidFill>
+                  <a:schemeClr val="dk1"/>
+                </a:solidFill>
+                <a:latin typeface="Voces"/>
+                <a:ea typeface="Voces"/>
+                <a:cs typeface="Voces"/>
+                <a:sym typeface="Voces"/>
+              </a:defRPr>
+            </a:lvl1pPr>
+            <a:lvl2pPr marL="914400" marR="0" lvl="1" indent="-330200" algn="l" rtl="0">
+              <a:lnSpc>
+                <a:spcPct val="100000"/>
+              </a:lnSpc>
+              <a:spcBef>
+                <a:spcPts val="0"/>
+              </a:spcBef>
+              <a:spcAft>
+                <a:spcPts val="0"/>
+              </a:spcAft>
+              <a:buClr>
+                <a:schemeClr val="dk1"/>
+              </a:buClr>
+              <a:buSzPts val="1600"/>
+              <a:buFont typeface="Voces"/>
+              <a:buChar char="○"/>
+              <a:defRPr sz="1600" b="0" i="0" u="none" strike="noStrike" cap="none">
+                <a:solidFill>
+                  <a:schemeClr val="dk1"/>
+                </a:solidFill>
+                <a:latin typeface="Voces"/>
+                <a:ea typeface="Voces"/>
+                <a:cs typeface="Voces"/>
+                <a:sym typeface="Voces"/>
+              </a:defRPr>
+            </a:lvl2pPr>
+            <a:lvl3pPr marL="1371600" marR="0" lvl="2" indent="-330200" algn="l" rtl="0">
+              <a:lnSpc>
+                <a:spcPct val="100000"/>
+              </a:lnSpc>
+              <a:spcBef>
+                <a:spcPts val="0"/>
+              </a:spcBef>
+              <a:spcAft>
+                <a:spcPts val="0"/>
+              </a:spcAft>
+              <a:buClr>
+                <a:schemeClr val="dk1"/>
+              </a:buClr>
+              <a:buSzPts val="1600"/>
+              <a:buFont typeface="Voces"/>
+              <a:buChar char="■"/>
+              <a:defRPr sz="1600" b="0" i="0" u="none" strike="noStrike" cap="none">
+                <a:solidFill>
+                  <a:schemeClr val="dk1"/>
+                </a:solidFill>
+                <a:latin typeface="Voces"/>
+                <a:ea typeface="Voces"/>
+                <a:cs typeface="Voces"/>
+                <a:sym typeface="Voces"/>
+              </a:defRPr>
+            </a:lvl3pPr>
+            <a:lvl4pPr marL="1828800" marR="0" lvl="3" indent="-330200" algn="l" rtl="0">
+              <a:lnSpc>
+                <a:spcPct val="100000"/>
+              </a:lnSpc>
+              <a:spcBef>
+                <a:spcPts val="0"/>
+              </a:spcBef>
+              <a:spcAft>
+                <a:spcPts val="0"/>
+              </a:spcAft>
+              <a:buClr>
+                <a:schemeClr val="dk1"/>
+              </a:buClr>
+              <a:buSzPts val="1600"/>
+              <a:buFont typeface="Voces"/>
+              <a:buChar char="●"/>
+              <a:defRPr sz="1600" b="0" i="0" u="none" strike="noStrike" cap="none">
+                <a:solidFill>
+                  <a:schemeClr val="dk1"/>
+                </a:solidFill>
+                <a:latin typeface="Voces"/>
+                <a:ea typeface="Voces"/>
+                <a:cs typeface="Voces"/>
+                <a:sym typeface="Voces"/>
+              </a:defRPr>
+            </a:lvl4pPr>
+            <a:lvl5pPr marL="2286000" marR="0" lvl="4" indent="-330200" algn="l" rtl="0">
+              <a:lnSpc>
+                <a:spcPct val="100000"/>
+              </a:lnSpc>
+              <a:spcBef>
+                <a:spcPts val="0"/>
+              </a:spcBef>
+              <a:spcAft>
+                <a:spcPts val="0"/>
+              </a:spcAft>
+              <a:buClr>
+                <a:schemeClr val="dk1"/>
+              </a:buClr>
+              <a:buSzPts val="1600"/>
+              <a:buFont typeface="Voces"/>
+              <a:buChar char="○"/>
+              <a:defRPr sz="1600" b="0" i="0" u="none" strike="noStrike" cap="none">
+                <a:solidFill>
+                  <a:schemeClr val="dk1"/>
+                </a:solidFill>
+                <a:latin typeface="Voces"/>
+                <a:ea typeface="Voces"/>
+                <a:cs typeface="Voces"/>
+                <a:sym typeface="Voces"/>
+              </a:defRPr>
+            </a:lvl5pPr>
+            <a:lvl6pPr marL="2743200" marR="0" lvl="5" indent="-330200" algn="l" rtl="0">
+              <a:lnSpc>
+                <a:spcPct val="100000"/>
+              </a:lnSpc>
+              <a:spcBef>
+                <a:spcPts val="0"/>
+              </a:spcBef>
+              <a:spcAft>
+                <a:spcPts val="0"/>
+              </a:spcAft>
+              <a:buClr>
+                <a:schemeClr val="dk1"/>
+              </a:buClr>
+              <a:buSzPts val="1600"/>
+              <a:buFont typeface="Voces"/>
+              <a:buChar char="■"/>
+              <a:defRPr sz="1600" b="0" i="0" u="none" strike="noStrike" cap="none">
+                <a:solidFill>
+                  <a:schemeClr val="dk1"/>
+                </a:solidFill>
+                <a:latin typeface="Voces"/>
+                <a:ea typeface="Voces"/>
+                <a:cs typeface="Voces"/>
+                <a:sym typeface="Voces"/>
+              </a:defRPr>
+            </a:lvl6pPr>
+            <a:lvl7pPr marL="3200400" marR="0" lvl="6" indent="-330200" algn="l" rtl="0">
+              <a:lnSpc>
+                <a:spcPct val="100000"/>
+              </a:lnSpc>
+              <a:spcBef>
+                <a:spcPts val="0"/>
+              </a:spcBef>
+              <a:spcAft>
+                <a:spcPts val="0"/>
+              </a:spcAft>
+              <a:buClr>
+                <a:schemeClr val="dk1"/>
+              </a:buClr>
+              <a:buSzPts val="1600"/>
+              <a:buFont typeface="Voces"/>
+              <a:buChar char="●"/>
+              <a:defRPr sz="1600" b="0" i="0" u="none" strike="noStrike" cap="none">
+                <a:solidFill>
+                  <a:schemeClr val="dk1"/>
+                </a:solidFill>
+                <a:latin typeface="Voces"/>
+                <a:ea typeface="Voces"/>
+                <a:cs typeface="Voces"/>
+                <a:sym typeface="Voces"/>
+              </a:defRPr>
+            </a:lvl7pPr>
+            <a:lvl8pPr marL="3657600" marR="0" lvl="7" indent="-330200" algn="l" rtl="0">
+              <a:lnSpc>
+                <a:spcPct val="100000"/>
+              </a:lnSpc>
+              <a:spcBef>
+                <a:spcPts val="0"/>
+              </a:spcBef>
+              <a:spcAft>
+                <a:spcPts val="0"/>
+              </a:spcAft>
+              <a:buClr>
+                <a:schemeClr val="dk1"/>
+              </a:buClr>
+              <a:buSzPts val="1600"/>
+              <a:buFont typeface="Voces"/>
+              <a:buChar char="○"/>
+              <a:defRPr sz="1600" b="0" i="0" u="none" strike="noStrike" cap="none">
+                <a:solidFill>
+                  <a:schemeClr val="dk1"/>
+                </a:solidFill>
+                <a:latin typeface="Voces"/>
+                <a:ea typeface="Voces"/>
+                <a:cs typeface="Voces"/>
+                <a:sym typeface="Voces"/>
+              </a:defRPr>
+            </a:lvl8pPr>
+            <a:lvl9pPr marL="4114800" marR="0" lvl="8" indent="-330200" algn="l" rtl="0">
+              <a:lnSpc>
+                <a:spcPct val="100000"/>
+              </a:lnSpc>
+              <a:spcBef>
+                <a:spcPts val="0"/>
+              </a:spcBef>
+              <a:spcAft>
+                <a:spcPts val="0"/>
+              </a:spcAft>
+              <a:buClr>
+                <a:schemeClr val="dk1"/>
+              </a:buClr>
+              <a:buSzPts val="1600"/>
+              <a:buFont typeface="Voces"/>
+              <a:buChar char="■"/>
+              <a:defRPr sz="1600" b="0" i="0" u="none" strike="noStrike" cap="none">
+                <a:solidFill>
+                  <a:schemeClr val="dk1"/>
+                </a:solidFill>
+                <a:latin typeface="Voces"/>
+                <a:ea typeface="Voces"/>
+                <a:cs typeface="Voces"/>
+                <a:sym typeface="Voces"/>
+              </a:defRPr>
+            </a:lvl9pPr>
+          </a:lstStyle>
+          <a:p>
+            <a:pPr marL="0" indent="0" algn="ctr">
+              <a:spcAft>
+                <a:spcPts val="1200"/>
+              </a:spcAft>
+              <a:buFont typeface="Voces"/>
+              <a:buNone/>
+            </a:pPr>
+            <a:r>
+              <a:rPr lang="en-IN" sz="2400" dirty="0">
+                <a:solidFill>
+                  <a:schemeClr val="accent1"/>
+                </a:solidFill>
+                <a:latin typeface="Calistoga"/>
+                <a:ea typeface="Calistoga"/>
+                <a:cs typeface="Calistoga"/>
+                <a:sym typeface="Calistoga"/>
+              </a:rPr>
+              <a:t>Harvesting</a:t>
+            </a:r>
+          </a:p>
+        </p:txBody>
+      </p:sp>
+      <p:cxnSp>
+        <p:nvCxnSpPr>
+          <p:cNvPr id="11" name="Elbow Connector 10">
+            <a:extLst>
+              <a:ext uri="{FF2B5EF4-FFF2-40B4-BE49-F238E27FC236}">
+                <a16:creationId xmlns:a16="http://schemas.microsoft.com/office/drawing/2014/main" id="{B6AF0294-11B5-DB90-52D1-D97C3EC921CF}"/>
+              </a:ext>
+            </a:extLst>
+          </p:cNvPr>
+          <p:cNvCxnSpPr>
+            <a:cxnSpLocks/>
+            <a:stCxn id="7" idx="2"/>
+            <a:endCxn id="8" idx="1"/>
+          </p:cNvCxnSpPr>
+          <p:nvPr/>
+        </p:nvCxnSpPr>
+        <p:spPr>
+          <a:xfrm rot="16200000" flipH="1">
+            <a:off x="1469148" y="1655849"/>
+            <a:ext cx="482348" cy="596753"/>
+          </a:xfrm>
+          <a:prstGeom prst="bentConnector2">
+            <a:avLst/>
+          </a:prstGeom>
+          <a:ln w="44450">
+            <a:tailEnd type="triangle"/>
+          </a:ln>
+        </p:spPr>
+        <p:style>
+          <a:lnRef idx="1">
+            <a:schemeClr val="accent1"/>
+          </a:lnRef>
+          <a:fillRef idx="0">
+            <a:schemeClr val="accent1"/>
+          </a:fillRef>
+          <a:effectRef idx="0">
+            <a:schemeClr val="accent1"/>
+          </a:effectRef>
+          <a:fontRef idx="minor">
+            <a:schemeClr val="tx1"/>
+          </a:fontRef>
+        </p:style>
+      </p:cxnSp>
+      <p:cxnSp>
+        <p:nvCxnSpPr>
+          <p:cNvPr id="12" name="Elbow Connector 11">
+            <a:extLst>
+              <a:ext uri="{FF2B5EF4-FFF2-40B4-BE49-F238E27FC236}">
+                <a16:creationId xmlns:a16="http://schemas.microsoft.com/office/drawing/2014/main" id="{21F2B3AB-EB93-AD06-8312-4C459B9A285D}"/>
+              </a:ext>
+            </a:extLst>
+          </p:cNvPr>
+          <p:cNvCxnSpPr>
+            <a:cxnSpLocks/>
+            <a:stCxn id="8" idx="3"/>
+            <a:endCxn id="9" idx="1"/>
+          </p:cNvCxnSpPr>
+          <p:nvPr/>
+        </p:nvCxnSpPr>
+        <p:spPr>
+          <a:xfrm flipV="1">
+            <a:off x="3947783" y="2195399"/>
+            <a:ext cx="1014196" cy="1"/>
+          </a:xfrm>
+          <a:prstGeom prst="bentConnector3">
+            <a:avLst/>
+          </a:prstGeom>
+          <a:ln w="44450">
+            <a:tailEnd type="triangle"/>
+          </a:ln>
+        </p:spPr>
+        <p:style>
+          <a:lnRef idx="1">
+            <a:schemeClr val="accent1"/>
+          </a:lnRef>
+          <a:fillRef idx="0">
+            <a:schemeClr val="accent1"/>
+          </a:fillRef>
+          <a:effectRef idx="0">
+            <a:schemeClr val="accent1"/>
+          </a:effectRef>
+          <a:fontRef idx="minor">
+            <a:schemeClr val="tx1"/>
+          </a:fontRef>
+        </p:style>
+      </p:cxnSp>
+      <p:cxnSp>
+        <p:nvCxnSpPr>
+          <p:cNvPr id="13" name="Elbow Connector 12">
+            <a:extLst>
+              <a:ext uri="{FF2B5EF4-FFF2-40B4-BE49-F238E27FC236}">
+                <a16:creationId xmlns:a16="http://schemas.microsoft.com/office/drawing/2014/main" id="{D109D013-C972-DE89-D571-047F2963D661}"/>
+              </a:ext>
+            </a:extLst>
+          </p:cNvPr>
+          <p:cNvCxnSpPr>
+            <a:cxnSpLocks/>
+            <a:stCxn id="9" idx="3"/>
+            <a:endCxn id="10" idx="2"/>
+          </p:cNvCxnSpPr>
+          <p:nvPr/>
+        </p:nvCxnSpPr>
+        <p:spPr>
+          <a:xfrm flipV="1">
+            <a:off x="7126357" y="1749657"/>
+            <a:ext cx="822869" cy="445742"/>
+          </a:xfrm>
+          <a:prstGeom prst="bentConnector2">
+            <a:avLst/>
+          </a:prstGeom>
+          <a:ln w="44450">
+            <a:tailEnd type="triangle"/>
+          </a:ln>
+        </p:spPr>
+        <p:style>
+          <a:lnRef idx="1">
+            <a:schemeClr val="accent1"/>
+          </a:lnRef>
+          <a:fillRef idx="0">
+            <a:schemeClr val="accent1"/>
+          </a:fillRef>
+          <a:effectRef idx="0">
+            <a:schemeClr val="accent1"/>
+          </a:effectRef>
+          <a:fontRef idx="minor">
+            <a:schemeClr val="tx1"/>
+          </a:fontRef>
+        </p:style>
+      </p:cxnSp>
+      <p:sp>
+        <p:nvSpPr>
+          <p:cNvPr id="14" name="TextBox 13">
+            <a:extLst>
+              <a:ext uri="{FF2B5EF4-FFF2-40B4-BE49-F238E27FC236}">
+                <a16:creationId xmlns:a16="http://schemas.microsoft.com/office/drawing/2014/main" id="{2E18026A-1EBE-AD0E-437A-A07AC2FC6772}"/>
+              </a:ext>
+            </a:extLst>
+          </p:cNvPr>
+          <p:cNvSpPr txBox="1"/>
+          <p:nvPr/>
+        </p:nvSpPr>
+        <p:spPr>
+          <a:xfrm>
+            <a:off x="752193" y="2747840"/>
+            <a:ext cx="8102759" cy="2554545"/>
+          </a:xfrm>
+          <a:prstGeom prst="rect">
+            <a:avLst/>
+          </a:prstGeom>
+          <a:noFill/>
+        </p:spPr>
+        <p:txBody>
+          <a:bodyPr wrap="square" rtlCol="0">
+            <a:spAutoFit/>
+          </a:bodyPr>
+          <a:lstStyle/>
+          <a:p>
+            <a:r>
+              <a:rPr lang="en-US" sz="1600" dirty="0"/>
+              <a:t>In this webpage, we identify the stage of cultivation the paddy is in.</a:t>
+            </a:r>
+          </a:p>
+          <a:p>
+            <a:endParaRPr lang="en-US" sz="1600" dirty="0"/>
+          </a:p>
+          <a:p>
+            <a:r>
+              <a:rPr lang="en-US" sz="1600" dirty="0"/>
+              <a:t>This can provide users with unique insights on course of action.</a:t>
+            </a:r>
+          </a:p>
+          <a:p>
+            <a:endParaRPr lang="en-US" sz="1600" dirty="0"/>
+          </a:p>
+          <a:p>
+            <a:r>
+              <a:rPr lang="en-US" sz="1600" dirty="0"/>
+              <a:t>The input is image of the paddy and the output produces is the stage of cultivation the paddy is in which can be used more extensively in other applications</a:t>
+            </a:r>
+          </a:p>
+          <a:p>
+            <a:endParaRPr lang="en-US" sz="1600" dirty="0"/>
+          </a:p>
+          <a:p>
+            <a:endParaRPr lang="en-US" sz="1600" dirty="0"/>
+          </a:p>
+          <a:p>
+            <a:endParaRPr lang="en-US" sz="1600" dirty="0"/>
+          </a:p>
+          <a:p>
+            <a:endParaRPr lang="en-US" sz="1600" dirty="0"/>
+          </a:p>
+        </p:txBody>
+      </p:sp>
+    </p:spTree>
+    <p:extLst>
+      <p:ext uri="{BB962C8B-B14F-4D97-AF65-F5344CB8AC3E}">
+        <p14:creationId xmlns:p14="http://schemas.microsoft.com/office/powerpoint/2010/main" val="3824029667"/>
+      </p:ext>
+    </p:extLst>
+  </p:cSld>
+  <p:clrMapOvr>
+    <a:masterClrMapping/>
+  </p:clrMapOvr>
+  <mc:AlternateContent xmlns:mc="http://schemas.openxmlformats.org/markup-compatibility/2006">
+    <mc:Choice xmlns:p159="http://schemas.microsoft.com/office/powerpoint/2015/09/main" Requires="p159">
+      <p:transition xmlns:p14="http://schemas.microsoft.com/office/powerpoint/2010/main" spd="slow" p14:dur="2000">
+        <p159:morph option="byObject"/>
+      </p:transition>
+    </mc:Choice>
+    <mc:Fallback>
+      <p:transition spd="slow">
+        <p:fade/>
+      </p:transition>
+    </mc:Fallback>
+  </mc:AlternateContent>
+</p:sld>
+</file>
+
+<file path=ppt/slides/slide11.xml><?xml version="1.0" encoding="utf-8"?>
+<p:sld xmlns:a="http://schemas.openxmlformats.org/drawingml/2006/main" xmlns:r="http://schemas.openxmlformats.org/officeDocument/2006/relationships" xmlns:p="http://schemas.openxmlformats.org/presentationml/2006/main">
+  <p:cSld>
+    <p:spTree>
+      <p:nvGrpSpPr>
+        <p:cNvPr id="1" name=""/>
+        <p:cNvGrpSpPr/>
+        <p:nvPr/>
+      </p:nvGrpSpPr>
+      <p:grpSpPr>
+        <a:xfrm>
+          <a:off x="0" y="0"/>
+          <a:ext cx="0" cy="0"/>
+          <a:chOff x="0" y="0"/>
+          <a:chExt cx="0" cy="0"/>
+        </a:xfrm>
+      </p:grpSpPr>
+      <p:sp>
+        <p:nvSpPr>
           <p:cNvPr id="2" name="Title 1">
             <a:extLst>
               <a:ext uri="{FF2B5EF4-FFF2-40B4-BE49-F238E27FC236}">
-                <a16:creationId xmlns:a16="http://schemas.microsoft.com/office/drawing/2014/main" id="{4B59B595-562A-7402-30D0-B575CE080013}"/>
+                <a16:creationId xmlns:a16="http://schemas.microsoft.com/office/drawing/2014/main" id="{CAACA468-F782-C05A-0982-3C7A52D60504}"/>
               </a:ext>
             </a:extLst>
           </p:cNvPr>
@@ -30461,6 +31969,366 @@
             <a:pPr algn="ctr"/>
             <a:r>
               <a:rPr lang="en-US" dirty="0"/>
+              <a:t>ML models we implemented </a:t>
+            </a:r>
+          </a:p>
+        </p:txBody>
+      </p:sp>
+      <p:sp>
+        <p:nvSpPr>
+          <p:cNvPr id="10" name="Rounded Rectangle 9">
+            <a:extLst>
+              <a:ext uri="{FF2B5EF4-FFF2-40B4-BE49-F238E27FC236}">
+                <a16:creationId xmlns:a16="http://schemas.microsoft.com/office/drawing/2014/main" id="{1A8F3CA1-0FBF-7A51-F710-157E5504C9BC}"/>
+              </a:ext>
+            </a:extLst>
+          </p:cNvPr>
+          <p:cNvSpPr/>
+          <p:nvPr/>
+        </p:nvSpPr>
+        <p:spPr>
+          <a:xfrm>
+            <a:off x="1956374" y="1219018"/>
+            <a:ext cx="5231250" cy="520705"/>
+          </a:xfrm>
+          <a:prstGeom prst="roundRect">
+            <a:avLst/>
+          </a:prstGeom>
+          <a:solidFill>
+            <a:schemeClr val="dk1"/>
+          </a:solidFill>
+          <a:ln>
+            <a:noFill/>
+          </a:ln>
+        </p:spPr>
+        <p:style>
+          <a:lnRef idx="0">
+            <a:scrgbClr r="0" g="0" b="0"/>
+          </a:lnRef>
+          <a:fillRef idx="0">
+            <a:scrgbClr r="0" g="0" b="0"/>
+          </a:fillRef>
+          <a:effectRef idx="0">
+            <a:scrgbClr r="0" g="0" b="0"/>
+          </a:effectRef>
+          <a:fontRef idx="minor">
+            <a:schemeClr val="lt1"/>
+          </a:fontRef>
+        </p:style>
+        <p:txBody>
+          <a:bodyPr rtlCol="0" anchor="ctr"/>
+          <a:lstStyle/>
+          <a:p>
+            <a:pPr algn="ctr"/>
+            <a:r>
+              <a:rPr lang="en-US" dirty="0"/>
+              <a:t>Paddy cultivation identification (using satellite images)</a:t>
+            </a:r>
+          </a:p>
+        </p:txBody>
+      </p:sp>
+      <p:sp>
+        <p:nvSpPr>
+          <p:cNvPr id="11" name="Rounded Rectangle 10">
+            <a:extLst>
+              <a:ext uri="{FF2B5EF4-FFF2-40B4-BE49-F238E27FC236}">
+                <a16:creationId xmlns:a16="http://schemas.microsoft.com/office/drawing/2014/main" id="{BA052068-C61B-0364-E74E-4977B8669737}"/>
+              </a:ext>
+            </a:extLst>
+          </p:cNvPr>
+          <p:cNvSpPr/>
+          <p:nvPr/>
+        </p:nvSpPr>
+        <p:spPr>
+          <a:xfrm>
+            <a:off x="1956374" y="1936797"/>
+            <a:ext cx="5231250" cy="520705"/>
+          </a:xfrm>
+          <a:prstGeom prst="roundRect">
+            <a:avLst/>
+          </a:prstGeom>
+          <a:solidFill>
+            <a:schemeClr val="dk1"/>
+          </a:solidFill>
+          <a:ln>
+            <a:noFill/>
+          </a:ln>
+        </p:spPr>
+        <p:style>
+          <a:lnRef idx="0">
+            <a:scrgbClr r="0" g="0" b="0"/>
+          </a:lnRef>
+          <a:fillRef idx="0">
+            <a:scrgbClr r="0" g="0" b="0"/>
+          </a:fillRef>
+          <a:effectRef idx="0">
+            <a:scrgbClr r="0" g="0" b="0"/>
+          </a:effectRef>
+          <a:fontRef idx="minor">
+            <a:schemeClr val="lt1"/>
+          </a:fontRef>
+        </p:style>
+        <p:txBody>
+          <a:bodyPr rtlCol="0" anchor="ctr"/>
+          <a:lstStyle/>
+          <a:p>
+            <a:pPr algn="ctr"/>
+            <a:r>
+              <a:rPr lang="en-US" dirty="0"/>
+              <a:t>Paddy cultivation identification (using uploaded images)</a:t>
+            </a:r>
+          </a:p>
+        </p:txBody>
+      </p:sp>
+      <p:sp>
+        <p:nvSpPr>
+          <p:cNvPr id="12" name="Rounded Rectangle 11">
+            <a:extLst>
+              <a:ext uri="{FF2B5EF4-FFF2-40B4-BE49-F238E27FC236}">
+                <a16:creationId xmlns:a16="http://schemas.microsoft.com/office/drawing/2014/main" id="{557B005E-F1F7-0ED1-6862-68E936424097}"/>
+              </a:ext>
+            </a:extLst>
+          </p:cNvPr>
+          <p:cNvSpPr/>
+          <p:nvPr/>
+        </p:nvSpPr>
+        <p:spPr>
+          <a:xfrm>
+            <a:off x="1956374" y="2639303"/>
+            <a:ext cx="5231250" cy="520705"/>
+          </a:xfrm>
+          <a:prstGeom prst="roundRect">
+            <a:avLst/>
+          </a:prstGeom>
+          <a:solidFill>
+            <a:schemeClr val="dk1"/>
+          </a:solidFill>
+          <a:ln>
+            <a:noFill/>
+          </a:ln>
+        </p:spPr>
+        <p:style>
+          <a:lnRef idx="0">
+            <a:scrgbClr r="0" g="0" b="0"/>
+          </a:lnRef>
+          <a:fillRef idx="0">
+            <a:scrgbClr r="0" g="0" b="0"/>
+          </a:fillRef>
+          <a:effectRef idx="0">
+            <a:scrgbClr r="0" g="0" b="0"/>
+          </a:effectRef>
+          <a:fontRef idx="minor">
+            <a:schemeClr val="lt1"/>
+          </a:fontRef>
+        </p:style>
+        <p:txBody>
+          <a:bodyPr rtlCol="0" anchor="ctr"/>
+          <a:lstStyle/>
+          <a:p>
+            <a:pPr algn="ctr"/>
+            <a:r>
+              <a:rPr lang="en-US" dirty="0"/>
+              <a:t>Stage of paddy identification</a:t>
+            </a:r>
+          </a:p>
+        </p:txBody>
+      </p:sp>
+      <p:sp>
+        <p:nvSpPr>
+          <p:cNvPr id="13" name="Rounded Rectangle 12">
+            <a:extLst>
+              <a:ext uri="{FF2B5EF4-FFF2-40B4-BE49-F238E27FC236}">
+                <a16:creationId xmlns:a16="http://schemas.microsoft.com/office/drawing/2014/main" id="{912D3A9C-23C7-AC5C-446B-33FBED61DAAB}"/>
+              </a:ext>
+            </a:extLst>
+          </p:cNvPr>
+          <p:cNvSpPr/>
+          <p:nvPr/>
+        </p:nvSpPr>
+        <p:spPr>
+          <a:xfrm>
+            <a:off x="1956374" y="3341809"/>
+            <a:ext cx="5231250" cy="520705"/>
+          </a:xfrm>
+          <a:prstGeom prst="roundRect">
+            <a:avLst/>
+          </a:prstGeom>
+          <a:solidFill>
+            <a:schemeClr val="dk1"/>
+          </a:solidFill>
+          <a:ln>
+            <a:noFill/>
+          </a:ln>
+        </p:spPr>
+        <p:style>
+          <a:lnRef idx="0">
+            <a:scrgbClr r="0" g="0" b="0"/>
+          </a:lnRef>
+          <a:fillRef idx="0">
+            <a:scrgbClr r="0" g="0" b="0"/>
+          </a:fillRef>
+          <a:effectRef idx="0">
+            <a:scrgbClr r="0" g="0" b="0"/>
+          </a:effectRef>
+          <a:fontRef idx="minor">
+            <a:schemeClr val="lt1"/>
+          </a:fontRef>
+        </p:style>
+        <p:txBody>
+          <a:bodyPr rtlCol="0" anchor="ctr"/>
+          <a:lstStyle/>
+          <a:p>
+            <a:pPr algn="ctr"/>
+            <a:r>
+              <a:rPr lang="en-US" dirty="0"/>
+              <a:t>Substandard paddy identification</a:t>
+            </a:r>
+          </a:p>
+        </p:txBody>
+      </p:sp>
+      <p:sp>
+        <p:nvSpPr>
+          <p:cNvPr id="14" name="Rounded Rectangle 13">
+            <a:extLst>
+              <a:ext uri="{FF2B5EF4-FFF2-40B4-BE49-F238E27FC236}">
+                <a16:creationId xmlns:a16="http://schemas.microsoft.com/office/drawing/2014/main" id="{B5ACA3D1-247C-126D-9B68-80ED6024CAF0}"/>
+              </a:ext>
+            </a:extLst>
+          </p:cNvPr>
+          <p:cNvSpPr/>
+          <p:nvPr/>
+        </p:nvSpPr>
+        <p:spPr>
+          <a:xfrm>
+            <a:off x="1956374" y="4059588"/>
+            <a:ext cx="5231250" cy="520705"/>
+          </a:xfrm>
+          <a:prstGeom prst="roundRect">
+            <a:avLst/>
+          </a:prstGeom>
+          <a:solidFill>
+            <a:schemeClr val="dk1"/>
+          </a:solidFill>
+          <a:ln>
+            <a:noFill/>
+          </a:ln>
+        </p:spPr>
+        <p:style>
+          <a:lnRef idx="0">
+            <a:scrgbClr r="0" g="0" b="0"/>
+          </a:lnRef>
+          <a:fillRef idx="0">
+            <a:scrgbClr r="0" g="0" b="0"/>
+          </a:fillRef>
+          <a:effectRef idx="0">
+            <a:scrgbClr r="0" g="0" b="0"/>
+          </a:effectRef>
+          <a:fontRef idx="minor">
+            <a:schemeClr val="lt1"/>
+          </a:fontRef>
+        </p:style>
+        <p:txBody>
+          <a:bodyPr rtlCol="0" anchor="ctr"/>
+          <a:lstStyle/>
+          <a:p>
+            <a:pPr algn="ctr"/>
+            <a:r>
+              <a:rPr lang="en-US" dirty="0"/>
+              <a:t>Rice Identification</a:t>
+            </a:r>
+          </a:p>
+        </p:txBody>
+      </p:sp>
+    </p:spTree>
+    <p:extLst>
+      <p:ext uri="{BB962C8B-B14F-4D97-AF65-F5344CB8AC3E}">
+        <p14:creationId xmlns:p14="http://schemas.microsoft.com/office/powerpoint/2010/main" val="2626688671"/>
+      </p:ext>
+    </p:extLst>
+  </p:cSld>
+  <p:clrMapOvr>
+    <a:masterClrMapping/>
+  </p:clrMapOvr>
+  <mc:AlternateContent xmlns:mc="http://schemas.openxmlformats.org/markup-compatibility/2006">
+    <mc:Choice xmlns:p159="http://schemas.microsoft.com/office/powerpoint/2015/09/main" Requires="p159">
+      <p:transition xmlns:p14="http://schemas.microsoft.com/office/powerpoint/2010/main" spd="slow" p14:dur="2000">
+        <p159:morph option="byObject"/>
+      </p:transition>
+    </mc:Choice>
+    <mc:Fallback>
+      <p:transition spd="slow">
+        <p:fade/>
+      </p:transition>
+    </mc:Fallback>
+  </mc:AlternateContent>
+</p:sld>
+</file>
+
+<file path=ppt/slides/slide12.xml><?xml version="1.0" encoding="utf-8"?>
+<p:sld xmlns:a="http://schemas.openxmlformats.org/drawingml/2006/main" xmlns:r="http://schemas.openxmlformats.org/officeDocument/2006/relationships" xmlns:p="http://schemas.openxmlformats.org/presentationml/2006/main">
+  <p:cSld>
+    <p:spTree>
+      <p:nvGrpSpPr>
+        <p:cNvPr id="1" name=""/>
+        <p:cNvGrpSpPr/>
+        <p:nvPr/>
+      </p:nvGrpSpPr>
+      <p:grpSpPr>
+        <a:xfrm>
+          <a:off x="0" y="0"/>
+          <a:ext cx="0" cy="0"/>
+          <a:chOff x="0" y="0"/>
+          <a:chExt cx="0" cy="0"/>
+        </a:xfrm>
+      </p:grpSpPr>
+      <p:sp>
+        <p:nvSpPr>
+          <p:cNvPr id="4" name="Rounded Rectangle 3">
+            <a:extLst>
+              <a:ext uri="{FF2B5EF4-FFF2-40B4-BE49-F238E27FC236}">
+                <a16:creationId xmlns:a16="http://schemas.microsoft.com/office/drawing/2014/main" id="{CB7AE4C3-04FF-72F1-EAEB-AD08DF8FD8BE}"/>
+              </a:ext>
+            </a:extLst>
+          </p:cNvPr>
+          <p:cNvSpPr/>
+          <p:nvPr/>
+        </p:nvSpPr>
+        <p:spPr>
+          <a:xfrm>
+            <a:off x="704467" y="421109"/>
+            <a:ext cx="7719300" cy="734883"/>
+          </a:xfrm>
+          <a:prstGeom prst="roundRect">
+            <a:avLst/>
+          </a:prstGeom>
+          <a:solidFill>
+            <a:schemeClr val="dk1"/>
+          </a:solidFill>
+          <a:ln>
+            <a:noFill/>
+          </a:ln>
+        </p:spPr>
+        <p:style>
+          <a:lnRef idx="0">
+            <a:scrgbClr r="0" g="0" b="0"/>
+          </a:lnRef>
+          <a:fillRef idx="0">
+            <a:scrgbClr r="0" g="0" b="0"/>
+          </a:fillRef>
+          <a:effectRef idx="0">
+            <a:scrgbClr r="0" g="0" b="0"/>
+          </a:effectRef>
+          <a:fontRef idx="minor">
+            <a:schemeClr val="lt1"/>
+          </a:fontRef>
+        </p:style>
+        <p:txBody>
+          <a:bodyPr rtlCol="0" anchor="ctr"/>
+          <a:lstStyle/>
+          <a:p>
+            <a:pPr algn="ctr"/>
+            <a:r>
+              <a:rPr lang="en-US" sz="2400" dirty="0"/>
               <a:t>Substandard paddy identification</a:t>
             </a:r>
           </a:p>
@@ -30619,13 +32487,13 @@
   <p:clrMapOvr>
     <a:masterClrMapping/>
   </p:clrMapOvr>
-  <mc:AlternateContent xmlns:mc="http://schemas.openxmlformats.org/markup-compatibility/2006" xmlns:p159="http://schemas.microsoft.com/office/powerpoint/2015/09/main">
-    <mc:Choice Requires="p159">
+  <mc:AlternateContent xmlns:mc="http://schemas.openxmlformats.org/markup-compatibility/2006">
+    <mc:Choice xmlns:p159="http://schemas.microsoft.com/office/powerpoint/2015/09/main" Requires="p159">
       <p:transition xmlns:p14="http://schemas.microsoft.com/office/powerpoint/2010/main" spd="slow" p14:dur="2000">
         <p159:morph option="byObject"/>
       </p:transition>
     </mc:Choice>
-    <mc:Fallback xmlns="">
+    <mc:Fallback>
       <p:transition spd="slow">
         <p:fade/>
       </p:transition>
@@ -30634,7 +32502,343 @@
 </p:sld>
 </file>
 
-<file path=ppt/slides/slide11.xml><?xml version="1.0" encoding="utf-8"?>
+<file path=ppt/slides/slide13.xml><?xml version="1.0" encoding="utf-8"?>
+<p:sld xmlns:a="http://schemas.openxmlformats.org/drawingml/2006/main" xmlns:r="http://schemas.openxmlformats.org/officeDocument/2006/relationships" xmlns:p="http://schemas.openxmlformats.org/presentationml/2006/main">
+  <p:cSld>
+    <p:spTree>
+      <p:nvGrpSpPr>
+        <p:cNvPr id="1" name=""/>
+        <p:cNvGrpSpPr/>
+        <p:nvPr/>
+      </p:nvGrpSpPr>
+      <p:grpSpPr>
+        <a:xfrm>
+          <a:off x="0" y="0"/>
+          <a:ext cx="0" cy="0"/>
+          <a:chOff x="0" y="0"/>
+          <a:chExt cx="0" cy="0"/>
+        </a:xfrm>
+      </p:grpSpPr>
+      <p:sp>
+        <p:nvSpPr>
+          <p:cNvPr id="2" name="Title 1">
+            <a:extLst>
+              <a:ext uri="{FF2B5EF4-FFF2-40B4-BE49-F238E27FC236}">
+                <a16:creationId xmlns:a16="http://schemas.microsoft.com/office/drawing/2014/main" id="{CAACA468-F782-C05A-0982-3C7A52D60504}"/>
+              </a:ext>
+            </a:extLst>
+          </p:cNvPr>
+          <p:cNvSpPr>
+            <a:spLocks noGrp="1"/>
+          </p:cNvSpPr>
+          <p:nvPr>
+            <p:ph type="title"/>
+          </p:nvPr>
+        </p:nvSpPr>
+        <p:spPr/>
+        <p:txBody>
+          <a:bodyPr/>
+          <a:lstStyle/>
+          <a:p>
+            <a:pPr algn="ctr"/>
+            <a:r>
+              <a:rPr lang="en-US" dirty="0"/>
+              <a:t>ML models we implemented </a:t>
+            </a:r>
+          </a:p>
+        </p:txBody>
+      </p:sp>
+      <p:sp>
+        <p:nvSpPr>
+          <p:cNvPr id="10" name="Rounded Rectangle 9">
+            <a:extLst>
+              <a:ext uri="{FF2B5EF4-FFF2-40B4-BE49-F238E27FC236}">
+                <a16:creationId xmlns:a16="http://schemas.microsoft.com/office/drawing/2014/main" id="{1A8F3CA1-0FBF-7A51-F710-157E5504C9BC}"/>
+              </a:ext>
+            </a:extLst>
+          </p:cNvPr>
+          <p:cNvSpPr/>
+          <p:nvPr/>
+        </p:nvSpPr>
+        <p:spPr>
+          <a:xfrm>
+            <a:off x="1956374" y="1219018"/>
+            <a:ext cx="5231250" cy="520705"/>
+          </a:xfrm>
+          <a:prstGeom prst="roundRect">
+            <a:avLst/>
+          </a:prstGeom>
+          <a:solidFill>
+            <a:schemeClr val="dk1"/>
+          </a:solidFill>
+          <a:ln>
+            <a:noFill/>
+          </a:ln>
+        </p:spPr>
+        <p:style>
+          <a:lnRef idx="0">
+            <a:scrgbClr r="0" g="0" b="0"/>
+          </a:lnRef>
+          <a:fillRef idx="0">
+            <a:scrgbClr r="0" g="0" b="0"/>
+          </a:fillRef>
+          <a:effectRef idx="0">
+            <a:scrgbClr r="0" g="0" b="0"/>
+          </a:effectRef>
+          <a:fontRef idx="minor">
+            <a:schemeClr val="lt1"/>
+          </a:fontRef>
+        </p:style>
+        <p:txBody>
+          <a:bodyPr rtlCol="0" anchor="ctr"/>
+          <a:lstStyle/>
+          <a:p>
+            <a:pPr algn="ctr"/>
+            <a:r>
+              <a:rPr lang="en-US" dirty="0"/>
+              <a:t>Paddy cultivation identification (using satellite images)</a:t>
+            </a:r>
+          </a:p>
+        </p:txBody>
+      </p:sp>
+      <p:sp>
+        <p:nvSpPr>
+          <p:cNvPr id="11" name="Rounded Rectangle 10">
+            <a:extLst>
+              <a:ext uri="{FF2B5EF4-FFF2-40B4-BE49-F238E27FC236}">
+                <a16:creationId xmlns:a16="http://schemas.microsoft.com/office/drawing/2014/main" id="{BA052068-C61B-0364-E74E-4977B8669737}"/>
+              </a:ext>
+            </a:extLst>
+          </p:cNvPr>
+          <p:cNvSpPr/>
+          <p:nvPr/>
+        </p:nvSpPr>
+        <p:spPr>
+          <a:xfrm>
+            <a:off x="1956374" y="1936797"/>
+            <a:ext cx="5231250" cy="520705"/>
+          </a:xfrm>
+          <a:prstGeom prst="roundRect">
+            <a:avLst/>
+          </a:prstGeom>
+          <a:solidFill>
+            <a:schemeClr val="dk1"/>
+          </a:solidFill>
+          <a:ln>
+            <a:noFill/>
+          </a:ln>
+        </p:spPr>
+        <p:style>
+          <a:lnRef idx="0">
+            <a:scrgbClr r="0" g="0" b="0"/>
+          </a:lnRef>
+          <a:fillRef idx="0">
+            <a:scrgbClr r="0" g="0" b="0"/>
+          </a:fillRef>
+          <a:effectRef idx="0">
+            <a:scrgbClr r="0" g="0" b="0"/>
+          </a:effectRef>
+          <a:fontRef idx="minor">
+            <a:schemeClr val="lt1"/>
+          </a:fontRef>
+        </p:style>
+        <p:txBody>
+          <a:bodyPr rtlCol="0" anchor="ctr"/>
+          <a:lstStyle/>
+          <a:p>
+            <a:pPr algn="ctr"/>
+            <a:r>
+              <a:rPr lang="en-US" dirty="0"/>
+              <a:t>Paddy cultivation identification (using uploaded images)</a:t>
+            </a:r>
+          </a:p>
+        </p:txBody>
+      </p:sp>
+      <p:sp>
+        <p:nvSpPr>
+          <p:cNvPr id="12" name="Rounded Rectangle 11">
+            <a:extLst>
+              <a:ext uri="{FF2B5EF4-FFF2-40B4-BE49-F238E27FC236}">
+                <a16:creationId xmlns:a16="http://schemas.microsoft.com/office/drawing/2014/main" id="{557B005E-F1F7-0ED1-6862-68E936424097}"/>
+              </a:ext>
+            </a:extLst>
+          </p:cNvPr>
+          <p:cNvSpPr/>
+          <p:nvPr/>
+        </p:nvSpPr>
+        <p:spPr>
+          <a:xfrm>
+            <a:off x="1956374" y="2639303"/>
+            <a:ext cx="5231250" cy="520705"/>
+          </a:xfrm>
+          <a:prstGeom prst="roundRect">
+            <a:avLst/>
+          </a:prstGeom>
+          <a:solidFill>
+            <a:schemeClr val="dk1"/>
+          </a:solidFill>
+          <a:ln>
+            <a:noFill/>
+          </a:ln>
+        </p:spPr>
+        <p:style>
+          <a:lnRef idx="0">
+            <a:scrgbClr r="0" g="0" b="0"/>
+          </a:lnRef>
+          <a:fillRef idx="0">
+            <a:scrgbClr r="0" g="0" b="0"/>
+          </a:fillRef>
+          <a:effectRef idx="0">
+            <a:scrgbClr r="0" g="0" b="0"/>
+          </a:effectRef>
+          <a:fontRef idx="minor">
+            <a:schemeClr val="lt1"/>
+          </a:fontRef>
+        </p:style>
+        <p:txBody>
+          <a:bodyPr rtlCol="0" anchor="ctr"/>
+          <a:lstStyle/>
+          <a:p>
+            <a:pPr algn="ctr"/>
+            <a:r>
+              <a:rPr lang="en-US" dirty="0"/>
+              <a:t>Stage of paddy identification</a:t>
+            </a:r>
+          </a:p>
+        </p:txBody>
+      </p:sp>
+      <p:sp>
+        <p:nvSpPr>
+          <p:cNvPr id="13" name="Rounded Rectangle 12">
+            <a:extLst>
+              <a:ext uri="{FF2B5EF4-FFF2-40B4-BE49-F238E27FC236}">
+                <a16:creationId xmlns:a16="http://schemas.microsoft.com/office/drawing/2014/main" id="{912D3A9C-23C7-AC5C-446B-33FBED61DAAB}"/>
+              </a:ext>
+            </a:extLst>
+          </p:cNvPr>
+          <p:cNvSpPr/>
+          <p:nvPr/>
+        </p:nvSpPr>
+        <p:spPr>
+          <a:xfrm>
+            <a:off x="1956374" y="3341809"/>
+            <a:ext cx="5231250" cy="520705"/>
+          </a:xfrm>
+          <a:prstGeom prst="roundRect">
+            <a:avLst/>
+          </a:prstGeom>
+          <a:solidFill>
+            <a:schemeClr val="dk1"/>
+          </a:solidFill>
+          <a:ln>
+            <a:noFill/>
+          </a:ln>
+        </p:spPr>
+        <p:style>
+          <a:lnRef idx="0">
+            <a:scrgbClr r="0" g="0" b="0"/>
+          </a:lnRef>
+          <a:fillRef idx="0">
+            <a:scrgbClr r="0" g="0" b="0"/>
+          </a:fillRef>
+          <a:effectRef idx="0">
+            <a:scrgbClr r="0" g="0" b="0"/>
+          </a:effectRef>
+          <a:fontRef idx="minor">
+            <a:schemeClr val="lt1"/>
+          </a:fontRef>
+        </p:style>
+        <p:txBody>
+          <a:bodyPr rtlCol="0" anchor="ctr"/>
+          <a:lstStyle/>
+          <a:p>
+            <a:pPr algn="ctr"/>
+            <a:r>
+              <a:rPr lang="en-US" dirty="0"/>
+              <a:t>Substandard paddy identification</a:t>
+            </a:r>
+          </a:p>
+        </p:txBody>
+      </p:sp>
+      <p:sp>
+        <p:nvSpPr>
+          <p:cNvPr id="14" name="Rounded Rectangle 13">
+            <a:extLst>
+              <a:ext uri="{FF2B5EF4-FFF2-40B4-BE49-F238E27FC236}">
+                <a16:creationId xmlns:a16="http://schemas.microsoft.com/office/drawing/2014/main" id="{B5ACA3D1-247C-126D-9B68-80ED6024CAF0}"/>
+              </a:ext>
+            </a:extLst>
+          </p:cNvPr>
+          <p:cNvSpPr/>
+          <p:nvPr/>
+        </p:nvSpPr>
+        <p:spPr>
+          <a:xfrm>
+            <a:off x="1956374" y="4059588"/>
+            <a:ext cx="5231250" cy="520705"/>
+          </a:xfrm>
+          <a:prstGeom prst="roundRect">
+            <a:avLst/>
+          </a:prstGeom>
+          <a:solidFill>
+            <a:schemeClr val="dk1"/>
+          </a:solidFill>
+          <a:ln>
+            <a:noFill/>
+          </a:ln>
+        </p:spPr>
+        <p:style>
+          <a:lnRef idx="0">
+            <a:scrgbClr r="0" g="0" b="0"/>
+          </a:lnRef>
+          <a:fillRef idx="0">
+            <a:scrgbClr r="0" g="0" b="0"/>
+          </a:fillRef>
+          <a:effectRef idx="0">
+            <a:scrgbClr r="0" g="0" b="0"/>
+          </a:effectRef>
+          <a:fontRef idx="minor">
+            <a:schemeClr val="lt1"/>
+          </a:fontRef>
+        </p:style>
+        <p:txBody>
+          <a:bodyPr rtlCol="0" anchor="ctr"/>
+          <a:lstStyle/>
+          <a:p>
+            <a:pPr algn="ctr"/>
+            <a:r>
+              <a:rPr lang="en-US" dirty="0"/>
+              <a:t>Rice Identification</a:t>
+            </a:r>
+          </a:p>
+        </p:txBody>
+      </p:sp>
+    </p:spTree>
+    <p:extLst>
+      <p:ext uri="{BB962C8B-B14F-4D97-AF65-F5344CB8AC3E}">
+        <p14:creationId xmlns:p14="http://schemas.microsoft.com/office/powerpoint/2010/main" val="4125414481"/>
+      </p:ext>
+    </p:extLst>
+  </p:cSld>
+  <p:clrMapOvr>
+    <a:masterClrMapping/>
+  </p:clrMapOvr>
+  <mc:AlternateContent xmlns:mc="http://schemas.openxmlformats.org/markup-compatibility/2006">
+    <mc:Choice xmlns:p159="http://schemas.microsoft.com/office/powerpoint/2015/09/main" Requires="p159">
+      <p:transition xmlns:p14="http://schemas.microsoft.com/office/powerpoint/2010/main" spd="slow" p14:dur="2000">
+        <p159:morph option="byObject"/>
+      </p:transition>
+    </mc:Choice>
+    <mc:Fallback>
+      <p:transition spd="slow">
+        <p:fade/>
+      </p:transition>
+    </mc:Fallback>
+  </mc:AlternateContent>
+</p:sld>
+</file>
+
+<file path=ppt/slides/slide14.xml><?xml version="1.0" encoding="utf-8"?>
 <p:sld xmlns:a="http://schemas.openxmlformats.org/drawingml/2006/main" xmlns:r="http://schemas.openxmlformats.org/officeDocument/2006/relationships" xmlns:p="http://schemas.openxmlformats.org/presentationml/2006/main">
   <p:cSld>
     <p:spTree>
@@ -30653,292 +32857,53 @@
       </p:grpSpPr>
       <p:sp>
         <p:nvSpPr>
-          <p:cNvPr id="19" name="Google Shape;2846;p83">
+          <p:cNvPr id="2" name="Rounded Rectangle 1">
             <a:extLst>
               <a:ext uri="{FF2B5EF4-FFF2-40B4-BE49-F238E27FC236}">
-                <a16:creationId xmlns:a16="http://schemas.microsoft.com/office/drawing/2014/main" id="{C04557BC-3E24-11C3-9B74-501A4ABBF9BE}"/>
+                <a16:creationId xmlns:a16="http://schemas.microsoft.com/office/drawing/2014/main" id="{7A00CF76-E5DB-B170-8323-230F7AA64EAA}"/>
               </a:ext>
             </a:extLst>
           </p:cNvPr>
-          <p:cNvSpPr txBox="1">
-            <a:spLocks/>
-          </p:cNvSpPr>
+          <p:cNvSpPr/>
           <p:nvPr/>
         </p:nvSpPr>
         <p:spPr>
           <a:xfrm>
-            <a:off x="596131" y="309091"/>
-            <a:ext cx="7717500" cy="576000"/>
+            <a:off x="720233" y="421109"/>
+            <a:ext cx="7703534" cy="734883"/>
           </a:xfrm>
-          <a:prstGeom prst="rect">
+          <a:prstGeom prst="roundRect">
             <a:avLst/>
           </a:prstGeom>
-          <a:noFill/>
+          <a:solidFill>
+            <a:schemeClr val="dk1"/>
+          </a:solidFill>
           <a:ln>
             <a:noFill/>
           </a:ln>
         </p:spPr>
+        <p:style>
+          <a:lnRef idx="0">
+            <a:scrgbClr r="0" g="0" b="0"/>
+          </a:lnRef>
+          <a:fillRef idx="0">
+            <a:scrgbClr r="0" g="0" b="0"/>
+          </a:fillRef>
+          <a:effectRef idx="0">
+            <a:scrgbClr r="0" g="0" b="0"/>
+          </a:effectRef>
+          <a:fontRef idx="minor">
+            <a:schemeClr val="lt1"/>
+          </a:fontRef>
+        </p:style>
         <p:txBody>
-          <a:bodyPr spcFirstLastPara="1" wrap="square" lIns="91425" tIns="91425" rIns="91425" bIns="91425" anchor="t" anchorCtr="0">
-            <a:noAutofit/>
-          </a:bodyPr>
-          <a:lstStyle>
-            <a:defPPr marR="0" lvl="0" algn="l" rtl="0">
-              <a:lnSpc>
-                <a:spcPct val="100000"/>
-              </a:lnSpc>
-              <a:spcBef>
-                <a:spcPts val="0"/>
-              </a:spcBef>
-              <a:spcAft>
-                <a:spcPts val="0"/>
-              </a:spcAft>
-            </a:defPPr>
-            <a:lvl1pPr marR="0" lvl="0" algn="ctr" rtl="0">
-              <a:lnSpc>
-                <a:spcPct val="100000"/>
-              </a:lnSpc>
-              <a:spcBef>
-                <a:spcPts val="0"/>
-              </a:spcBef>
-              <a:spcAft>
-                <a:spcPts val="0"/>
-              </a:spcAft>
-              <a:buClr>
-                <a:schemeClr val="accent1"/>
-              </a:buClr>
-              <a:buSzPts val="4000"/>
-              <a:buFont typeface="Calistoga"/>
-              <a:buNone/>
-              <a:defRPr sz="5500" b="0" i="0" u="none" strike="noStrike" cap="none">
-                <a:solidFill>
-                  <a:schemeClr val="lt1"/>
-                </a:solidFill>
-                <a:latin typeface="Calistoga"/>
-                <a:ea typeface="Calistoga"/>
-                <a:cs typeface="Calistoga"/>
-                <a:sym typeface="Calistoga"/>
-              </a:defRPr>
-            </a:lvl1pPr>
-            <a:lvl2pPr marR="0" lvl="1" algn="ctr" rtl="0">
-              <a:lnSpc>
-                <a:spcPct val="100000"/>
-              </a:lnSpc>
-              <a:spcBef>
-                <a:spcPts val="0"/>
-              </a:spcBef>
-              <a:spcAft>
-                <a:spcPts val="0"/>
-              </a:spcAft>
-              <a:buClr>
-                <a:schemeClr val="accent1"/>
-              </a:buClr>
-              <a:buSzPts val="4000"/>
-              <a:buFont typeface="Calistoga"/>
-              <a:buNone/>
-              <a:defRPr sz="4000" b="0" i="0" u="none" strike="noStrike" cap="none">
-                <a:solidFill>
-                  <a:schemeClr val="accent1"/>
-                </a:solidFill>
-                <a:latin typeface="Calistoga"/>
-                <a:ea typeface="Calistoga"/>
-                <a:cs typeface="Calistoga"/>
-                <a:sym typeface="Calistoga"/>
-              </a:defRPr>
-            </a:lvl2pPr>
-            <a:lvl3pPr marR="0" lvl="2" algn="ctr" rtl="0">
-              <a:lnSpc>
-                <a:spcPct val="100000"/>
-              </a:lnSpc>
-              <a:spcBef>
-                <a:spcPts val="0"/>
-              </a:spcBef>
-              <a:spcAft>
-                <a:spcPts val="0"/>
-              </a:spcAft>
-              <a:buClr>
-                <a:schemeClr val="accent1"/>
-              </a:buClr>
-              <a:buSzPts val="4000"/>
-              <a:buFont typeface="Calistoga"/>
-              <a:buNone/>
-              <a:defRPr sz="4000" b="0" i="0" u="none" strike="noStrike" cap="none">
-                <a:solidFill>
-                  <a:schemeClr val="accent1"/>
-                </a:solidFill>
-                <a:latin typeface="Calistoga"/>
-                <a:ea typeface="Calistoga"/>
-                <a:cs typeface="Calistoga"/>
-                <a:sym typeface="Calistoga"/>
-              </a:defRPr>
-            </a:lvl3pPr>
-            <a:lvl4pPr marR="0" lvl="3" algn="ctr" rtl="0">
-              <a:lnSpc>
-                <a:spcPct val="100000"/>
-              </a:lnSpc>
-              <a:spcBef>
-                <a:spcPts val="0"/>
-              </a:spcBef>
-              <a:spcAft>
-                <a:spcPts val="0"/>
-              </a:spcAft>
-              <a:buClr>
-                <a:schemeClr val="accent1"/>
-              </a:buClr>
-              <a:buSzPts val="4000"/>
-              <a:buFont typeface="Calistoga"/>
-              <a:buNone/>
-              <a:defRPr sz="4000" b="0" i="0" u="none" strike="noStrike" cap="none">
-                <a:solidFill>
-                  <a:schemeClr val="accent1"/>
-                </a:solidFill>
-                <a:latin typeface="Calistoga"/>
-                <a:ea typeface="Calistoga"/>
-                <a:cs typeface="Calistoga"/>
-                <a:sym typeface="Calistoga"/>
-              </a:defRPr>
-            </a:lvl4pPr>
-            <a:lvl5pPr marR="0" lvl="4" algn="ctr" rtl="0">
-              <a:lnSpc>
-                <a:spcPct val="100000"/>
-              </a:lnSpc>
-              <a:spcBef>
-                <a:spcPts val="0"/>
-              </a:spcBef>
-              <a:spcAft>
-                <a:spcPts val="0"/>
-              </a:spcAft>
-              <a:buClr>
-                <a:schemeClr val="accent1"/>
-              </a:buClr>
-              <a:buSzPts val="4000"/>
-              <a:buFont typeface="Calistoga"/>
-              <a:buNone/>
-              <a:defRPr sz="4000" b="0" i="0" u="none" strike="noStrike" cap="none">
-                <a:solidFill>
-                  <a:schemeClr val="accent1"/>
-                </a:solidFill>
-                <a:latin typeface="Calistoga"/>
-                <a:ea typeface="Calistoga"/>
-                <a:cs typeface="Calistoga"/>
-                <a:sym typeface="Calistoga"/>
-              </a:defRPr>
-            </a:lvl5pPr>
-            <a:lvl6pPr marR="0" lvl="5" algn="ctr" rtl="0">
-              <a:lnSpc>
-                <a:spcPct val="100000"/>
-              </a:lnSpc>
-              <a:spcBef>
-                <a:spcPts val="0"/>
-              </a:spcBef>
-              <a:spcAft>
-                <a:spcPts val="0"/>
-              </a:spcAft>
-              <a:buClr>
-                <a:schemeClr val="accent1"/>
-              </a:buClr>
-              <a:buSzPts val="4000"/>
-              <a:buFont typeface="Calistoga"/>
-              <a:buNone/>
-              <a:defRPr sz="4000" b="0" i="0" u="none" strike="noStrike" cap="none">
-                <a:solidFill>
-                  <a:schemeClr val="accent1"/>
-                </a:solidFill>
-                <a:latin typeface="Calistoga"/>
-                <a:ea typeface="Calistoga"/>
-                <a:cs typeface="Calistoga"/>
-                <a:sym typeface="Calistoga"/>
-              </a:defRPr>
-            </a:lvl6pPr>
-            <a:lvl7pPr marR="0" lvl="6" algn="ctr" rtl="0">
-              <a:lnSpc>
-                <a:spcPct val="100000"/>
-              </a:lnSpc>
-              <a:spcBef>
-                <a:spcPts val="0"/>
-              </a:spcBef>
-              <a:spcAft>
-                <a:spcPts val="0"/>
-              </a:spcAft>
-              <a:buClr>
-                <a:schemeClr val="accent1"/>
-              </a:buClr>
-              <a:buSzPts val="4000"/>
-              <a:buFont typeface="Calistoga"/>
-              <a:buNone/>
-              <a:defRPr sz="4000" b="0" i="0" u="none" strike="noStrike" cap="none">
-                <a:solidFill>
-                  <a:schemeClr val="accent1"/>
-                </a:solidFill>
-                <a:latin typeface="Calistoga"/>
-                <a:ea typeface="Calistoga"/>
-                <a:cs typeface="Calistoga"/>
-                <a:sym typeface="Calistoga"/>
-              </a:defRPr>
-            </a:lvl7pPr>
-            <a:lvl8pPr marR="0" lvl="7" algn="ctr" rtl="0">
-              <a:lnSpc>
-                <a:spcPct val="100000"/>
-              </a:lnSpc>
-              <a:spcBef>
-                <a:spcPts val="0"/>
-              </a:spcBef>
-              <a:spcAft>
-                <a:spcPts val="0"/>
-              </a:spcAft>
-              <a:buClr>
-                <a:schemeClr val="accent1"/>
-              </a:buClr>
-              <a:buSzPts val="4000"/>
-              <a:buFont typeface="Calistoga"/>
-              <a:buNone/>
-              <a:defRPr sz="4000" b="0" i="0" u="none" strike="noStrike" cap="none">
-                <a:solidFill>
-                  <a:schemeClr val="accent1"/>
-                </a:solidFill>
-                <a:latin typeface="Calistoga"/>
-                <a:ea typeface="Calistoga"/>
-                <a:cs typeface="Calistoga"/>
-                <a:sym typeface="Calistoga"/>
-              </a:defRPr>
-            </a:lvl8pPr>
-            <a:lvl9pPr marR="0" lvl="8" algn="ctr" rtl="0">
-              <a:lnSpc>
-                <a:spcPct val="100000"/>
-              </a:lnSpc>
-              <a:spcBef>
-                <a:spcPts val="0"/>
-              </a:spcBef>
-              <a:spcAft>
-                <a:spcPts val="0"/>
-              </a:spcAft>
-              <a:buClr>
-                <a:schemeClr val="accent1"/>
-              </a:buClr>
-              <a:buSzPts val="4000"/>
-              <a:buFont typeface="Calistoga"/>
-              <a:buNone/>
-              <a:defRPr sz="4000" b="0" i="0" u="none" strike="noStrike" cap="none">
-                <a:solidFill>
-                  <a:schemeClr val="accent1"/>
-                </a:solidFill>
-                <a:latin typeface="Calistoga"/>
-                <a:ea typeface="Calistoga"/>
-                <a:cs typeface="Calistoga"/>
-                <a:sym typeface="Calistoga"/>
-              </a:defRPr>
-            </a:lvl9pPr>
-          </a:lstStyle>
+          <a:bodyPr rtlCol="0" anchor="ctr"/>
+          <a:lstStyle/>
           <a:p>
+            <a:pPr algn="ctr"/>
             <a:r>
-              <a:rPr lang="en-IN" sz="3600" dirty="0">
-                <a:solidFill>
-                  <a:schemeClr val="bg1">
-                    <a:lumMod val="90000"/>
-                  </a:schemeClr>
-                </a:solidFill>
-              </a:rPr>
-              <a:t>Types of rice</a:t>
+              <a:rPr lang="en-US" sz="2400" dirty="0"/>
+              <a:t>Rice Identification</a:t>
             </a:r>
           </a:p>
         </p:txBody>
@@ -31143,13 +33108,13 @@
   <p:clrMapOvr>
     <a:masterClrMapping/>
   </p:clrMapOvr>
-  <mc:AlternateContent xmlns:mc="http://schemas.openxmlformats.org/markup-compatibility/2006" xmlns:p159="http://schemas.microsoft.com/office/powerpoint/2015/09/main">
-    <mc:Choice Requires="p159">
+  <mc:AlternateContent xmlns:mc="http://schemas.openxmlformats.org/markup-compatibility/2006">
+    <mc:Choice xmlns:p159="http://schemas.microsoft.com/office/powerpoint/2015/09/main" Requires="p159">
       <p:transition xmlns:p14="http://schemas.microsoft.com/office/powerpoint/2010/main" spd="slow" p14:dur="2000">
         <p159:morph option="byObject"/>
       </p:transition>
     </mc:Choice>
-    <mc:Fallback xmlns="">
+    <mc:Fallback>
       <p:transition spd="slow">
         <p:fade/>
       </p:transition>
@@ -31158,7 +33123,990 @@
 </p:sld>
 </file>
 
-<file path=ppt/slides/slide12.xml><?xml version="1.0" encoding="utf-8"?>
+<file path=ppt/slides/slide15.xml><?xml version="1.0" encoding="utf-8"?>
+<p:sld xmlns:a="http://schemas.openxmlformats.org/drawingml/2006/main" xmlns:r="http://schemas.openxmlformats.org/officeDocument/2006/relationships" xmlns:p="http://schemas.openxmlformats.org/presentationml/2006/main">
+  <p:cSld>
+    <p:spTree>
+      <p:nvGrpSpPr>
+        <p:cNvPr id="1" name="Shape 3227"/>
+        <p:cNvGrpSpPr/>
+        <p:nvPr/>
+      </p:nvGrpSpPr>
+      <p:grpSpPr>
+        <a:xfrm>
+          <a:off x="0" y="0"/>
+          <a:ext cx="0" cy="0"/>
+          <a:chOff x="0" y="0"/>
+          <a:chExt cx="0" cy="0"/>
+        </a:xfrm>
+      </p:grpSpPr>
+      <p:pic>
+        <p:nvPicPr>
+          <p:cNvPr id="3" name="Picture 2">
+            <a:extLst>
+              <a:ext uri="{FF2B5EF4-FFF2-40B4-BE49-F238E27FC236}">
+                <a16:creationId xmlns:a16="http://schemas.microsoft.com/office/drawing/2014/main" id="{0ED584DB-9CA6-942D-BF6F-C228E78369A0}"/>
+              </a:ext>
+            </a:extLst>
+          </p:cNvPr>
+          <p:cNvPicPr>
+            <a:picLocks noChangeAspect="1"/>
+          </p:cNvPicPr>
+          <p:nvPr/>
+        </p:nvPicPr>
+        <p:blipFill>
+          <a:blip r:embed="rId3"/>
+          <a:stretch>
+            <a:fillRect/>
+          </a:stretch>
+        </p:blipFill>
+        <p:spPr>
+          <a:xfrm>
+            <a:off x="4420617" y="3011044"/>
+            <a:ext cx="2826611" cy="1525358"/>
+          </a:xfrm>
+          <a:prstGeom prst="rect">
+            <a:avLst/>
+          </a:prstGeom>
+          <a:effectLst>
+            <a:outerShdw blurRad="739807" sx="102000" sy="102000" algn="ctr" rotWithShape="0">
+              <a:prstClr val="black">
+                <a:alpha val="40000"/>
+              </a:prstClr>
+            </a:outerShdw>
+          </a:effectLst>
+        </p:spPr>
+      </p:pic>
+      <p:pic>
+        <p:nvPicPr>
+          <p:cNvPr id="4" name="Picture 3">
+            <a:extLst>
+              <a:ext uri="{FF2B5EF4-FFF2-40B4-BE49-F238E27FC236}">
+                <a16:creationId xmlns:a16="http://schemas.microsoft.com/office/drawing/2014/main" id="{69DDA59E-729E-B2D0-8938-F8C212B5948B}"/>
+              </a:ext>
+            </a:extLst>
+          </p:cNvPr>
+          <p:cNvPicPr>
+            <a:picLocks noChangeAspect="1"/>
+          </p:cNvPicPr>
+          <p:nvPr/>
+        </p:nvPicPr>
+        <p:blipFill>
+          <a:blip r:embed="rId4"/>
+          <a:stretch>
+            <a:fillRect/>
+          </a:stretch>
+        </p:blipFill>
+        <p:spPr>
+          <a:xfrm>
+            <a:off x="1517106" y="3061649"/>
+            <a:ext cx="2754318" cy="1474753"/>
+          </a:xfrm>
+          <a:prstGeom prst="rect">
+            <a:avLst/>
+          </a:prstGeom>
+          <a:effectLst>
+            <a:outerShdw blurRad="739807" sx="102000" sy="102000" algn="ctr" rotWithShape="0">
+              <a:prstClr val="black">
+                <a:alpha val="40000"/>
+              </a:prstClr>
+            </a:outerShdw>
+          </a:effectLst>
+        </p:spPr>
+      </p:pic>
+      <p:pic>
+        <p:nvPicPr>
+          <p:cNvPr id="5" name="Picture 4">
+            <a:extLst>
+              <a:ext uri="{FF2B5EF4-FFF2-40B4-BE49-F238E27FC236}">
+                <a16:creationId xmlns:a16="http://schemas.microsoft.com/office/drawing/2014/main" id="{05DDD268-93C5-3EF5-420D-4D038CCDA675}"/>
+              </a:ext>
+            </a:extLst>
+          </p:cNvPr>
+          <p:cNvPicPr>
+            <a:picLocks noChangeAspect="1"/>
+          </p:cNvPicPr>
+          <p:nvPr/>
+        </p:nvPicPr>
+        <p:blipFill>
+          <a:blip r:embed="rId5"/>
+          <a:stretch>
+            <a:fillRect/>
+          </a:stretch>
+        </p:blipFill>
+        <p:spPr>
+          <a:xfrm>
+            <a:off x="4445918" y="1436506"/>
+            <a:ext cx="2776007" cy="1344628"/>
+          </a:xfrm>
+          <a:prstGeom prst="rect">
+            <a:avLst/>
+          </a:prstGeom>
+          <a:effectLst>
+            <a:outerShdw blurRad="739807" sx="102000" sy="102000" algn="ctr" rotWithShape="0">
+              <a:prstClr val="black">
+                <a:alpha val="40000"/>
+              </a:prstClr>
+            </a:outerShdw>
+          </a:effectLst>
+        </p:spPr>
+      </p:pic>
+      <p:pic>
+        <p:nvPicPr>
+          <p:cNvPr id="6" name="Picture 5">
+            <a:extLst>
+              <a:ext uri="{FF2B5EF4-FFF2-40B4-BE49-F238E27FC236}">
+                <a16:creationId xmlns:a16="http://schemas.microsoft.com/office/drawing/2014/main" id="{48184F53-9D8A-3736-2F7B-ED831CC193D5}"/>
+              </a:ext>
+            </a:extLst>
+          </p:cNvPr>
+          <p:cNvPicPr>
+            <a:picLocks noChangeAspect="1"/>
+          </p:cNvPicPr>
+          <p:nvPr/>
+        </p:nvPicPr>
+        <p:blipFill>
+          <a:blip r:embed="rId6"/>
+          <a:stretch>
+            <a:fillRect/>
+          </a:stretch>
+        </p:blipFill>
+        <p:spPr>
+          <a:xfrm>
+            <a:off x="1314690" y="1411204"/>
+            <a:ext cx="2956734" cy="1445836"/>
+          </a:xfrm>
+          <a:prstGeom prst="rect">
+            <a:avLst/>
+          </a:prstGeom>
+          <a:effectLst>
+            <a:outerShdw blurRad="739807" sx="102000" sy="102000" algn="ctr" rotWithShape="0">
+              <a:prstClr val="black">
+                <a:alpha val="40000"/>
+              </a:prstClr>
+            </a:outerShdw>
+          </a:effectLst>
+        </p:spPr>
+      </p:pic>
+      <p:sp>
+        <p:nvSpPr>
+          <p:cNvPr id="2" name="Rounded Rectangle 1">
+            <a:extLst>
+              <a:ext uri="{FF2B5EF4-FFF2-40B4-BE49-F238E27FC236}">
+                <a16:creationId xmlns:a16="http://schemas.microsoft.com/office/drawing/2014/main" id="{A0135373-DB08-852A-3FED-7665145C3BB1}"/>
+              </a:ext>
+            </a:extLst>
+          </p:cNvPr>
+          <p:cNvSpPr/>
+          <p:nvPr/>
+        </p:nvSpPr>
+        <p:spPr>
+          <a:xfrm>
+            <a:off x="720233" y="421109"/>
+            <a:ext cx="7703534" cy="734883"/>
+          </a:xfrm>
+          <a:prstGeom prst="roundRect">
+            <a:avLst/>
+          </a:prstGeom>
+          <a:solidFill>
+            <a:schemeClr val="dk1"/>
+          </a:solidFill>
+          <a:ln>
+            <a:noFill/>
+          </a:ln>
+        </p:spPr>
+        <p:style>
+          <a:lnRef idx="0">
+            <a:scrgbClr r="0" g="0" b="0"/>
+          </a:lnRef>
+          <a:fillRef idx="0">
+            <a:scrgbClr r="0" g="0" b="0"/>
+          </a:fillRef>
+          <a:effectRef idx="0">
+            <a:scrgbClr r="0" g="0" b="0"/>
+          </a:effectRef>
+          <a:fontRef idx="minor">
+            <a:schemeClr val="lt1"/>
+          </a:fontRef>
+        </p:style>
+        <p:txBody>
+          <a:bodyPr rtlCol="0" anchor="ctr"/>
+          <a:lstStyle/>
+          <a:p>
+            <a:pPr algn="ctr"/>
+            <a:r>
+              <a:rPr lang="en-US" sz="2400" dirty="0"/>
+              <a:t>Rice Identification</a:t>
+            </a:r>
+          </a:p>
+        </p:txBody>
+      </p:sp>
+    </p:spTree>
+    <p:extLst>
+      <p:ext uri="{BB962C8B-B14F-4D97-AF65-F5344CB8AC3E}">
+        <p14:creationId xmlns:p14="http://schemas.microsoft.com/office/powerpoint/2010/main" val="2773869632"/>
+      </p:ext>
+    </p:extLst>
+  </p:cSld>
+  <p:clrMapOvr>
+    <a:masterClrMapping/>
+  </p:clrMapOvr>
+  <mc:AlternateContent xmlns:mc="http://schemas.openxmlformats.org/markup-compatibility/2006">
+    <mc:Choice xmlns:p159="http://schemas.microsoft.com/office/powerpoint/2015/09/main" Requires="p159">
+      <p:transition xmlns:p14="http://schemas.microsoft.com/office/powerpoint/2010/main" spd="slow" p14:dur="2000">
+        <p159:morph option="byObject"/>
+      </p:transition>
+    </mc:Choice>
+    <mc:Fallback>
+      <p:transition spd="slow">
+        <p:fade/>
+      </p:transition>
+    </mc:Fallback>
+  </mc:AlternateContent>
+</p:sld>
+</file>
+
+<file path=ppt/slides/slide16.xml><?xml version="1.0" encoding="utf-8"?>
+<p:sld xmlns:a="http://schemas.openxmlformats.org/drawingml/2006/main" xmlns:r="http://schemas.openxmlformats.org/officeDocument/2006/relationships" xmlns:p="http://schemas.openxmlformats.org/presentationml/2006/main">
+  <p:cSld>
+    <p:spTree>
+      <p:nvGrpSpPr>
+        <p:cNvPr id="1" name=""/>
+        <p:cNvGrpSpPr/>
+        <p:nvPr/>
+      </p:nvGrpSpPr>
+      <p:grpSpPr>
+        <a:xfrm>
+          <a:off x="0" y="0"/>
+          <a:ext cx="0" cy="0"/>
+          <a:chOff x="0" y="0"/>
+          <a:chExt cx="0" cy="0"/>
+        </a:xfrm>
+      </p:grpSpPr>
+      <p:sp>
+        <p:nvSpPr>
+          <p:cNvPr id="3" name="Title 1">
+            <a:extLst>
+              <a:ext uri="{FF2B5EF4-FFF2-40B4-BE49-F238E27FC236}">
+                <a16:creationId xmlns:a16="http://schemas.microsoft.com/office/drawing/2014/main" id="{43A313A8-2EFC-AD58-48F2-4D7FC497BA75}"/>
+              </a:ext>
+            </a:extLst>
+          </p:cNvPr>
+          <p:cNvSpPr txBox="1">
+            <a:spLocks/>
+          </p:cNvSpPr>
+          <p:nvPr/>
+        </p:nvSpPr>
+        <p:spPr>
+          <a:xfrm>
+            <a:off x="232020" y="949765"/>
+            <a:ext cx="5643116" cy="1062800"/>
+          </a:xfrm>
+          <a:prstGeom prst="rect">
+            <a:avLst/>
+          </a:prstGeom>
+          <a:noFill/>
+          <a:ln>
+            <a:noFill/>
+          </a:ln>
+        </p:spPr>
+        <p:txBody>
+          <a:bodyPr spcFirstLastPara="1" wrap="square" lIns="91425" tIns="91425" rIns="91425" bIns="91425" anchor="t" anchorCtr="0">
+            <a:noAutofit/>
+          </a:bodyPr>
+          <a:lstStyle>
+            <a:defPPr marR="0" lvl="0" algn="l" rtl="0">
+              <a:lnSpc>
+                <a:spcPct val="100000"/>
+              </a:lnSpc>
+              <a:spcBef>
+                <a:spcPts val="0"/>
+              </a:spcBef>
+              <a:spcAft>
+                <a:spcPts val="0"/>
+              </a:spcAft>
+            </a:defPPr>
+            <a:lvl1pPr marR="0" lvl="0" algn="l" rtl="0">
+              <a:lnSpc>
+                <a:spcPct val="100000"/>
+              </a:lnSpc>
+              <a:spcBef>
+                <a:spcPts val="0"/>
+              </a:spcBef>
+              <a:spcAft>
+                <a:spcPts val="0"/>
+              </a:spcAft>
+              <a:buClr>
+                <a:schemeClr val="accent1"/>
+              </a:buClr>
+              <a:buSzPts val="3600"/>
+              <a:buFont typeface="Calistoga"/>
+              <a:buNone/>
+              <a:defRPr sz="3600" b="0" i="0" u="none" strike="noStrike" cap="none">
+                <a:solidFill>
+                  <a:schemeClr val="lt1"/>
+                </a:solidFill>
+                <a:latin typeface="Calistoga"/>
+                <a:ea typeface="Calistoga"/>
+                <a:cs typeface="Calistoga"/>
+                <a:sym typeface="Calistoga"/>
+              </a:defRPr>
+            </a:lvl1pPr>
+            <a:lvl2pPr marR="0" lvl="1" algn="r" rtl="0">
+              <a:lnSpc>
+                <a:spcPct val="100000"/>
+              </a:lnSpc>
+              <a:spcBef>
+                <a:spcPts val="0"/>
+              </a:spcBef>
+              <a:spcAft>
+                <a:spcPts val="0"/>
+              </a:spcAft>
+              <a:buClr>
+                <a:schemeClr val="accent4"/>
+              </a:buClr>
+              <a:buSzPts val="1800"/>
+              <a:buFont typeface="Calistoga"/>
+              <a:buNone/>
+              <a:defRPr sz="1800" b="0" i="0" u="none" strike="noStrike" cap="none">
+                <a:solidFill>
+                  <a:schemeClr val="accent4"/>
+                </a:solidFill>
+                <a:latin typeface="Calistoga"/>
+                <a:ea typeface="Calistoga"/>
+                <a:cs typeface="Calistoga"/>
+                <a:sym typeface="Calistoga"/>
+              </a:defRPr>
+            </a:lvl2pPr>
+            <a:lvl3pPr marR="0" lvl="2" algn="r" rtl="0">
+              <a:lnSpc>
+                <a:spcPct val="100000"/>
+              </a:lnSpc>
+              <a:spcBef>
+                <a:spcPts val="0"/>
+              </a:spcBef>
+              <a:spcAft>
+                <a:spcPts val="0"/>
+              </a:spcAft>
+              <a:buClr>
+                <a:schemeClr val="accent4"/>
+              </a:buClr>
+              <a:buSzPts val="1800"/>
+              <a:buFont typeface="Calistoga"/>
+              <a:buNone/>
+              <a:defRPr sz="1800" b="0" i="0" u="none" strike="noStrike" cap="none">
+                <a:solidFill>
+                  <a:schemeClr val="accent4"/>
+                </a:solidFill>
+                <a:latin typeface="Calistoga"/>
+                <a:ea typeface="Calistoga"/>
+                <a:cs typeface="Calistoga"/>
+                <a:sym typeface="Calistoga"/>
+              </a:defRPr>
+            </a:lvl3pPr>
+            <a:lvl4pPr marR="0" lvl="3" algn="r" rtl="0">
+              <a:lnSpc>
+                <a:spcPct val="100000"/>
+              </a:lnSpc>
+              <a:spcBef>
+                <a:spcPts val="0"/>
+              </a:spcBef>
+              <a:spcAft>
+                <a:spcPts val="0"/>
+              </a:spcAft>
+              <a:buClr>
+                <a:schemeClr val="accent4"/>
+              </a:buClr>
+              <a:buSzPts val="1800"/>
+              <a:buFont typeface="Calistoga"/>
+              <a:buNone/>
+              <a:defRPr sz="1800" b="0" i="0" u="none" strike="noStrike" cap="none">
+                <a:solidFill>
+                  <a:schemeClr val="accent4"/>
+                </a:solidFill>
+                <a:latin typeface="Calistoga"/>
+                <a:ea typeface="Calistoga"/>
+                <a:cs typeface="Calistoga"/>
+                <a:sym typeface="Calistoga"/>
+              </a:defRPr>
+            </a:lvl4pPr>
+            <a:lvl5pPr marR="0" lvl="4" algn="r" rtl="0">
+              <a:lnSpc>
+                <a:spcPct val="100000"/>
+              </a:lnSpc>
+              <a:spcBef>
+                <a:spcPts val="0"/>
+              </a:spcBef>
+              <a:spcAft>
+                <a:spcPts val="0"/>
+              </a:spcAft>
+              <a:buClr>
+                <a:schemeClr val="accent4"/>
+              </a:buClr>
+              <a:buSzPts val="1800"/>
+              <a:buFont typeface="Calistoga"/>
+              <a:buNone/>
+              <a:defRPr sz="1800" b="0" i="0" u="none" strike="noStrike" cap="none">
+                <a:solidFill>
+                  <a:schemeClr val="accent4"/>
+                </a:solidFill>
+                <a:latin typeface="Calistoga"/>
+                <a:ea typeface="Calistoga"/>
+                <a:cs typeface="Calistoga"/>
+                <a:sym typeface="Calistoga"/>
+              </a:defRPr>
+            </a:lvl5pPr>
+            <a:lvl6pPr marR="0" lvl="5" algn="r" rtl="0">
+              <a:lnSpc>
+                <a:spcPct val="100000"/>
+              </a:lnSpc>
+              <a:spcBef>
+                <a:spcPts val="0"/>
+              </a:spcBef>
+              <a:spcAft>
+                <a:spcPts val="0"/>
+              </a:spcAft>
+              <a:buClr>
+                <a:schemeClr val="accent4"/>
+              </a:buClr>
+              <a:buSzPts val="1800"/>
+              <a:buFont typeface="Calistoga"/>
+              <a:buNone/>
+              <a:defRPr sz="1800" b="0" i="0" u="none" strike="noStrike" cap="none">
+                <a:solidFill>
+                  <a:schemeClr val="accent4"/>
+                </a:solidFill>
+                <a:latin typeface="Calistoga"/>
+                <a:ea typeface="Calistoga"/>
+                <a:cs typeface="Calistoga"/>
+                <a:sym typeface="Calistoga"/>
+              </a:defRPr>
+            </a:lvl6pPr>
+            <a:lvl7pPr marR="0" lvl="6" algn="r" rtl="0">
+              <a:lnSpc>
+                <a:spcPct val="100000"/>
+              </a:lnSpc>
+              <a:spcBef>
+                <a:spcPts val="0"/>
+              </a:spcBef>
+              <a:spcAft>
+                <a:spcPts val="0"/>
+              </a:spcAft>
+              <a:buClr>
+                <a:schemeClr val="accent4"/>
+              </a:buClr>
+              <a:buSzPts val="1800"/>
+              <a:buFont typeface="Calistoga"/>
+              <a:buNone/>
+              <a:defRPr sz="1800" b="0" i="0" u="none" strike="noStrike" cap="none">
+                <a:solidFill>
+                  <a:schemeClr val="accent4"/>
+                </a:solidFill>
+                <a:latin typeface="Calistoga"/>
+                <a:ea typeface="Calistoga"/>
+                <a:cs typeface="Calistoga"/>
+                <a:sym typeface="Calistoga"/>
+              </a:defRPr>
+            </a:lvl7pPr>
+            <a:lvl8pPr marR="0" lvl="7" algn="r" rtl="0">
+              <a:lnSpc>
+                <a:spcPct val="100000"/>
+              </a:lnSpc>
+              <a:spcBef>
+                <a:spcPts val="0"/>
+              </a:spcBef>
+              <a:spcAft>
+                <a:spcPts val="0"/>
+              </a:spcAft>
+              <a:buClr>
+                <a:schemeClr val="accent4"/>
+              </a:buClr>
+              <a:buSzPts val="1800"/>
+              <a:buFont typeface="Calistoga"/>
+              <a:buNone/>
+              <a:defRPr sz="1800" b="0" i="0" u="none" strike="noStrike" cap="none">
+                <a:solidFill>
+                  <a:schemeClr val="accent4"/>
+                </a:solidFill>
+                <a:latin typeface="Calistoga"/>
+                <a:ea typeface="Calistoga"/>
+                <a:cs typeface="Calistoga"/>
+                <a:sym typeface="Calistoga"/>
+              </a:defRPr>
+            </a:lvl8pPr>
+            <a:lvl9pPr marR="0" lvl="8" algn="r" rtl="0">
+              <a:lnSpc>
+                <a:spcPct val="100000"/>
+              </a:lnSpc>
+              <a:spcBef>
+                <a:spcPts val="0"/>
+              </a:spcBef>
+              <a:spcAft>
+                <a:spcPts val="0"/>
+              </a:spcAft>
+              <a:buClr>
+                <a:schemeClr val="accent4"/>
+              </a:buClr>
+              <a:buSzPts val="1800"/>
+              <a:buFont typeface="Calistoga"/>
+              <a:buNone/>
+              <a:defRPr sz="1800" b="0" i="0" u="none" strike="noStrike" cap="none">
+                <a:solidFill>
+                  <a:schemeClr val="accent4"/>
+                </a:solidFill>
+                <a:latin typeface="Calistoga"/>
+                <a:ea typeface="Calistoga"/>
+                <a:cs typeface="Calistoga"/>
+                <a:sym typeface="Calistoga"/>
+              </a:defRPr>
+            </a:lvl9pPr>
+          </a:lstStyle>
+          <a:p>
+            <a:r>
+              <a:rPr lang="en-US" sz="4400" dirty="0">
+                <a:solidFill>
+                  <a:schemeClr val="accent3"/>
+                </a:solidFill>
+              </a:rPr>
+              <a:t>Blogs</a:t>
+            </a:r>
+            <a:endParaRPr lang="en-US" sz="2400" dirty="0">
+              <a:solidFill>
+                <a:schemeClr val="accent3"/>
+              </a:solidFill>
+            </a:endParaRPr>
+          </a:p>
+        </p:txBody>
+      </p:sp>
+      <p:sp>
+        <p:nvSpPr>
+          <p:cNvPr id="4" name="Content Placeholder 2">
+            <a:extLst>
+              <a:ext uri="{FF2B5EF4-FFF2-40B4-BE49-F238E27FC236}">
+                <a16:creationId xmlns:a16="http://schemas.microsoft.com/office/drawing/2014/main" id="{2180A810-D407-C49E-4A9A-1C7C655B1F1E}"/>
+              </a:ext>
+            </a:extLst>
+          </p:cNvPr>
+          <p:cNvSpPr txBox="1">
+            <a:spLocks/>
+          </p:cNvSpPr>
+          <p:nvPr/>
+        </p:nvSpPr>
+        <p:spPr>
+          <a:xfrm>
+            <a:off x="232020" y="2012565"/>
+            <a:ext cx="3951004" cy="1973513"/>
+          </a:xfrm>
+          <a:prstGeom prst="rect">
+            <a:avLst/>
+          </a:prstGeom>
+          <a:noFill/>
+          <a:ln>
+            <a:noFill/>
+          </a:ln>
+        </p:spPr>
+        <p:txBody>
+          <a:bodyPr spcFirstLastPara="1" wrap="square" lIns="91425" tIns="91425" rIns="91425" bIns="91425" anchor="t" anchorCtr="0">
+            <a:normAutofit/>
+          </a:bodyPr>
+          <a:lstStyle>
+            <a:defPPr marR="0" lvl="0" algn="l" rtl="0">
+              <a:lnSpc>
+                <a:spcPct val="100000"/>
+              </a:lnSpc>
+              <a:spcBef>
+                <a:spcPts val="0"/>
+              </a:spcBef>
+              <a:spcAft>
+                <a:spcPts val="0"/>
+              </a:spcAft>
+            </a:defPPr>
+            <a:lvl1pPr marL="457200" marR="0" lvl="0" indent="-330200" algn="ctr" rtl="0">
+              <a:lnSpc>
+                <a:spcPct val="100000"/>
+              </a:lnSpc>
+              <a:spcBef>
+                <a:spcPts val="0"/>
+              </a:spcBef>
+              <a:spcAft>
+                <a:spcPts val="0"/>
+              </a:spcAft>
+              <a:buClr>
+                <a:schemeClr val="dk1"/>
+              </a:buClr>
+              <a:buSzPts val="1600"/>
+              <a:buFont typeface="Voces"/>
+              <a:buNone/>
+              <a:defRPr sz="1600" b="0" i="0" u="none" strike="noStrike" cap="none">
+                <a:solidFill>
+                  <a:schemeClr val="dk1"/>
+                </a:solidFill>
+                <a:latin typeface="Voces"/>
+                <a:ea typeface="Voces"/>
+                <a:cs typeface="Voces"/>
+                <a:sym typeface="Voces"/>
+              </a:defRPr>
+            </a:lvl1pPr>
+            <a:lvl2pPr marL="914400" marR="0" lvl="1" indent="-330200" algn="l" rtl="0">
+              <a:lnSpc>
+                <a:spcPct val="100000"/>
+              </a:lnSpc>
+              <a:spcBef>
+                <a:spcPts val="0"/>
+              </a:spcBef>
+              <a:spcAft>
+                <a:spcPts val="0"/>
+              </a:spcAft>
+              <a:buClr>
+                <a:schemeClr val="dk1"/>
+              </a:buClr>
+              <a:buSzPts val="1600"/>
+              <a:buFont typeface="Voces"/>
+              <a:buNone/>
+              <a:defRPr sz="1600" b="0" i="0" u="none" strike="noStrike" cap="none">
+                <a:solidFill>
+                  <a:schemeClr val="dk1"/>
+                </a:solidFill>
+                <a:latin typeface="Voces"/>
+                <a:ea typeface="Voces"/>
+                <a:cs typeface="Voces"/>
+                <a:sym typeface="Voces"/>
+              </a:defRPr>
+            </a:lvl2pPr>
+            <a:lvl3pPr marL="1371600" marR="0" lvl="2" indent="-330200" algn="l" rtl="0">
+              <a:lnSpc>
+                <a:spcPct val="100000"/>
+              </a:lnSpc>
+              <a:spcBef>
+                <a:spcPts val="0"/>
+              </a:spcBef>
+              <a:spcAft>
+                <a:spcPts val="0"/>
+              </a:spcAft>
+              <a:buClr>
+                <a:schemeClr val="dk1"/>
+              </a:buClr>
+              <a:buSzPts val="1600"/>
+              <a:buFont typeface="Voces"/>
+              <a:buNone/>
+              <a:defRPr sz="1600" b="0" i="0" u="none" strike="noStrike" cap="none">
+                <a:solidFill>
+                  <a:schemeClr val="dk1"/>
+                </a:solidFill>
+                <a:latin typeface="Voces"/>
+                <a:ea typeface="Voces"/>
+                <a:cs typeface="Voces"/>
+                <a:sym typeface="Voces"/>
+              </a:defRPr>
+            </a:lvl3pPr>
+            <a:lvl4pPr marL="1828800" marR="0" lvl="3" indent="-330200" algn="l" rtl="0">
+              <a:lnSpc>
+                <a:spcPct val="100000"/>
+              </a:lnSpc>
+              <a:spcBef>
+                <a:spcPts val="0"/>
+              </a:spcBef>
+              <a:spcAft>
+                <a:spcPts val="0"/>
+              </a:spcAft>
+              <a:buClr>
+                <a:schemeClr val="dk1"/>
+              </a:buClr>
+              <a:buSzPts val="1600"/>
+              <a:buFont typeface="Voces"/>
+              <a:buNone/>
+              <a:defRPr sz="1600" b="0" i="0" u="none" strike="noStrike" cap="none">
+                <a:solidFill>
+                  <a:schemeClr val="dk1"/>
+                </a:solidFill>
+                <a:latin typeface="Voces"/>
+                <a:ea typeface="Voces"/>
+                <a:cs typeface="Voces"/>
+                <a:sym typeface="Voces"/>
+              </a:defRPr>
+            </a:lvl4pPr>
+            <a:lvl5pPr marL="2286000" marR="0" lvl="4" indent="-330200" algn="l" rtl="0">
+              <a:lnSpc>
+                <a:spcPct val="100000"/>
+              </a:lnSpc>
+              <a:spcBef>
+                <a:spcPts val="0"/>
+              </a:spcBef>
+              <a:spcAft>
+                <a:spcPts val="0"/>
+              </a:spcAft>
+              <a:buClr>
+                <a:schemeClr val="dk1"/>
+              </a:buClr>
+              <a:buSzPts val="1600"/>
+              <a:buFont typeface="Voces"/>
+              <a:buNone/>
+              <a:defRPr sz="1600" b="0" i="0" u="none" strike="noStrike" cap="none">
+                <a:solidFill>
+                  <a:schemeClr val="dk1"/>
+                </a:solidFill>
+                <a:latin typeface="Voces"/>
+                <a:ea typeface="Voces"/>
+                <a:cs typeface="Voces"/>
+                <a:sym typeface="Voces"/>
+              </a:defRPr>
+            </a:lvl5pPr>
+            <a:lvl6pPr marL="2743200" marR="0" lvl="5" indent="-330200" algn="l" rtl="0">
+              <a:lnSpc>
+                <a:spcPct val="100000"/>
+              </a:lnSpc>
+              <a:spcBef>
+                <a:spcPts val="0"/>
+              </a:spcBef>
+              <a:spcAft>
+                <a:spcPts val="0"/>
+              </a:spcAft>
+              <a:buClr>
+                <a:schemeClr val="dk1"/>
+              </a:buClr>
+              <a:buSzPts val="1600"/>
+              <a:buFont typeface="Voces"/>
+              <a:buNone/>
+              <a:defRPr sz="1600" b="0" i="0" u="none" strike="noStrike" cap="none">
+                <a:solidFill>
+                  <a:schemeClr val="dk1"/>
+                </a:solidFill>
+                <a:latin typeface="Voces"/>
+                <a:ea typeface="Voces"/>
+                <a:cs typeface="Voces"/>
+                <a:sym typeface="Voces"/>
+              </a:defRPr>
+            </a:lvl6pPr>
+            <a:lvl7pPr marL="3200400" marR="0" lvl="6" indent="-330200" algn="l" rtl="0">
+              <a:lnSpc>
+                <a:spcPct val="100000"/>
+              </a:lnSpc>
+              <a:spcBef>
+                <a:spcPts val="0"/>
+              </a:spcBef>
+              <a:spcAft>
+                <a:spcPts val="0"/>
+              </a:spcAft>
+              <a:buClr>
+                <a:schemeClr val="dk1"/>
+              </a:buClr>
+              <a:buSzPts val="1600"/>
+              <a:buFont typeface="Voces"/>
+              <a:buNone/>
+              <a:defRPr sz="1600" b="0" i="0" u="none" strike="noStrike" cap="none">
+                <a:solidFill>
+                  <a:schemeClr val="dk1"/>
+                </a:solidFill>
+                <a:latin typeface="Voces"/>
+                <a:ea typeface="Voces"/>
+                <a:cs typeface="Voces"/>
+                <a:sym typeface="Voces"/>
+              </a:defRPr>
+            </a:lvl7pPr>
+            <a:lvl8pPr marL="3657600" marR="0" lvl="7" indent="-330200" algn="l" rtl="0">
+              <a:lnSpc>
+                <a:spcPct val="100000"/>
+              </a:lnSpc>
+              <a:spcBef>
+                <a:spcPts val="0"/>
+              </a:spcBef>
+              <a:spcAft>
+                <a:spcPts val="0"/>
+              </a:spcAft>
+              <a:buClr>
+                <a:schemeClr val="dk1"/>
+              </a:buClr>
+              <a:buSzPts val="1600"/>
+              <a:buFont typeface="Voces"/>
+              <a:buNone/>
+              <a:defRPr sz="1600" b="0" i="0" u="none" strike="noStrike" cap="none">
+                <a:solidFill>
+                  <a:schemeClr val="dk1"/>
+                </a:solidFill>
+                <a:latin typeface="Voces"/>
+                <a:ea typeface="Voces"/>
+                <a:cs typeface="Voces"/>
+                <a:sym typeface="Voces"/>
+              </a:defRPr>
+            </a:lvl8pPr>
+            <a:lvl9pPr marL="4114800" marR="0" lvl="8" indent="-330200" algn="l" rtl="0">
+              <a:lnSpc>
+                <a:spcPct val="100000"/>
+              </a:lnSpc>
+              <a:spcBef>
+                <a:spcPts val="0"/>
+              </a:spcBef>
+              <a:spcAft>
+                <a:spcPts val="0"/>
+              </a:spcAft>
+              <a:buClr>
+                <a:schemeClr val="dk1"/>
+              </a:buClr>
+              <a:buSzPts val="1600"/>
+              <a:buFont typeface="Voces"/>
+              <a:buNone/>
+              <a:defRPr sz="1600" b="0" i="0" u="none" strike="noStrike" cap="none">
+                <a:solidFill>
+                  <a:schemeClr val="dk1"/>
+                </a:solidFill>
+                <a:latin typeface="Voces"/>
+                <a:ea typeface="Voces"/>
+                <a:cs typeface="Voces"/>
+                <a:sym typeface="Voces"/>
+              </a:defRPr>
+            </a:lvl9pPr>
+          </a:lstStyle>
+          <a:p>
+            <a:pPr marL="0" indent="0" algn="l">
+              <a:buNone/>
+            </a:pPr>
+            <a:r>
+              <a:rPr lang="en-US" sz="1600" dirty="0"/>
+              <a:t>This page enables users to share valuable insights about the paddy industry and keep in date with the current trends that help us raise the standards of paddy and other agricultural products.</a:t>
+            </a:r>
+          </a:p>
+        </p:txBody>
+      </p:sp>
+      <p:pic>
+        <p:nvPicPr>
+          <p:cNvPr id="2" name="Content Placeholder 4">
+            <a:extLst>
+              <a:ext uri="{FF2B5EF4-FFF2-40B4-BE49-F238E27FC236}">
+                <a16:creationId xmlns:a16="http://schemas.microsoft.com/office/drawing/2014/main" id="{3C7BA7E6-E4F2-AAE3-70E6-7DFE8D23C582}"/>
+              </a:ext>
+            </a:extLst>
+          </p:cNvPr>
+          <p:cNvPicPr>
+            <a:picLocks noChangeAspect="1"/>
+          </p:cNvPicPr>
+          <p:nvPr/>
+        </p:nvPicPr>
+        <p:blipFill rotWithShape="1">
+          <a:blip r:embed="rId2"/>
+          <a:srcRect t="3138" r="2447"/>
+          <a:stretch/>
+        </p:blipFill>
+        <p:spPr>
+          <a:xfrm>
+            <a:off x="4183024" y="1212331"/>
+            <a:ext cx="6489059" cy="3147193"/>
+          </a:xfrm>
+          <a:prstGeom prst="rect">
+            <a:avLst/>
+          </a:prstGeom>
+          <a:effectLst>
+            <a:outerShdw blurRad="686047" sx="102000" sy="102000" algn="ctr" rotWithShape="0">
+              <a:prstClr val="black">
+                <a:alpha val="40000"/>
+              </a:prstClr>
+            </a:outerShdw>
+          </a:effectLst>
+        </p:spPr>
+      </p:pic>
+    </p:spTree>
+    <p:extLst>
+      <p:ext uri="{BB962C8B-B14F-4D97-AF65-F5344CB8AC3E}">
+        <p14:creationId xmlns:p14="http://schemas.microsoft.com/office/powerpoint/2010/main" val="1762662815"/>
+      </p:ext>
+    </p:extLst>
+  </p:cSld>
+  <p:clrMapOvr>
+    <a:masterClrMapping/>
+  </p:clrMapOvr>
+  <mc:AlternateContent xmlns:mc="http://schemas.openxmlformats.org/markup-compatibility/2006">
+    <mc:Choice xmlns:p159="http://schemas.microsoft.com/office/powerpoint/2015/09/main" Requires="p159">
+      <p:transition xmlns:p14="http://schemas.microsoft.com/office/powerpoint/2010/main" spd="slow" p14:dur="2000">
+        <p159:morph option="byObject"/>
+      </p:transition>
+    </mc:Choice>
+    <mc:Fallback>
+      <p:transition spd="slow">
+        <p:fade/>
+      </p:transition>
+    </mc:Fallback>
+  </mc:AlternateContent>
+</p:sld>
+</file>
+
+<file path=ppt/slides/slide17.xml><?xml version="1.0" encoding="utf-8"?>
+<p:sld xmlns:a="http://schemas.openxmlformats.org/drawingml/2006/main" xmlns:r="http://schemas.openxmlformats.org/officeDocument/2006/relationships" xmlns:p="http://schemas.openxmlformats.org/presentationml/2006/main">
+  <p:cSld>
+    <p:spTree>
+      <p:nvGrpSpPr>
+        <p:cNvPr id="1" name=""/>
+        <p:cNvGrpSpPr/>
+        <p:nvPr/>
+      </p:nvGrpSpPr>
+      <p:grpSpPr>
+        <a:xfrm>
+          <a:off x="0" y="0"/>
+          <a:ext cx="0" cy="0"/>
+          <a:chOff x="0" y="0"/>
+          <a:chExt cx="0" cy="0"/>
+        </a:xfrm>
+      </p:grpSpPr>
+      <p:pic>
+        <p:nvPicPr>
+          <p:cNvPr id="4" name="Content Placeholder 4">
+            <a:extLst>
+              <a:ext uri="{FF2B5EF4-FFF2-40B4-BE49-F238E27FC236}">
+                <a16:creationId xmlns:a16="http://schemas.microsoft.com/office/drawing/2014/main" id="{B9C923A2-34E6-715F-C798-E9DA0442E528}"/>
+              </a:ext>
+            </a:extLst>
+          </p:cNvPr>
+          <p:cNvPicPr>
+            <a:picLocks noChangeAspect="1"/>
+          </p:cNvPicPr>
+          <p:nvPr/>
+        </p:nvPicPr>
+        <p:blipFill rotWithShape="1">
+          <a:blip r:embed="rId2"/>
+          <a:srcRect t="3138" r="2447"/>
+          <a:stretch/>
+        </p:blipFill>
+        <p:spPr>
+          <a:xfrm>
+            <a:off x="700549" y="694096"/>
+            <a:ext cx="7742902" cy="3755307"/>
+          </a:xfrm>
+          <a:prstGeom prst="rect">
+            <a:avLst/>
+          </a:prstGeom>
+          <a:effectLst>
+            <a:outerShdw blurRad="686047" sx="102000" sy="102000" algn="ctr" rotWithShape="0">
+              <a:prstClr val="black">
+                <a:alpha val="40000"/>
+              </a:prstClr>
+            </a:outerShdw>
+          </a:effectLst>
+        </p:spPr>
+      </p:pic>
+    </p:spTree>
+    <p:extLst>
+      <p:ext uri="{BB962C8B-B14F-4D97-AF65-F5344CB8AC3E}">
+        <p14:creationId xmlns:p14="http://schemas.microsoft.com/office/powerpoint/2010/main" val="98293583"/>
+      </p:ext>
+    </p:extLst>
+  </p:cSld>
+  <p:clrMapOvr>
+    <a:masterClrMapping/>
+  </p:clrMapOvr>
+  <mc:AlternateContent xmlns:mc="http://schemas.openxmlformats.org/markup-compatibility/2006">
+    <mc:Choice xmlns:p159="http://schemas.microsoft.com/office/powerpoint/2015/09/main" Requires="p159">
+      <p:transition xmlns:p14="http://schemas.microsoft.com/office/powerpoint/2010/main" spd="slow" p14:dur="2000">
+        <p159:morph option="byObject"/>
+      </p:transition>
+    </mc:Choice>
+    <mc:Fallback>
+      <p:transition spd="slow">
+        <p:fade/>
+      </p:transition>
+    </mc:Fallback>
+  </mc:AlternateContent>
+</p:sld>
+</file>
+
+<file path=ppt/slides/slide18.xml><?xml version="1.0" encoding="utf-8"?>
 <p:sld xmlns:a="http://schemas.openxmlformats.org/drawingml/2006/main" xmlns:r="http://schemas.openxmlformats.org/officeDocument/2006/relationships" xmlns:p="http://schemas.openxmlformats.org/presentationml/2006/main">
   <p:cSld>
     <p:spTree>
@@ -31462,176 +34410,170 @@
                   </a:schemeClr>
                 </a:solidFill>
               </a:rPr>
-              <a:t>Types of rice</a:t>
+              <a:t>Online procurement system</a:t>
             </a:r>
           </a:p>
         </p:txBody>
       </p:sp>
-      <p:pic>
-        <p:nvPicPr>
-          <p:cNvPr id="3" name="Picture 2">
+      <p:sp>
+        <p:nvSpPr>
+          <p:cNvPr id="20" name="Subtitle 2">
             <a:extLst>
               <a:ext uri="{FF2B5EF4-FFF2-40B4-BE49-F238E27FC236}">
-                <a16:creationId xmlns:a16="http://schemas.microsoft.com/office/drawing/2014/main" id="{0ED584DB-9CA6-942D-BF6F-C228E78369A0}"/>
+                <a16:creationId xmlns:a16="http://schemas.microsoft.com/office/drawing/2014/main" id="{7AE73E98-5440-978A-6336-606E1E910376}"/>
               </a:ext>
             </a:extLst>
           </p:cNvPr>
-          <p:cNvPicPr>
-            <a:picLocks noChangeAspect="1"/>
-          </p:cNvPicPr>
-          <p:nvPr/>
-        </p:nvPicPr>
-        <p:blipFill>
-          <a:blip r:embed="rId3"/>
-          <a:stretch>
-            <a:fillRect/>
-          </a:stretch>
-        </p:blipFill>
+          <p:cNvSpPr>
+            <a:spLocks noGrp="1"/>
+          </p:cNvSpPr>
+          <p:nvPr>
+            <p:ph type="subTitle" idx="1"/>
+          </p:nvPr>
+        </p:nvSpPr>
         <p:spPr>
           <a:xfrm>
-            <a:off x="4454881" y="2822431"/>
-            <a:ext cx="3330530" cy="1797294"/>
+            <a:off x="712350" y="1248991"/>
+            <a:ext cx="7719300" cy="3473400"/>
           </a:xfrm>
-          <a:prstGeom prst="rect">
-            <a:avLst/>
-          </a:prstGeom>
-          <a:effectLst>
-            <a:outerShdw blurRad="739807" sx="102000" sy="102000" algn="ctr" rotWithShape="0">
-              <a:prstClr val="black">
-                <a:alpha val="40000"/>
-              </a:prstClr>
-            </a:outerShdw>
-          </a:effectLst>
         </p:spPr>
-      </p:pic>
-      <p:pic>
-        <p:nvPicPr>
-          <p:cNvPr id="4" name="Picture 3">
-            <a:extLst>
-              <a:ext uri="{FF2B5EF4-FFF2-40B4-BE49-F238E27FC236}">
-                <a16:creationId xmlns:a16="http://schemas.microsoft.com/office/drawing/2014/main" id="{69DDA59E-729E-B2D0-8938-F8C212B5948B}"/>
-              </a:ext>
-            </a:extLst>
-          </p:cNvPr>
-          <p:cNvPicPr>
-            <a:picLocks noChangeAspect="1"/>
-          </p:cNvPicPr>
-          <p:nvPr/>
-        </p:nvPicPr>
-        <p:blipFill>
-          <a:blip r:embed="rId4"/>
-          <a:stretch>
-            <a:fillRect/>
-          </a:stretch>
-        </p:blipFill>
-        <p:spPr>
-          <a:xfrm>
-            <a:off x="1126308" y="2882058"/>
-            <a:ext cx="3245349" cy="1737667"/>
-          </a:xfrm>
-          <a:prstGeom prst="rect">
-            <a:avLst/>
-          </a:prstGeom>
-          <a:effectLst>
-            <a:outerShdw blurRad="739807" sx="102000" sy="102000" algn="ctr" rotWithShape="0">
-              <a:prstClr val="black">
-                <a:alpha val="40000"/>
-              </a:prstClr>
-            </a:outerShdw>
-          </a:effectLst>
-        </p:spPr>
-      </p:pic>
-      <p:pic>
-        <p:nvPicPr>
-          <p:cNvPr id="5" name="Picture 4">
-            <a:extLst>
-              <a:ext uri="{FF2B5EF4-FFF2-40B4-BE49-F238E27FC236}">
-                <a16:creationId xmlns:a16="http://schemas.microsoft.com/office/drawing/2014/main" id="{05DDD268-93C5-3EF5-420D-4D038CCDA675}"/>
-              </a:ext>
-            </a:extLst>
-          </p:cNvPr>
-          <p:cNvPicPr>
-            <a:picLocks noChangeAspect="1"/>
-          </p:cNvPicPr>
-          <p:nvPr/>
-        </p:nvPicPr>
-        <p:blipFill>
-          <a:blip r:embed="rId5"/>
-          <a:stretch>
-            <a:fillRect/>
-          </a:stretch>
-        </p:blipFill>
-        <p:spPr>
-          <a:xfrm>
-            <a:off x="4534740" y="1101974"/>
-            <a:ext cx="3270905" cy="1584344"/>
-          </a:xfrm>
-          <a:prstGeom prst="rect">
-            <a:avLst/>
-          </a:prstGeom>
-          <a:effectLst>
-            <a:outerShdw blurRad="739807" sx="102000" sy="102000" algn="ctr" rotWithShape="0">
-              <a:prstClr val="black">
-                <a:alpha val="40000"/>
-              </a:prstClr>
-            </a:outerShdw>
-          </a:effectLst>
-        </p:spPr>
-      </p:pic>
-      <p:pic>
-        <p:nvPicPr>
-          <p:cNvPr id="6" name="Picture 5">
-            <a:extLst>
-              <a:ext uri="{FF2B5EF4-FFF2-40B4-BE49-F238E27FC236}">
-                <a16:creationId xmlns:a16="http://schemas.microsoft.com/office/drawing/2014/main" id="{48184F53-9D8A-3736-2F7B-ED831CC193D5}"/>
-              </a:ext>
-            </a:extLst>
-          </p:cNvPr>
-          <p:cNvPicPr>
-            <a:picLocks noChangeAspect="1"/>
-          </p:cNvPicPr>
-          <p:nvPr/>
-        </p:nvPicPr>
-        <p:blipFill>
-          <a:blip r:embed="rId6"/>
-          <a:stretch>
-            <a:fillRect/>
-          </a:stretch>
-        </p:blipFill>
-        <p:spPr>
-          <a:xfrm>
-            <a:off x="971030" y="1050779"/>
-            <a:ext cx="3483851" cy="1703595"/>
-          </a:xfrm>
-          <a:prstGeom prst="rect">
-            <a:avLst/>
-          </a:prstGeom>
-          <a:effectLst>
-            <a:outerShdw blurRad="739807" sx="102000" sy="102000" algn="ctr" rotWithShape="0">
-              <a:prstClr val="black">
-                <a:alpha val="40000"/>
-              </a:prstClr>
-            </a:outerShdw>
-          </a:effectLst>
-        </p:spPr>
-      </p:pic>
+        <p:txBody>
+          <a:bodyPr/>
+          <a:lstStyle/>
+          <a:p>
+            <a:pPr marL="412750" indent="-285750" algn="l">
+              <a:buFont typeface="Arial" panose="020B0604020202020204" pitchFamily="34" charset="0"/>
+              <a:buChar char="•"/>
+            </a:pPr>
+            <a:r>
+              <a:rPr lang="en-US" sz="1400" b="0" i="0" dirty="0">
+                <a:effectLst/>
+                <a:latin typeface="Söhne"/>
+              </a:rPr>
+              <a:t>Convenient Access to Markets: Online procurement systems provide paddy farmers with easy access to a broader marketplace. </a:t>
+            </a:r>
+          </a:p>
+          <a:p>
+            <a:pPr marL="412750" indent="-285750" algn="l">
+              <a:buFont typeface="Arial" panose="020B0604020202020204" pitchFamily="34" charset="0"/>
+              <a:buChar char="•"/>
+            </a:pPr>
+            <a:endParaRPr lang="en-US" sz="1400" b="0" i="0" dirty="0">
+              <a:effectLst/>
+              <a:latin typeface="Söhne"/>
+            </a:endParaRPr>
+          </a:p>
+          <a:p>
+            <a:pPr marL="412750" indent="-285750" algn="l">
+              <a:buFont typeface="Arial" panose="020B0604020202020204" pitchFamily="34" charset="0"/>
+              <a:buChar char="•"/>
+            </a:pPr>
+            <a:r>
+              <a:rPr lang="en-US" sz="1400" b="0" i="0" dirty="0">
+                <a:effectLst/>
+                <a:latin typeface="Söhne"/>
+              </a:rPr>
+              <a:t>Transparent Pricing: These platforms often offer real-time price information, ensuring that farmers receive fair and competitive prices for their paddy. </a:t>
+            </a:r>
+          </a:p>
+          <a:p>
+            <a:pPr marL="412750" indent="-285750" algn="l">
+              <a:buFont typeface="Arial" panose="020B0604020202020204" pitchFamily="34" charset="0"/>
+              <a:buChar char="•"/>
+            </a:pPr>
+            <a:endParaRPr lang="en-US" sz="1400" b="0" i="0" dirty="0">
+              <a:effectLst/>
+              <a:latin typeface="Söhne"/>
+            </a:endParaRPr>
+          </a:p>
+          <a:p>
+            <a:pPr marL="412750" indent="-285750" algn="l">
+              <a:buFont typeface="Arial" panose="020B0604020202020204" pitchFamily="34" charset="0"/>
+              <a:buChar char="•"/>
+            </a:pPr>
+            <a:r>
+              <a:rPr lang="en-US" sz="1400" b="0" i="0" dirty="0">
+                <a:effectLst/>
+                <a:latin typeface="Söhne"/>
+              </a:rPr>
+              <a:t>Reduced Middlemen: By directly connecting with buyers through online systems, paddy farmers can eliminate middlemen, which can lead to higher profit margins. </a:t>
+            </a:r>
+          </a:p>
+          <a:p>
+            <a:pPr marL="412750" indent="-285750" algn="l">
+              <a:buFont typeface="Arial" panose="020B0604020202020204" pitchFamily="34" charset="0"/>
+              <a:buChar char="•"/>
+            </a:pPr>
+            <a:endParaRPr lang="en-US" sz="1400" b="0" i="0" dirty="0">
+              <a:effectLst/>
+              <a:latin typeface="Söhne"/>
+            </a:endParaRPr>
+          </a:p>
+          <a:p>
+            <a:pPr marL="412750" indent="-285750" algn="l">
+              <a:buFont typeface="Arial" panose="020B0604020202020204" pitchFamily="34" charset="0"/>
+              <a:buChar char="•"/>
+            </a:pPr>
+            <a:r>
+              <a:rPr lang="en-US" sz="1400" b="0" i="0" dirty="0">
+                <a:effectLst/>
+                <a:latin typeface="Söhne"/>
+              </a:rPr>
+              <a:t>Timely Payments: Online procurement systems typically facilitate prompt and secure payment methods as there is a record of everything unlike conventional methods being used right now</a:t>
+            </a:r>
+          </a:p>
+          <a:p>
+            <a:pPr marL="412750" indent="-285750" algn="l">
+              <a:buFont typeface="Arial" panose="020B0604020202020204" pitchFamily="34" charset="0"/>
+              <a:buChar char="•"/>
+            </a:pPr>
+            <a:endParaRPr lang="en-US" sz="1400" b="0" i="0" dirty="0">
+              <a:effectLst/>
+              <a:latin typeface="Söhne"/>
+            </a:endParaRPr>
+          </a:p>
+          <a:p>
+            <a:pPr marL="412750" indent="-285750" algn="l">
+              <a:buFont typeface="Arial" panose="020B0604020202020204" pitchFamily="34" charset="0"/>
+              <a:buChar char="•"/>
+            </a:pPr>
+            <a:r>
+              <a:rPr lang="en-US" sz="1400" b="0" i="0" dirty="0">
+                <a:effectLst/>
+                <a:latin typeface="Söhne"/>
+              </a:rPr>
+              <a:t>Overall, it enables the farmers to move their outcomes in a procedural manner eliminating all types of errors which could’ve aroused in case of traditional methods.</a:t>
+            </a:r>
+          </a:p>
+          <a:p>
+            <a:pPr marL="412750" indent="-285750" algn="l">
+              <a:buFont typeface="Arial" panose="020B0604020202020204" pitchFamily="34" charset="0"/>
+              <a:buChar char="•"/>
+            </a:pPr>
+            <a:endParaRPr lang="en-US" sz="1400" b="0" i="0" dirty="0">
+              <a:effectLst/>
+              <a:latin typeface="Söhne"/>
+            </a:endParaRPr>
+          </a:p>
+        </p:txBody>
+      </p:sp>
     </p:spTree>
     <p:extLst>
       <p:ext uri="{BB962C8B-B14F-4D97-AF65-F5344CB8AC3E}">
-        <p14:creationId xmlns:p14="http://schemas.microsoft.com/office/powerpoint/2010/main" val="2773869632"/>
+        <p14:creationId xmlns:p14="http://schemas.microsoft.com/office/powerpoint/2010/main" val="1059206247"/>
       </p:ext>
     </p:extLst>
   </p:cSld>
   <p:clrMapOvr>
     <a:masterClrMapping/>
   </p:clrMapOvr>
-  <mc:AlternateContent xmlns:mc="http://schemas.openxmlformats.org/markup-compatibility/2006" xmlns:p159="http://schemas.microsoft.com/office/powerpoint/2015/09/main">
-    <mc:Choice Requires="p159">
+  <mc:AlternateContent xmlns:mc="http://schemas.openxmlformats.org/markup-compatibility/2006">
+    <mc:Choice xmlns:p159="http://schemas.microsoft.com/office/powerpoint/2015/09/main" Requires="p159">
       <p:transition xmlns:p14="http://schemas.microsoft.com/office/powerpoint/2010/main" spd="slow" p14:dur="2000">
         <p159:morph option="byObject"/>
       </p:transition>
     </mc:Choice>
-    <mc:Fallback xmlns="">
+    <mc:Fallback>
       <p:transition spd="slow">
         <p:fade/>
       </p:transition>
@@ -31640,7 +34582,7 @@
 </p:sld>
 </file>
 
-<file path=ppt/slides/slide13.xml><?xml version="1.0" encoding="utf-8"?>
+<file path=ppt/slides/slide19.xml><?xml version="1.0" encoding="utf-8"?>
 <p:sld xmlns:a="http://schemas.openxmlformats.org/drawingml/2006/main" xmlns:r="http://schemas.openxmlformats.org/officeDocument/2006/relationships" xmlns:p="http://schemas.openxmlformats.org/presentationml/2006/main">
   <p:cSld>
     <p:spTree>
@@ -32081,13 +35023,13 @@
   <p:clrMapOvr>
     <a:masterClrMapping/>
   </p:clrMapOvr>
-  <mc:AlternateContent xmlns:mc="http://schemas.openxmlformats.org/markup-compatibility/2006" xmlns:p159="http://schemas.microsoft.com/office/powerpoint/2015/09/main">
-    <mc:Choice Requires="p159">
+  <mc:AlternateContent xmlns:mc="http://schemas.openxmlformats.org/markup-compatibility/2006">
+    <mc:Choice xmlns:p159="http://schemas.microsoft.com/office/powerpoint/2015/09/main" Requires="p159">
       <p:transition xmlns:p14="http://schemas.microsoft.com/office/powerpoint/2010/main" spd="slow" p14:dur="2000">
         <p159:morph option="byObject"/>
       </p:transition>
     </mc:Choice>
-    <mc:Fallback xmlns="">
+    <mc:Fallback>
       <p:transition spd="slow">
         <p:fade/>
       </p:transition>
@@ -32096,7 +35038,158 @@
 </p:sld>
 </file>
 
-<file path=ppt/slides/slide14.xml><?xml version="1.0" encoding="utf-8"?>
+<file path=ppt/slides/slide2.xml><?xml version="1.0" encoding="utf-8"?>
+<p:sld xmlns:a="http://schemas.openxmlformats.org/drawingml/2006/main" xmlns:r="http://schemas.openxmlformats.org/officeDocument/2006/relationships" xmlns:p="http://schemas.openxmlformats.org/presentationml/2006/main">
+  <p:cSld>
+    <p:spTree>
+      <p:nvGrpSpPr>
+        <p:cNvPr id="1" name=""/>
+        <p:cNvGrpSpPr/>
+        <p:nvPr/>
+      </p:nvGrpSpPr>
+      <p:grpSpPr>
+        <a:xfrm>
+          <a:off x="0" y="0"/>
+          <a:ext cx="0" cy="0"/>
+          <a:chOff x="0" y="0"/>
+          <a:chExt cx="0" cy="0"/>
+        </a:xfrm>
+      </p:grpSpPr>
+      <p:sp>
+        <p:nvSpPr>
+          <p:cNvPr id="2" name="Title 1">
+            <a:extLst>
+              <a:ext uri="{FF2B5EF4-FFF2-40B4-BE49-F238E27FC236}">
+                <a16:creationId xmlns:a16="http://schemas.microsoft.com/office/drawing/2014/main" id="{4B59B595-562A-7402-30D0-B575CE080013}"/>
+              </a:ext>
+            </a:extLst>
+          </p:cNvPr>
+          <p:cNvSpPr>
+            <a:spLocks noGrp="1"/>
+          </p:cNvSpPr>
+          <p:nvPr>
+            <p:ph type="title"/>
+          </p:nvPr>
+        </p:nvSpPr>
+        <p:spPr/>
+        <p:txBody>
+          <a:bodyPr/>
+          <a:lstStyle/>
+          <a:p>
+            <a:pPr algn="ctr"/>
+            <a:r>
+              <a:rPr lang="en-US" dirty="0"/>
+              <a:t>Introduction</a:t>
+            </a:r>
+          </a:p>
+        </p:txBody>
+      </p:sp>
+      <p:sp>
+        <p:nvSpPr>
+          <p:cNvPr id="3" name="Subtitle 2">
+            <a:extLst>
+              <a:ext uri="{FF2B5EF4-FFF2-40B4-BE49-F238E27FC236}">
+                <a16:creationId xmlns:a16="http://schemas.microsoft.com/office/drawing/2014/main" id="{BA3E3A63-9BBD-332E-78FF-DFA914260479}"/>
+              </a:ext>
+            </a:extLst>
+          </p:cNvPr>
+          <p:cNvSpPr>
+            <a:spLocks noGrp="1"/>
+          </p:cNvSpPr>
+          <p:nvPr>
+            <p:ph type="subTitle" idx="1"/>
+          </p:nvPr>
+        </p:nvSpPr>
+        <p:spPr>
+          <a:xfrm>
+            <a:off x="712350" y="1248991"/>
+            <a:ext cx="7719300" cy="3473400"/>
+          </a:xfrm>
+        </p:spPr>
+        <p:txBody>
+          <a:bodyPr/>
+          <a:lstStyle/>
+          <a:p>
+            <a:pPr marL="127000" indent="0">
+              <a:buNone/>
+            </a:pPr>
+            <a:r>
+              <a:rPr lang="en-US" sz="1800" b="0" i="0" dirty="0">
+                <a:effectLst/>
+                <a:latin typeface="Söhne"/>
+              </a:rPr>
+              <a:t>Farmer’s All</a:t>
+            </a:r>
+            <a:r>
+              <a:rPr lang="en-US" sz="1800" dirty="0">
+                <a:latin typeface="Söhne"/>
+              </a:rPr>
+              <a:t> is </a:t>
+            </a:r>
+            <a:r>
+              <a:rPr lang="en-US" sz="1800" b="0" i="0" dirty="0">
+                <a:effectLst/>
+                <a:latin typeface="Söhne"/>
+              </a:rPr>
+              <a:t>your one-stop destination for everything related to farming and agriculture! Whether you're a seasoned farmer, an aspiring agriculturist, or simply curious about the world of farming, you've come to the right place. Our website provides a wealth of information, resources, and a supportive community for all things agriculture.</a:t>
+            </a:r>
+          </a:p>
+          <a:p>
+            <a:pPr marL="127000" indent="0">
+              <a:buNone/>
+            </a:pPr>
+            <a:endParaRPr lang="en-US" sz="1800" b="0" i="0" dirty="0">
+              <a:effectLst/>
+              <a:latin typeface="Söhne"/>
+            </a:endParaRPr>
+          </a:p>
+          <a:p>
+            <a:pPr marL="127000" indent="0">
+              <a:buNone/>
+            </a:pPr>
+            <a:r>
+              <a:rPr lang="en-US" sz="1800" b="0" i="0" dirty="0">
+                <a:effectLst/>
+                <a:latin typeface="Söhne"/>
+              </a:rPr>
+              <a:t>At Farmers All, we recognize the pivotal role that paddy farmers play in ensuring a steady supply of this essential grain. Our website is on a mission to empower paddy farmers and enthusiasts alike by sharing specialized knowledge, offering practical advice, and building a strong, supportive community that centers on rice cultivation.</a:t>
+            </a:r>
+            <a:endParaRPr lang="en-IN" sz="1800" dirty="0"/>
+          </a:p>
+          <a:p>
+            <a:pPr marL="127000" indent="0">
+              <a:buNone/>
+            </a:pPr>
+            <a:endParaRPr lang="en-US" sz="1800" dirty="0"/>
+          </a:p>
+        </p:txBody>
+      </p:sp>
+    </p:spTree>
+    <p:extLst>
+      <p:ext uri="{BB962C8B-B14F-4D97-AF65-F5344CB8AC3E}">
+        <p14:creationId xmlns:p14="http://schemas.microsoft.com/office/powerpoint/2010/main" val="4254759364"/>
+      </p:ext>
+    </p:extLst>
+  </p:cSld>
+  <p:clrMapOvr>
+    <a:masterClrMapping/>
+  </p:clrMapOvr>
+  <mc:AlternateContent xmlns:mc="http://schemas.openxmlformats.org/markup-compatibility/2006">
+    <mc:Choice xmlns:p159="http://schemas.microsoft.com/office/powerpoint/2015/09/main" Requires="p159">
+      <p:transition xmlns:p14="http://schemas.microsoft.com/office/powerpoint/2010/main" spd="slow" p14:dur="2000">
+        <p159:morph option="byObject"/>
+      </p:transition>
+    </mc:Choice>
+    <mc:Fallback>
+      <p:transition spd="slow">
+        <p:fade/>
+      </p:transition>
+    </mc:Fallback>
+  </mc:AlternateContent>
+</p:sld>
+</file>
+
+<file path=ppt/slides/slide20.xml><?xml version="1.0" encoding="utf-8"?>
 <p:sld xmlns:a="http://schemas.openxmlformats.org/drawingml/2006/main" xmlns:r="http://schemas.openxmlformats.org/officeDocument/2006/relationships" xmlns:p="http://schemas.openxmlformats.org/presentationml/2006/main">
   <p:cSld>
     <p:spTree>
@@ -32609,13 +35702,13 @@
   <p:clrMapOvr>
     <a:masterClrMapping/>
   </p:clrMapOvr>
-  <mc:AlternateContent xmlns:mc="http://schemas.openxmlformats.org/markup-compatibility/2006" xmlns:p159="http://schemas.microsoft.com/office/powerpoint/2015/09/main">
-    <mc:Choice Requires="p159">
+  <mc:AlternateContent xmlns:mc="http://schemas.openxmlformats.org/markup-compatibility/2006">
+    <mc:Choice xmlns:p159="http://schemas.microsoft.com/office/powerpoint/2015/09/main" Requires="p159">
       <p:transition xmlns:p14="http://schemas.microsoft.com/office/powerpoint/2010/main" spd="slow" p14:dur="2000">
         <p159:morph option="byObject"/>
       </p:transition>
     </mc:Choice>
-    <mc:Fallback xmlns="">
+    <mc:Fallback>
       <p:transition spd="slow">
         <p:fade/>
       </p:transition>
@@ -32624,7 +35717,7 @@
 </p:sld>
 </file>
 
-<file path=ppt/slides/slide15.xml><?xml version="1.0" encoding="utf-8"?>
+<file path=ppt/slides/slide21.xml><?xml version="1.0" encoding="utf-8"?>
 <p:sld xmlns:a="http://schemas.openxmlformats.org/drawingml/2006/main" xmlns:r="http://schemas.openxmlformats.org/officeDocument/2006/relationships" xmlns:p="http://schemas.openxmlformats.org/presentationml/2006/main">
   <p:cSld>
     <p:spTree>
@@ -33095,13 +36188,13 @@
   <p:clrMapOvr>
     <a:masterClrMapping/>
   </p:clrMapOvr>
-  <mc:AlternateContent xmlns:mc="http://schemas.openxmlformats.org/markup-compatibility/2006" xmlns:p159="http://schemas.microsoft.com/office/powerpoint/2015/09/main">
-    <mc:Choice Requires="p159">
+  <mc:AlternateContent xmlns:mc="http://schemas.openxmlformats.org/markup-compatibility/2006">
+    <mc:Choice xmlns:p159="http://schemas.microsoft.com/office/powerpoint/2015/09/main" Requires="p159">
       <p:transition xmlns:p14="http://schemas.microsoft.com/office/powerpoint/2010/main" spd="slow" p14:dur="2000">
         <p159:morph option="byObject"/>
       </p:transition>
     </mc:Choice>
-    <mc:Fallback xmlns="">
+    <mc:Fallback>
       <p:transition spd="slow">
         <p:fade/>
       </p:transition>
@@ -33110,7 +36203,7 @@
 </p:sld>
 </file>
 
-<file path=ppt/slides/slide16.xml><?xml version="1.0" encoding="utf-8"?>
+<file path=ppt/slides/slide22.xml><?xml version="1.0" encoding="utf-8"?>
 <p:sld xmlns:a="http://schemas.openxmlformats.org/drawingml/2006/main" xmlns:r="http://schemas.openxmlformats.org/officeDocument/2006/relationships" xmlns:p="http://schemas.openxmlformats.org/presentationml/2006/main">
   <p:cSld>
     <p:spTree>
@@ -34281,13 +37374,13 @@
   <p:clrMapOvr>
     <a:masterClrMapping/>
   </p:clrMapOvr>
-  <mc:AlternateContent xmlns:mc="http://schemas.openxmlformats.org/markup-compatibility/2006" xmlns:p159="http://schemas.microsoft.com/office/powerpoint/2015/09/main">
-    <mc:Choice Requires="p159">
+  <mc:AlternateContent xmlns:mc="http://schemas.openxmlformats.org/markup-compatibility/2006">
+    <mc:Choice xmlns:p159="http://schemas.microsoft.com/office/powerpoint/2015/09/main" Requires="p159">
       <p:transition xmlns:p14="http://schemas.microsoft.com/office/powerpoint/2010/main" spd="slow" p14:dur="2000">
         <p159:morph option="byObject"/>
       </p:transition>
     </mc:Choice>
-    <mc:Fallback xmlns="">
+    <mc:Fallback>
       <p:transition spd="slow">
         <p:fade/>
       </p:transition>
@@ -34296,7 +37389,7 @@
 </p:sld>
 </file>
 
-<file path=ppt/slides/slide17.xml><?xml version="1.0" encoding="utf-8"?>
+<file path=ppt/slides/slide23.xml><?xml version="1.0" encoding="utf-8"?>
 <p:sld xmlns:a="http://schemas.openxmlformats.org/drawingml/2006/main" xmlns:r="http://schemas.openxmlformats.org/officeDocument/2006/relationships" xmlns:p="http://schemas.openxmlformats.org/presentationml/2006/main">
   <p:cSld>
     <p:bg>
@@ -34368,13 +37461,13 @@
   <p:clrMapOvr>
     <a:masterClrMapping/>
   </p:clrMapOvr>
-  <mc:AlternateContent xmlns:mc="http://schemas.openxmlformats.org/markup-compatibility/2006" xmlns:p159="http://schemas.microsoft.com/office/powerpoint/2015/09/main">
-    <mc:Choice Requires="p159">
+  <mc:AlternateContent xmlns:mc="http://schemas.openxmlformats.org/markup-compatibility/2006">
+    <mc:Choice xmlns:p159="http://schemas.microsoft.com/office/powerpoint/2015/09/main" Requires="p159">
       <p:transition xmlns:p14="http://schemas.microsoft.com/office/powerpoint/2010/main" spd="slow" p14:dur="2000">
         <p159:morph option="byObject"/>
       </p:transition>
     </mc:Choice>
-    <mc:Fallback xmlns="">
+    <mc:Fallback>
       <p:transition spd="slow">
         <p:fade/>
       </p:transition>
@@ -34466,157 +37559,6 @@
       </p:par>
     </p:tnLst>
   </p:timing>
-</p:sld>
-</file>
-
-<file path=ppt/slides/slide2.xml><?xml version="1.0" encoding="utf-8"?>
-<p:sld xmlns:a="http://schemas.openxmlformats.org/drawingml/2006/main" xmlns:r="http://schemas.openxmlformats.org/officeDocument/2006/relationships" xmlns:p="http://schemas.openxmlformats.org/presentationml/2006/main">
-  <p:cSld>
-    <p:spTree>
-      <p:nvGrpSpPr>
-        <p:cNvPr id="1" name=""/>
-        <p:cNvGrpSpPr/>
-        <p:nvPr/>
-      </p:nvGrpSpPr>
-      <p:grpSpPr>
-        <a:xfrm>
-          <a:off x="0" y="0"/>
-          <a:ext cx="0" cy="0"/>
-          <a:chOff x="0" y="0"/>
-          <a:chExt cx="0" cy="0"/>
-        </a:xfrm>
-      </p:grpSpPr>
-      <p:sp>
-        <p:nvSpPr>
-          <p:cNvPr id="2" name="Title 1">
-            <a:extLst>
-              <a:ext uri="{FF2B5EF4-FFF2-40B4-BE49-F238E27FC236}">
-                <a16:creationId xmlns:a16="http://schemas.microsoft.com/office/drawing/2014/main" id="{4B59B595-562A-7402-30D0-B575CE080013}"/>
-              </a:ext>
-            </a:extLst>
-          </p:cNvPr>
-          <p:cNvSpPr>
-            <a:spLocks noGrp="1"/>
-          </p:cNvSpPr>
-          <p:nvPr>
-            <p:ph type="title"/>
-          </p:nvPr>
-        </p:nvSpPr>
-        <p:spPr/>
-        <p:txBody>
-          <a:bodyPr/>
-          <a:lstStyle/>
-          <a:p>
-            <a:pPr algn="ctr"/>
-            <a:r>
-              <a:rPr lang="en-US" dirty="0"/>
-              <a:t>Introduction</a:t>
-            </a:r>
-          </a:p>
-        </p:txBody>
-      </p:sp>
-      <p:sp>
-        <p:nvSpPr>
-          <p:cNvPr id="3" name="Subtitle 2">
-            <a:extLst>
-              <a:ext uri="{FF2B5EF4-FFF2-40B4-BE49-F238E27FC236}">
-                <a16:creationId xmlns:a16="http://schemas.microsoft.com/office/drawing/2014/main" id="{BA3E3A63-9BBD-332E-78FF-DFA914260479}"/>
-              </a:ext>
-            </a:extLst>
-          </p:cNvPr>
-          <p:cNvSpPr>
-            <a:spLocks noGrp="1"/>
-          </p:cNvSpPr>
-          <p:nvPr>
-            <p:ph type="subTitle" idx="1"/>
-          </p:nvPr>
-        </p:nvSpPr>
-        <p:spPr>
-          <a:xfrm>
-            <a:off x="712350" y="1248991"/>
-            <a:ext cx="7719300" cy="3473400"/>
-          </a:xfrm>
-        </p:spPr>
-        <p:txBody>
-          <a:bodyPr/>
-          <a:lstStyle/>
-          <a:p>
-            <a:pPr marL="127000" indent="0">
-              <a:buNone/>
-            </a:pPr>
-            <a:r>
-              <a:rPr lang="en-US" sz="1800" b="0" i="0" dirty="0">
-                <a:effectLst/>
-                <a:latin typeface="Söhne"/>
-              </a:rPr>
-              <a:t>Farmer’s All</a:t>
-            </a:r>
-            <a:r>
-              <a:rPr lang="en-US" sz="1800" dirty="0">
-                <a:latin typeface="Söhne"/>
-              </a:rPr>
-              <a:t> is </a:t>
-            </a:r>
-            <a:r>
-              <a:rPr lang="en-US" sz="1800" b="0" i="0" dirty="0">
-                <a:effectLst/>
-                <a:latin typeface="Söhne"/>
-              </a:rPr>
-              <a:t>your one-stop destination for everything related to farming and agriculture! Whether you're a seasoned farmer, an aspiring agriculturist, or simply curious about the world of farming, you've come to the right place. Our website provides a wealth of information, resources, and a supportive community for all things agriculture.</a:t>
-            </a:r>
-          </a:p>
-          <a:p>
-            <a:pPr marL="127000" indent="0">
-              <a:buNone/>
-            </a:pPr>
-            <a:endParaRPr lang="en-US" sz="1800" b="0" i="0" dirty="0">
-              <a:effectLst/>
-              <a:latin typeface="Söhne"/>
-            </a:endParaRPr>
-          </a:p>
-          <a:p>
-            <a:pPr marL="127000" indent="0">
-              <a:buNone/>
-            </a:pPr>
-            <a:r>
-              <a:rPr lang="en-US" sz="1800" b="0" i="0" dirty="0">
-                <a:effectLst/>
-                <a:latin typeface="Söhne"/>
-              </a:rPr>
-              <a:t>At Farmers All, we recognize the pivotal role that paddy farmers play in ensuring a steady supply of this essential grain. Our website is on a mission to empower paddy farmers and enthusiasts alike by sharing specialized knowledge, offering practical advice, and building a strong, supportive community that centers on rice cultivation.</a:t>
-            </a:r>
-            <a:endParaRPr lang="en-IN" sz="1800" dirty="0"/>
-          </a:p>
-          <a:p>
-            <a:pPr marL="127000" indent="0">
-              <a:buNone/>
-            </a:pPr>
-            <a:endParaRPr lang="en-US" sz="1800" dirty="0"/>
-          </a:p>
-        </p:txBody>
-      </p:sp>
-    </p:spTree>
-    <p:extLst>
-      <p:ext uri="{BB962C8B-B14F-4D97-AF65-F5344CB8AC3E}">
-        <p14:creationId xmlns:p14="http://schemas.microsoft.com/office/powerpoint/2010/main" val="4254759364"/>
-      </p:ext>
-    </p:extLst>
-  </p:cSld>
-  <p:clrMapOvr>
-    <a:masterClrMapping/>
-  </p:clrMapOvr>
-  <mc:AlternateContent xmlns:mc="http://schemas.openxmlformats.org/markup-compatibility/2006" xmlns:p159="http://schemas.microsoft.com/office/powerpoint/2015/09/main">
-    <mc:Choice Requires="p159">
-      <p:transition xmlns:p14="http://schemas.microsoft.com/office/powerpoint/2010/main" spd="slow" p14:dur="2000">
-        <p159:morph option="byObject"/>
-      </p:transition>
-    </mc:Choice>
-    <mc:Fallback xmlns="">
-      <p:transition spd="slow">
-        <p:fade/>
-      </p:transition>
-    </mc:Fallback>
-  </mc:AlternateContent>
 </p:sld>
 </file>
 
@@ -35298,13 +38240,13 @@
   <p:clrMapOvr>
     <a:masterClrMapping/>
   </p:clrMapOvr>
-  <mc:AlternateContent xmlns:mc="http://schemas.openxmlformats.org/markup-compatibility/2006" xmlns:p159="http://schemas.microsoft.com/office/powerpoint/2015/09/main">
-    <mc:Choice Requires="p159">
+  <mc:AlternateContent xmlns:mc="http://schemas.openxmlformats.org/markup-compatibility/2006">
+    <mc:Choice xmlns:p159="http://schemas.microsoft.com/office/powerpoint/2015/09/main" Requires="p159">
       <p:transition xmlns:p14="http://schemas.microsoft.com/office/powerpoint/2010/main" spd="slow" p14:dur="2000">
         <p159:morph option="byObject"/>
       </p:transition>
     </mc:Choice>
-    <mc:Fallback xmlns="">
+    <mc:Fallback>
       <p:transition spd="slow">
         <p:fade/>
       </p:transition>
@@ -35377,13 +38319,13 @@
   <p:clrMapOvr>
     <a:masterClrMapping/>
   </p:clrMapOvr>
-  <mc:AlternateContent xmlns:mc="http://schemas.openxmlformats.org/markup-compatibility/2006" xmlns:p159="http://schemas.microsoft.com/office/powerpoint/2015/09/main">
-    <mc:Choice Requires="p159">
+  <mc:AlternateContent xmlns:mc="http://schemas.openxmlformats.org/markup-compatibility/2006">
+    <mc:Choice xmlns:p159="http://schemas.microsoft.com/office/powerpoint/2015/09/main" Requires="p159">
       <p:transition xmlns:p14="http://schemas.microsoft.com/office/powerpoint/2010/main" spd="slow" p14:dur="2000">
         <p159:morph option="byObject"/>
       </p:transition>
     </mc:Choice>
-    <mc:Fallback xmlns="">
+    <mc:Fallback>
       <p:transition spd="slow">
         <p:fade/>
       </p:transition>
@@ -35411,309 +38353,340 @@
       </p:grpSpPr>
       <p:sp>
         <p:nvSpPr>
-          <p:cNvPr id="3" name="Title 1">
+          <p:cNvPr id="2" name="Title 1">
             <a:extLst>
               <a:ext uri="{FF2B5EF4-FFF2-40B4-BE49-F238E27FC236}">
-                <a16:creationId xmlns:a16="http://schemas.microsoft.com/office/drawing/2014/main" id="{43A313A8-2EFC-AD58-48F2-4D7FC497BA75}"/>
+                <a16:creationId xmlns:a16="http://schemas.microsoft.com/office/drawing/2014/main" id="{CAACA468-F782-C05A-0982-3C7A52D60504}"/>
               </a:ext>
             </a:extLst>
           </p:cNvPr>
-          <p:cNvSpPr txBox="1">
-            <a:spLocks/>
+          <p:cNvSpPr>
+            <a:spLocks noGrp="1"/>
           </p:cNvSpPr>
+          <p:nvPr>
+            <p:ph type="title"/>
+          </p:nvPr>
+        </p:nvSpPr>
+        <p:spPr/>
+        <p:txBody>
+          <a:bodyPr/>
+          <a:lstStyle/>
+          <a:p>
+            <a:pPr algn="ctr"/>
+            <a:r>
+              <a:rPr lang="en-US" dirty="0"/>
+              <a:t>ML models we implemented </a:t>
+            </a:r>
+          </a:p>
+        </p:txBody>
+      </p:sp>
+      <p:sp>
+        <p:nvSpPr>
+          <p:cNvPr id="10" name="Rounded Rectangle 9">
+            <a:extLst>
+              <a:ext uri="{FF2B5EF4-FFF2-40B4-BE49-F238E27FC236}">
+                <a16:creationId xmlns:a16="http://schemas.microsoft.com/office/drawing/2014/main" id="{1A8F3CA1-0FBF-7A51-F710-157E5504C9BC}"/>
+              </a:ext>
+            </a:extLst>
+          </p:cNvPr>
+          <p:cNvSpPr/>
           <p:nvPr/>
         </p:nvSpPr>
         <p:spPr>
           <a:xfrm>
-            <a:off x="232020" y="949765"/>
-            <a:ext cx="5643116" cy="1062800"/>
+            <a:off x="1956374" y="1219018"/>
+            <a:ext cx="5231250" cy="520705"/>
           </a:xfrm>
-          <a:prstGeom prst="rect">
+          <a:prstGeom prst="roundRect">
             <a:avLst/>
           </a:prstGeom>
-          <a:noFill/>
+          <a:solidFill>
+            <a:schemeClr val="dk1"/>
+          </a:solidFill>
           <a:ln>
             <a:noFill/>
           </a:ln>
         </p:spPr>
+        <p:style>
+          <a:lnRef idx="0">
+            <a:scrgbClr r="0" g="0" b="0"/>
+          </a:lnRef>
+          <a:fillRef idx="0">
+            <a:scrgbClr r="0" g="0" b="0"/>
+          </a:fillRef>
+          <a:effectRef idx="0">
+            <a:scrgbClr r="0" g="0" b="0"/>
+          </a:effectRef>
+          <a:fontRef idx="minor">
+            <a:schemeClr val="lt1"/>
+          </a:fontRef>
+        </p:style>
         <p:txBody>
-          <a:bodyPr spcFirstLastPara="1" wrap="square" lIns="91425" tIns="91425" rIns="91425" bIns="91425" anchor="t" anchorCtr="0">
-            <a:noAutofit/>
-          </a:bodyPr>
-          <a:lstStyle>
-            <a:defPPr marR="0" lvl="0" algn="l" rtl="0">
-              <a:lnSpc>
-                <a:spcPct val="100000"/>
-              </a:lnSpc>
-              <a:spcBef>
-                <a:spcPts val="0"/>
-              </a:spcBef>
-              <a:spcAft>
-                <a:spcPts val="0"/>
-              </a:spcAft>
-            </a:defPPr>
-            <a:lvl1pPr marR="0" lvl="0" algn="l" rtl="0">
-              <a:lnSpc>
-                <a:spcPct val="100000"/>
-              </a:lnSpc>
-              <a:spcBef>
-                <a:spcPts val="0"/>
-              </a:spcBef>
-              <a:spcAft>
-                <a:spcPts val="0"/>
-              </a:spcAft>
-              <a:buClr>
-                <a:schemeClr val="accent1"/>
-              </a:buClr>
-              <a:buSzPts val="3600"/>
-              <a:buFont typeface="Calistoga"/>
-              <a:buNone/>
-              <a:defRPr sz="3600" b="0" i="0" u="none" strike="noStrike" cap="none">
-                <a:solidFill>
-                  <a:schemeClr val="lt1"/>
-                </a:solidFill>
-                <a:latin typeface="Calistoga"/>
-                <a:ea typeface="Calistoga"/>
-                <a:cs typeface="Calistoga"/>
-                <a:sym typeface="Calistoga"/>
-              </a:defRPr>
-            </a:lvl1pPr>
-            <a:lvl2pPr marR="0" lvl="1" algn="r" rtl="0">
-              <a:lnSpc>
-                <a:spcPct val="100000"/>
-              </a:lnSpc>
-              <a:spcBef>
-                <a:spcPts val="0"/>
-              </a:spcBef>
-              <a:spcAft>
-                <a:spcPts val="0"/>
-              </a:spcAft>
-              <a:buClr>
-                <a:schemeClr val="accent4"/>
-              </a:buClr>
-              <a:buSzPts val="1800"/>
-              <a:buFont typeface="Calistoga"/>
-              <a:buNone/>
-              <a:defRPr sz="1800" b="0" i="0" u="none" strike="noStrike" cap="none">
-                <a:solidFill>
-                  <a:schemeClr val="accent4"/>
-                </a:solidFill>
-                <a:latin typeface="Calistoga"/>
-                <a:ea typeface="Calistoga"/>
-                <a:cs typeface="Calistoga"/>
-                <a:sym typeface="Calistoga"/>
-              </a:defRPr>
-            </a:lvl2pPr>
-            <a:lvl3pPr marR="0" lvl="2" algn="r" rtl="0">
-              <a:lnSpc>
-                <a:spcPct val="100000"/>
-              </a:lnSpc>
-              <a:spcBef>
-                <a:spcPts val="0"/>
-              </a:spcBef>
-              <a:spcAft>
-                <a:spcPts val="0"/>
-              </a:spcAft>
-              <a:buClr>
-                <a:schemeClr val="accent4"/>
-              </a:buClr>
-              <a:buSzPts val="1800"/>
-              <a:buFont typeface="Calistoga"/>
-              <a:buNone/>
-              <a:defRPr sz="1800" b="0" i="0" u="none" strike="noStrike" cap="none">
-                <a:solidFill>
-                  <a:schemeClr val="accent4"/>
-                </a:solidFill>
-                <a:latin typeface="Calistoga"/>
-                <a:ea typeface="Calistoga"/>
-                <a:cs typeface="Calistoga"/>
-                <a:sym typeface="Calistoga"/>
-              </a:defRPr>
-            </a:lvl3pPr>
-            <a:lvl4pPr marR="0" lvl="3" algn="r" rtl="0">
-              <a:lnSpc>
-                <a:spcPct val="100000"/>
-              </a:lnSpc>
-              <a:spcBef>
-                <a:spcPts val="0"/>
-              </a:spcBef>
-              <a:spcAft>
-                <a:spcPts val="0"/>
-              </a:spcAft>
-              <a:buClr>
-                <a:schemeClr val="accent4"/>
-              </a:buClr>
-              <a:buSzPts val="1800"/>
-              <a:buFont typeface="Calistoga"/>
-              <a:buNone/>
-              <a:defRPr sz="1800" b="0" i="0" u="none" strike="noStrike" cap="none">
-                <a:solidFill>
-                  <a:schemeClr val="accent4"/>
-                </a:solidFill>
-                <a:latin typeface="Calistoga"/>
-                <a:ea typeface="Calistoga"/>
-                <a:cs typeface="Calistoga"/>
-                <a:sym typeface="Calistoga"/>
-              </a:defRPr>
-            </a:lvl4pPr>
-            <a:lvl5pPr marR="0" lvl="4" algn="r" rtl="0">
-              <a:lnSpc>
-                <a:spcPct val="100000"/>
-              </a:lnSpc>
-              <a:spcBef>
-                <a:spcPts val="0"/>
-              </a:spcBef>
-              <a:spcAft>
-                <a:spcPts val="0"/>
-              </a:spcAft>
-              <a:buClr>
-                <a:schemeClr val="accent4"/>
-              </a:buClr>
-              <a:buSzPts val="1800"/>
-              <a:buFont typeface="Calistoga"/>
-              <a:buNone/>
-              <a:defRPr sz="1800" b="0" i="0" u="none" strike="noStrike" cap="none">
-                <a:solidFill>
-                  <a:schemeClr val="accent4"/>
-                </a:solidFill>
-                <a:latin typeface="Calistoga"/>
-                <a:ea typeface="Calistoga"/>
-                <a:cs typeface="Calistoga"/>
-                <a:sym typeface="Calistoga"/>
-              </a:defRPr>
-            </a:lvl5pPr>
-            <a:lvl6pPr marR="0" lvl="5" algn="r" rtl="0">
-              <a:lnSpc>
-                <a:spcPct val="100000"/>
-              </a:lnSpc>
-              <a:spcBef>
-                <a:spcPts val="0"/>
-              </a:spcBef>
-              <a:spcAft>
-                <a:spcPts val="0"/>
-              </a:spcAft>
-              <a:buClr>
-                <a:schemeClr val="accent4"/>
-              </a:buClr>
-              <a:buSzPts val="1800"/>
-              <a:buFont typeface="Calistoga"/>
-              <a:buNone/>
-              <a:defRPr sz="1800" b="0" i="0" u="none" strike="noStrike" cap="none">
-                <a:solidFill>
-                  <a:schemeClr val="accent4"/>
-                </a:solidFill>
-                <a:latin typeface="Calistoga"/>
-                <a:ea typeface="Calistoga"/>
-                <a:cs typeface="Calistoga"/>
-                <a:sym typeface="Calistoga"/>
-              </a:defRPr>
-            </a:lvl6pPr>
-            <a:lvl7pPr marR="0" lvl="6" algn="r" rtl="0">
-              <a:lnSpc>
-                <a:spcPct val="100000"/>
-              </a:lnSpc>
-              <a:spcBef>
-                <a:spcPts val="0"/>
-              </a:spcBef>
-              <a:spcAft>
-                <a:spcPts val="0"/>
-              </a:spcAft>
-              <a:buClr>
-                <a:schemeClr val="accent4"/>
-              </a:buClr>
-              <a:buSzPts val="1800"/>
-              <a:buFont typeface="Calistoga"/>
-              <a:buNone/>
-              <a:defRPr sz="1800" b="0" i="0" u="none" strike="noStrike" cap="none">
-                <a:solidFill>
-                  <a:schemeClr val="accent4"/>
-                </a:solidFill>
-                <a:latin typeface="Calistoga"/>
-                <a:ea typeface="Calistoga"/>
-                <a:cs typeface="Calistoga"/>
-                <a:sym typeface="Calistoga"/>
-              </a:defRPr>
-            </a:lvl7pPr>
-            <a:lvl8pPr marR="0" lvl="7" algn="r" rtl="0">
-              <a:lnSpc>
-                <a:spcPct val="100000"/>
-              </a:lnSpc>
-              <a:spcBef>
-                <a:spcPts val="0"/>
-              </a:spcBef>
-              <a:spcAft>
-                <a:spcPts val="0"/>
-              </a:spcAft>
-              <a:buClr>
-                <a:schemeClr val="accent4"/>
-              </a:buClr>
-              <a:buSzPts val="1800"/>
-              <a:buFont typeface="Calistoga"/>
-              <a:buNone/>
-              <a:defRPr sz="1800" b="0" i="0" u="none" strike="noStrike" cap="none">
-                <a:solidFill>
-                  <a:schemeClr val="accent4"/>
-                </a:solidFill>
-                <a:latin typeface="Calistoga"/>
-                <a:ea typeface="Calistoga"/>
-                <a:cs typeface="Calistoga"/>
-                <a:sym typeface="Calistoga"/>
-              </a:defRPr>
-            </a:lvl8pPr>
-            <a:lvl9pPr marR="0" lvl="8" algn="r" rtl="0">
-              <a:lnSpc>
-                <a:spcPct val="100000"/>
-              </a:lnSpc>
-              <a:spcBef>
-                <a:spcPts val="0"/>
-              </a:spcBef>
-              <a:spcAft>
-                <a:spcPts val="0"/>
-              </a:spcAft>
-              <a:buClr>
-                <a:schemeClr val="accent4"/>
-              </a:buClr>
-              <a:buSzPts val="1800"/>
-              <a:buFont typeface="Calistoga"/>
-              <a:buNone/>
-              <a:defRPr sz="1800" b="0" i="0" u="none" strike="noStrike" cap="none">
-                <a:solidFill>
-                  <a:schemeClr val="accent4"/>
-                </a:solidFill>
-                <a:latin typeface="Calistoga"/>
-                <a:ea typeface="Calistoga"/>
-                <a:cs typeface="Calistoga"/>
-                <a:sym typeface="Calistoga"/>
-              </a:defRPr>
-            </a:lvl9pPr>
-          </a:lstStyle>
+          <a:bodyPr rtlCol="0" anchor="ctr"/>
+          <a:lstStyle/>
           <a:p>
+            <a:pPr algn="ctr"/>
             <a:r>
-              <a:rPr lang="en-US" sz="2400" dirty="0">
-                <a:solidFill>
-                  <a:schemeClr val="accent3"/>
-                </a:solidFill>
-              </a:rPr>
-              <a:t>Paddy cultivation identification</a:t>
-            </a:r>
-            <a:br>
-              <a:rPr lang="en-US" sz="2400" dirty="0">
-                <a:solidFill>
-                  <a:schemeClr val="accent3"/>
-                </a:solidFill>
-              </a:rPr>
-            </a:br>
-            <a:r>
-              <a:rPr lang="en-US" sz="2400" dirty="0">
-                <a:solidFill>
-                  <a:schemeClr val="accent3"/>
-                </a:solidFill>
-              </a:rPr>
-              <a:t>(using satellite images)</a:t>
+              <a:rPr lang="en-US" dirty="0"/>
+              <a:t>Paddy cultivation identification (using satellite images)</a:t>
             </a:r>
           </a:p>
         </p:txBody>
       </p:sp>
+      <p:sp>
+        <p:nvSpPr>
+          <p:cNvPr id="11" name="Rounded Rectangle 10">
+            <a:extLst>
+              <a:ext uri="{FF2B5EF4-FFF2-40B4-BE49-F238E27FC236}">
+                <a16:creationId xmlns:a16="http://schemas.microsoft.com/office/drawing/2014/main" id="{BA052068-C61B-0364-E74E-4977B8669737}"/>
+              </a:ext>
+            </a:extLst>
+          </p:cNvPr>
+          <p:cNvSpPr/>
+          <p:nvPr/>
+        </p:nvSpPr>
+        <p:spPr>
+          <a:xfrm>
+            <a:off x="1956374" y="1936797"/>
+            <a:ext cx="5231250" cy="520705"/>
+          </a:xfrm>
+          <a:prstGeom prst="roundRect">
+            <a:avLst/>
+          </a:prstGeom>
+          <a:solidFill>
+            <a:schemeClr val="dk1"/>
+          </a:solidFill>
+          <a:ln>
+            <a:noFill/>
+          </a:ln>
+        </p:spPr>
+        <p:style>
+          <a:lnRef idx="0">
+            <a:scrgbClr r="0" g="0" b="0"/>
+          </a:lnRef>
+          <a:fillRef idx="0">
+            <a:scrgbClr r="0" g="0" b="0"/>
+          </a:fillRef>
+          <a:effectRef idx="0">
+            <a:scrgbClr r="0" g="0" b="0"/>
+          </a:effectRef>
+          <a:fontRef idx="minor">
+            <a:schemeClr val="lt1"/>
+          </a:fontRef>
+        </p:style>
+        <p:txBody>
+          <a:bodyPr rtlCol="0" anchor="ctr"/>
+          <a:lstStyle/>
+          <a:p>
+            <a:pPr algn="ctr"/>
+            <a:r>
+              <a:rPr lang="en-US" dirty="0"/>
+              <a:t>Paddy cultivation identification (using uploaded images)</a:t>
+            </a:r>
+          </a:p>
+        </p:txBody>
+      </p:sp>
+      <p:sp>
+        <p:nvSpPr>
+          <p:cNvPr id="12" name="Rounded Rectangle 11">
+            <a:extLst>
+              <a:ext uri="{FF2B5EF4-FFF2-40B4-BE49-F238E27FC236}">
+                <a16:creationId xmlns:a16="http://schemas.microsoft.com/office/drawing/2014/main" id="{557B005E-F1F7-0ED1-6862-68E936424097}"/>
+              </a:ext>
+            </a:extLst>
+          </p:cNvPr>
+          <p:cNvSpPr/>
+          <p:nvPr/>
+        </p:nvSpPr>
+        <p:spPr>
+          <a:xfrm>
+            <a:off x="1956374" y="2639303"/>
+            <a:ext cx="5231250" cy="520705"/>
+          </a:xfrm>
+          <a:prstGeom prst="roundRect">
+            <a:avLst/>
+          </a:prstGeom>
+          <a:solidFill>
+            <a:schemeClr val="dk1"/>
+          </a:solidFill>
+          <a:ln>
+            <a:noFill/>
+          </a:ln>
+        </p:spPr>
+        <p:style>
+          <a:lnRef idx="0">
+            <a:scrgbClr r="0" g="0" b="0"/>
+          </a:lnRef>
+          <a:fillRef idx="0">
+            <a:scrgbClr r="0" g="0" b="0"/>
+          </a:fillRef>
+          <a:effectRef idx="0">
+            <a:scrgbClr r="0" g="0" b="0"/>
+          </a:effectRef>
+          <a:fontRef idx="minor">
+            <a:schemeClr val="lt1"/>
+          </a:fontRef>
+        </p:style>
+        <p:txBody>
+          <a:bodyPr rtlCol="0" anchor="ctr"/>
+          <a:lstStyle/>
+          <a:p>
+            <a:pPr algn="ctr"/>
+            <a:r>
+              <a:rPr lang="en-US" dirty="0"/>
+              <a:t>Stage of paddy identification</a:t>
+            </a:r>
+          </a:p>
+        </p:txBody>
+      </p:sp>
+      <p:sp>
+        <p:nvSpPr>
+          <p:cNvPr id="13" name="Rounded Rectangle 12">
+            <a:extLst>
+              <a:ext uri="{FF2B5EF4-FFF2-40B4-BE49-F238E27FC236}">
+                <a16:creationId xmlns:a16="http://schemas.microsoft.com/office/drawing/2014/main" id="{912D3A9C-23C7-AC5C-446B-33FBED61DAAB}"/>
+              </a:ext>
+            </a:extLst>
+          </p:cNvPr>
+          <p:cNvSpPr/>
+          <p:nvPr/>
+        </p:nvSpPr>
+        <p:spPr>
+          <a:xfrm>
+            <a:off x="1956374" y="3341809"/>
+            <a:ext cx="5231250" cy="520705"/>
+          </a:xfrm>
+          <a:prstGeom prst="roundRect">
+            <a:avLst/>
+          </a:prstGeom>
+          <a:solidFill>
+            <a:schemeClr val="dk1"/>
+          </a:solidFill>
+          <a:ln>
+            <a:noFill/>
+          </a:ln>
+        </p:spPr>
+        <p:style>
+          <a:lnRef idx="0">
+            <a:scrgbClr r="0" g="0" b="0"/>
+          </a:lnRef>
+          <a:fillRef idx="0">
+            <a:scrgbClr r="0" g="0" b="0"/>
+          </a:fillRef>
+          <a:effectRef idx="0">
+            <a:scrgbClr r="0" g="0" b="0"/>
+          </a:effectRef>
+          <a:fontRef idx="minor">
+            <a:schemeClr val="lt1"/>
+          </a:fontRef>
+        </p:style>
+        <p:txBody>
+          <a:bodyPr rtlCol="0" anchor="ctr"/>
+          <a:lstStyle/>
+          <a:p>
+            <a:pPr algn="ctr"/>
+            <a:r>
+              <a:rPr lang="en-US" dirty="0"/>
+              <a:t>Substandard paddy identification</a:t>
+            </a:r>
+          </a:p>
+        </p:txBody>
+      </p:sp>
+      <p:sp>
+        <p:nvSpPr>
+          <p:cNvPr id="14" name="Rounded Rectangle 13">
+            <a:extLst>
+              <a:ext uri="{FF2B5EF4-FFF2-40B4-BE49-F238E27FC236}">
+                <a16:creationId xmlns:a16="http://schemas.microsoft.com/office/drawing/2014/main" id="{B5ACA3D1-247C-126D-9B68-80ED6024CAF0}"/>
+              </a:ext>
+            </a:extLst>
+          </p:cNvPr>
+          <p:cNvSpPr/>
+          <p:nvPr/>
+        </p:nvSpPr>
+        <p:spPr>
+          <a:xfrm>
+            <a:off x="1956374" y="4059588"/>
+            <a:ext cx="5231250" cy="520705"/>
+          </a:xfrm>
+          <a:prstGeom prst="roundRect">
+            <a:avLst/>
+          </a:prstGeom>
+          <a:solidFill>
+            <a:schemeClr val="dk1"/>
+          </a:solidFill>
+          <a:ln>
+            <a:noFill/>
+          </a:ln>
+        </p:spPr>
+        <p:style>
+          <a:lnRef idx="0">
+            <a:scrgbClr r="0" g="0" b="0"/>
+          </a:lnRef>
+          <a:fillRef idx="0">
+            <a:scrgbClr r="0" g="0" b="0"/>
+          </a:fillRef>
+          <a:effectRef idx="0">
+            <a:scrgbClr r="0" g="0" b="0"/>
+          </a:effectRef>
+          <a:fontRef idx="minor">
+            <a:schemeClr val="lt1"/>
+          </a:fontRef>
+        </p:style>
+        <p:txBody>
+          <a:bodyPr rtlCol="0" anchor="ctr"/>
+          <a:lstStyle/>
+          <a:p>
+            <a:pPr algn="ctr"/>
+            <a:r>
+              <a:rPr lang="en-US" dirty="0"/>
+              <a:t>Rice Identification</a:t>
+            </a:r>
+          </a:p>
+        </p:txBody>
+      </p:sp>
+    </p:spTree>
+    <p:extLst>
+      <p:ext uri="{BB962C8B-B14F-4D97-AF65-F5344CB8AC3E}">
+        <p14:creationId xmlns:p14="http://schemas.microsoft.com/office/powerpoint/2010/main" val="504021385"/>
+      </p:ext>
+    </p:extLst>
+  </p:cSld>
+  <p:clrMapOvr>
+    <a:masterClrMapping/>
+  </p:clrMapOvr>
+  <mc:AlternateContent xmlns:mc="http://schemas.openxmlformats.org/markup-compatibility/2006">
+    <mc:Choice xmlns:p159="http://schemas.microsoft.com/office/powerpoint/2015/09/main" Requires="p159">
+      <p:transition xmlns:p14="http://schemas.microsoft.com/office/powerpoint/2010/main" spd="slow" p14:dur="2000">
+        <p159:morph option="byObject"/>
+      </p:transition>
+    </mc:Choice>
+    <mc:Fallback>
+      <p:transition spd="slow">
+        <p:fade/>
+      </p:transition>
+    </mc:Fallback>
+  </mc:AlternateContent>
+</p:sld>
+</file>
+
+<file path=ppt/slides/slide6.xml><?xml version="1.0" encoding="utf-8"?>
+<p:sld xmlns:a="http://schemas.openxmlformats.org/drawingml/2006/main" xmlns:r="http://schemas.openxmlformats.org/officeDocument/2006/relationships" xmlns:p="http://schemas.openxmlformats.org/presentationml/2006/main">
+  <p:cSld>
+    <p:spTree>
+      <p:nvGrpSpPr>
+        <p:cNvPr id="1" name=""/>
+        <p:cNvGrpSpPr/>
+        <p:nvPr/>
+      </p:nvGrpSpPr>
+      <p:grpSpPr>
+        <a:xfrm>
+          <a:off x="0" y="0"/>
+          <a:ext cx="0" cy="0"/>
+          <a:chOff x="0" y="0"/>
+          <a:chExt cx="0" cy="0"/>
+        </a:xfrm>
+      </p:grpSpPr>
       <p:sp>
         <p:nvSpPr>
           <p:cNvPr id="4" name="Content Placeholder 2">
@@ -36067,7 +39040,7 @@
         </p:blipFill>
         <p:spPr>
           <a:xfrm>
-            <a:off x="4890052" y="1678878"/>
+            <a:off x="4685101" y="1678877"/>
             <a:ext cx="5422997" cy="2640887"/>
           </a:xfrm>
           <a:prstGeom prst="rect">
@@ -36082,6 +39055,59 @@
           </a:effectLst>
         </p:spPr>
       </p:pic>
+      <p:sp>
+        <p:nvSpPr>
+          <p:cNvPr id="5" name="Rounded Rectangle 4">
+            <a:extLst>
+              <a:ext uri="{FF2B5EF4-FFF2-40B4-BE49-F238E27FC236}">
+                <a16:creationId xmlns:a16="http://schemas.microsoft.com/office/drawing/2014/main" id="{D9B08066-67F4-F547-A702-70BDC624DEE4}"/>
+              </a:ext>
+            </a:extLst>
+          </p:cNvPr>
+          <p:cNvSpPr/>
+          <p:nvPr/>
+        </p:nvSpPr>
+        <p:spPr>
+          <a:xfrm>
+            <a:off x="666093" y="422539"/>
+            <a:ext cx="7811814" cy="734883"/>
+          </a:xfrm>
+          <a:prstGeom prst="roundRect">
+            <a:avLst/>
+          </a:prstGeom>
+          <a:solidFill>
+            <a:schemeClr val="dk1"/>
+          </a:solidFill>
+          <a:ln>
+            <a:noFill/>
+          </a:ln>
+        </p:spPr>
+        <p:style>
+          <a:lnRef idx="0">
+            <a:scrgbClr r="0" g="0" b="0"/>
+          </a:lnRef>
+          <a:fillRef idx="0">
+            <a:scrgbClr r="0" g="0" b="0"/>
+          </a:fillRef>
+          <a:effectRef idx="0">
+            <a:scrgbClr r="0" g="0" b="0"/>
+          </a:effectRef>
+          <a:fontRef idx="minor">
+            <a:schemeClr val="lt1"/>
+          </a:fontRef>
+        </p:style>
+        <p:txBody>
+          <a:bodyPr rtlCol="0" anchor="ctr"/>
+          <a:lstStyle/>
+          <a:p>
+            <a:pPr algn="ctr"/>
+            <a:r>
+              <a:rPr lang="en-US" sz="2400" dirty="0"/>
+              <a:t>Paddy cultivation identification (using satellite images)</a:t>
+            </a:r>
+          </a:p>
+        </p:txBody>
+      </p:sp>
     </p:spTree>
     <p:extLst>
       <p:ext uri="{BB962C8B-B14F-4D97-AF65-F5344CB8AC3E}">
@@ -36092,1518 +39118,13 @@
   <p:clrMapOvr>
     <a:masterClrMapping/>
   </p:clrMapOvr>
-  <mc:AlternateContent xmlns:mc="http://schemas.openxmlformats.org/markup-compatibility/2006" xmlns:p159="http://schemas.microsoft.com/office/powerpoint/2015/09/main">
-    <mc:Choice Requires="p159">
+  <mc:AlternateContent xmlns:mc="http://schemas.openxmlformats.org/markup-compatibility/2006">
+    <mc:Choice xmlns:p159="http://schemas.microsoft.com/office/powerpoint/2015/09/main" Requires="p159">
       <p:transition xmlns:p14="http://schemas.microsoft.com/office/powerpoint/2010/main" spd="slow" p14:dur="2000">
         <p159:morph option="byObject"/>
       </p:transition>
     </mc:Choice>
-    <mc:Fallback xmlns="">
-      <p:transition spd="slow">
-        <p:fade/>
-      </p:transition>
-    </mc:Fallback>
-  </mc:AlternateContent>
-</p:sld>
-</file>
-
-<file path=ppt/slides/slide6.xml><?xml version="1.0" encoding="utf-8"?>
-<p:sld xmlns:a="http://schemas.openxmlformats.org/drawingml/2006/main" xmlns:r="http://schemas.openxmlformats.org/officeDocument/2006/relationships" xmlns:p="http://schemas.openxmlformats.org/presentationml/2006/main">
-  <p:cSld>
-    <p:spTree>
-      <p:nvGrpSpPr>
-        <p:cNvPr id="1" name=""/>
-        <p:cNvGrpSpPr/>
-        <p:nvPr/>
-      </p:nvGrpSpPr>
-      <p:grpSpPr>
-        <a:xfrm>
-          <a:off x="0" y="0"/>
-          <a:ext cx="0" cy="0"/>
-          <a:chOff x="0" y="0"/>
-          <a:chExt cx="0" cy="0"/>
-        </a:xfrm>
-      </p:grpSpPr>
-      <p:sp>
-        <p:nvSpPr>
-          <p:cNvPr id="5" name="Google Shape;2846;p83">
-            <a:extLst>
-              <a:ext uri="{FF2B5EF4-FFF2-40B4-BE49-F238E27FC236}">
-                <a16:creationId xmlns:a16="http://schemas.microsoft.com/office/drawing/2014/main" id="{ABE44B76-1B80-723C-06DD-2E82B1443C10}"/>
-              </a:ext>
-            </a:extLst>
-          </p:cNvPr>
-          <p:cNvSpPr txBox="1">
-            <a:spLocks noGrp="1"/>
-          </p:cNvSpPr>
-          <p:nvPr>
-            <p:ph type="ctrTitle"/>
-          </p:nvPr>
-        </p:nvSpPr>
-        <p:spPr>
-          <a:xfrm>
-            <a:off x="596131" y="309091"/>
-            <a:ext cx="7717500" cy="576000"/>
-          </a:xfrm>
-          <a:prstGeom prst="rect">
-            <a:avLst/>
-          </a:prstGeom>
-        </p:spPr>
-        <p:txBody>
-          <a:bodyPr spcFirstLastPara="1" wrap="square" lIns="91425" tIns="91425" rIns="91425" bIns="91425" anchor="t" anchorCtr="0">
-            <a:noAutofit/>
-          </a:bodyPr>
-          <a:lstStyle/>
-          <a:p>
-            <a:pPr marL="0" lvl="0" indent="0" algn="ctr" rtl="0">
-              <a:spcBef>
-                <a:spcPts val="0"/>
-              </a:spcBef>
-              <a:spcAft>
-                <a:spcPts val="0"/>
-              </a:spcAft>
-              <a:buNone/>
-            </a:pPr>
-            <a:r>
-              <a:rPr lang="en-IN" dirty="0">
-                <a:solidFill>
-                  <a:schemeClr val="accent3"/>
-                </a:solidFill>
-              </a:rPr>
-              <a:t>Stages of paddy</a:t>
-            </a:r>
-            <a:endParaRPr dirty="0">
-              <a:solidFill>
-                <a:schemeClr val="accent3"/>
-              </a:solidFill>
-            </a:endParaRPr>
-          </a:p>
-        </p:txBody>
-      </p:sp>
-      <p:sp>
-        <p:nvSpPr>
-          <p:cNvPr id="7" name="Google Shape;2848;p83">
-            <a:extLst>
-              <a:ext uri="{FF2B5EF4-FFF2-40B4-BE49-F238E27FC236}">
-                <a16:creationId xmlns:a16="http://schemas.microsoft.com/office/drawing/2014/main" id="{4C711485-D58A-F8B2-4B52-24060DC56631}"/>
-              </a:ext>
-            </a:extLst>
-          </p:cNvPr>
-          <p:cNvSpPr txBox="1">
-            <a:spLocks/>
-          </p:cNvSpPr>
-          <p:nvPr/>
-        </p:nvSpPr>
-        <p:spPr>
-          <a:xfrm>
-            <a:off x="573924" y="1312530"/>
-            <a:ext cx="1676043" cy="400522"/>
-          </a:xfrm>
-          <a:prstGeom prst="rect">
-            <a:avLst/>
-          </a:prstGeom>
-          <a:noFill/>
-          <a:ln>
-            <a:noFill/>
-          </a:ln>
-        </p:spPr>
-        <p:txBody>
-          <a:bodyPr spcFirstLastPara="1" wrap="square" lIns="91425" tIns="0" rIns="91425" bIns="91425" anchor="t" anchorCtr="0">
-            <a:noAutofit/>
-          </a:bodyPr>
-          <a:lstStyle>
-            <a:defPPr marR="0" lvl="0" algn="l" rtl="0">
-              <a:lnSpc>
-                <a:spcPct val="100000"/>
-              </a:lnSpc>
-              <a:spcBef>
-                <a:spcPts val="0"/>
-              </a:spcBef>
-              <a:spcAft>
-                <a:spcPts val="0"/>
-              </a:spcAft>
-            </a:defPPr>
-            <a:lvl1pPr marL="457200" marR="0" lvl="0" indent="-330200" algn="l" rtl="0">
-              <a:lnSpc>
-                <a:spcPct val="100000"/>
-              </a:lnSpc>
-              <a:spcBef>
-                <a:spcPts val="0"/>
-              </a:spcBef>
-              <a:spcAft>
-                <a:spcPts val="0"/>
-              </a:spcAft>
-              <a:buClr>
-                <a:schemeClr val="dk1"/>
-              </a:buClr>
-              <a:buSzPts val="1600"/>
-              <a:buFont typeface="Voces"/>
-              <a:buChar char="●"/>
-              <a:defRPr sz="1600" b="0" i="0" u="none" strike="noStrike" cap="none">
-                <a:solidFill>
-                  <a:schemeClr val="dk1"/>
-                </a:solidFill>
-                <a:latin typeface="Voces"/>
-                <a:ea typeface="Voces"/>
-                <a:cs typeface="Voces"/>
-                <a:sym typeface="Voces"/>
-              </a:defRPr>
-            </a:lvl1pPr>
-            <a:lvl2pPr marL="914400" marR="0" lvl="1" indent="-330200" algn="l" rtl="0">
-              <a:lnSpc>
-                <a:spcPct val="100000"/>
-              </a:lnSpc>
-              <a:spcBef>
-                <a:spcPts val="0"/>
-              </a:spcBef>
-              <a:spcAft>
-                <a:spcPts val="0"/>
-              </a:spcAft>
-              <a:buClr>
-                <a:schemeClr val="dk1"/>
-              </a:buClr>
-              <a:buSzPts val="1600"/>
-              <a:buFont typeface="Voces"/>
-              <a:buChar char="○"/>
-              <a:defRPr sz="1600" b="0" i="0" u="none" strike="noStrike" cap="none">
-                <a:solidFill>
-                  <a:schemeClr val="dk1"/>
-                </a:solidFill>
-                <a:latin typeface="Voces"/>
-                <a:ea typeface="Voces"/>
-                <a:cs typeface="Voces"/>
-                <a:sym typeface="Voces"/>
-              </a:defRPr>
-            </a:lvl2pPr>
-            <a:lvl3pPr marL="1371600" marR="0" lvl="2" indent="-330200" algn="l" rtl="0">
-              <a:lnSpc>
-                <a:spcPct val="100000"/>
-              </a:lnSpc>
-              <a:spcBef>
-                <a:spcPts val="0"/>
-              </a:spcBef>
-              <a:spcAft>
-                <a:spcPts val="0"/>
-              </a:spcAft>
-              <a:buClr>
-                <a:schemeClr val="dk1"/>
-              </a:buClr>
-              <a:buSzPts val="1600"/>
-              <a:buFont typeface="Voces"/>
-              <a:buChar char="■"/>
-              <a:defRPr sz="1600" b="0" i="0" u="none" strike="noStrike" cap="none">
-                <a:solidFill>
-                  <a:schemeClr val="dk1"/>
-                </a:solidFill>
-                <a:latin typeface="Voces"/>
-                <a:ea typeface="Voces"/>
-                <a:cs typeface="Voces"/>
-                <a:sym typeface="Voces"/>
-              </a:defRPr>
-            </a:lvl3pPr>
-            <a:lvl4pPr marL="1828800" marR="0" lvl="3" indent="-330200" algn="l" rtl="0">
-              <a:lnSpc>
-                <a:spcPct val="100000"/>
-              </a:lnSpc>
-              <a:spcBef>
-                <a:spcPts val="0"/>
-              </a:spcBef>
-              <a:spcAft>
-                <a:spcPts val="0"/>
-              </a:spcAft>
-              <a:buClr>
-                <a:schemeClr val="dk1"/>
-              </a:buClr>
-              <a:buSzPts val="1600"/>
-              <a:buFont typeface="Voces"/>
-              <a:buChar char="●"/>
-              <a:defRPr sz="1600" b="0" i="0" u="none" strike="noStrike" cap="none">
-                <a:solidFill>
-                  <a:schemeClr val="dk1"/>
-                </a:solidFill>
-                <a:latin typeface="Voces"/>
-                <a:ea typeface="Voces"/>
-                <a:cs typeface="Voces"/>
-                <a:sym typeface="Voces"/>
-              </a:defRPr>
-            </a:lvl4pPr>
-            <a:lvl5pPr marL="2286000" marR="0" lvl="4" indent="-330200" algn="l" rtl="0">
-              <a:lnSpc>
-                <a:spcPct val="100000"/>
-              </a:lnSpc>
-              <a:spcBef>
-                <a:spcPts val="0"/>
-              </a:spcBef>
-              <a:spcAft>
-                <a:spcPts val="0"/>
-              </a:spcAft>
-              <a:buClr>
-                <a:schemeClr val="dk1"/>
-              </a:buClr>
-              <a:buSzPts val="1600"/>
-              <a:buFont typeface="Voces"/>
-              <a:buChar char="○"/>
-              <a:defRPr sz="1600" b="0" i="0" u="none" strike="noStrike" cap="none">
-                <a:solidFill>
-                  <a:schemeClr val="dk1"/>
-                </a:solidFill>
-                <a:latin typeface="Voces"/>
-                <a:ea typeface="Voces"/>
-                <a:cs typeface="Voces"/>
-                <a:sym typeface="Voces"/>
-              </a:defRPr>
-            </a:lvl5pPr>
-            <a:lvl6pPr marL="2743200" marR="0" lvl="5" indent="-330200" algn="l" rtl="0">
-              <a:lnSpc>
-                <a:spcPct val="100000"/>
-              </a:lnSpc>
-              <a:spcBef>
-                <a:spcPts val="0"/>
-              </a:spcBef>
-              <a:spcAft>
-                <a:spcPts val="0"/>
-              </a:spcAft>
-              <a:buClr>
-                <a:schemeClr val="dk1"/>
-              </a:buClr>
-              <a:buSzPts val="1600"/>
-              <a:buFont typeface="Voces"/>
-              <a:buChar char="■"/>
-              <a:defRPr sz="1600" b="0" i="0" u="none" strike="noStrike" cap="none">
-                <a:solidFill>
-                  <a:schemeClr val="dk1"/>
-                </a:solidFill>
-                <a:latin typeface="Voces"/>
-                <a:ea typeface="Voces"/>
-                <a:cs typeface="Voces"/>
-                <a:sym typeface="Voces"/>
-              </a:defRPr>
-            </a:lvl6pPr>
-            <a:lvl7pPr marL="3200400" marR="0" lvl="6" indent="-330200" algn="l" rtl="0">
-              <a:lnSpc>
-                <a:spcPct val="100000"/>
-              </a:lnSpc>
-              <a:spcBef>
-                <a:spcPts val="0"/>
-              </a:spcBef>
-              <a:spcAft>
-                <a:spcPts val="0"/>
-              </a:spcAft>
-              <a:buClr>
-                <a:schemeClr val="dk1"/>
-              </a:buClr>
-              <a:buSzPts val="1600"/>
-              <a:buFont typeface="Voces"/>
-              <a:buChar char="●"/>
-              <a:defRPr sz="1600" b="0" i="0" u="none" strike="noStrike" cap="none">
-                <a:solidFill>
-                  <a:schemeClr val="dk1"/>
-                </a:solidFill>
-                <a:latin typeface="Voces"/>
-                <a:ea typeface="Voces"/>
-                <a:cs typeface="Voces"/>
-                <a:sym typeface="Voces"/>
-              </a:defRPr>
-            </a:lvl7pPr>
-            <a:lvl8pPr marL="3657600" marR="0" lvl="7" indent="-330200" algn="l" rtl="0">
-              <a:lnSpc>
-                <a:spcPct val="100000"/>
-              </a:lnSpc>
-              <a:spcBef>
-                <a:spcPts val="0"/>
-              </a:spcBef>
-              <a:spcAft>
-                <a:spcPts val="0"/>
-              </a:spcAft>
-              <a:buClr>
-                <a:schemeClr val="dk1"/>
-              </a:buClr>
-              <a:buSzPts val="1600"/>
-              <a:buFont typeface="Voces"/>
-              <a:buChar char="○"/>
-              <a:defRPr sz="1600" b="0" i="0" u="none" strike="noStrike" cap="none">
-                <a:solidFill>
-                  <a:schemeClr val="dk1"/>
-                </a:solidFill>
-                <a:latin typeface="Voces"/>
-                <a:ea typeface="Voces"/>
-                <a:cs typeface="Voces"/>
-                <a:sym typeface="Voces"/>
-              </a:defRPr>
-            </a:lvl8pPr>
-            <a:lvl9pPr marL="4114800" marR="0" lvl="8" indent="-330200" algn="l" rtl="0">
-              <a:lnSpc>
-                <a:spcPct val="100000"/>
-              </a:lnSpc>
-              <a:spcBef>
-                <a:spcPts val="0"/>
-              </a:spcBef>
-              <a:spcAft>
-                <a:spcPts val="0"/>
-              </a:spcAft>
-              <a:buClr>
-                <a:schemeClr val="dk1"/>
-              </a:buClr>
-              <a:buSzPts val="1600"/>
-              <a:buFont typeface="Voces"/>
-              <a:buChar char="■"/>
-              <a:defRPr sz="1600" b="0" i="0" u="none" strike="noStrike" cap="none">
-                <a:solidFill>
-                  <a:schemeClr val="dk1"/>
-                </a:solidFill>
-                <a:latin typeface="Voces"/>
-                <a:ea typeface="Voces"/>
-                <a:cs typeface="Voces"/>
-                <a:sym typeface="Voces"/>
-              </a:defRPr>
-            </a:lvl9pPr>
-          </a:lstStyle>
-          <a:p>
-            <a:pPr marL="0" indent="0" algn="ctr">
-              <a:spcAft>
-                <a:spcPts val="1200"/>
-              </a:spcAft>
-              <a:buFont typeface="Voces"/>
-              <a:buNone/>
-            </a:pPr>
-            <a:r>
-              <a:rPr lang="en-IN" sz="2400">
-                <a:solidFill>
-                  <a:schemeClr val="accent1"/>
-                </a:solidFill>
-                <a:latin typeface="Calistoga"/>
-                <a:ea typeface="Calistoga"/>
-                <a:cs typeface="Calistoga"/>
-                <a:sym typeface="Calistoga"/>
-              </a:rPr>
-              <a:t>Ploughing</a:t>
-            </a:r>
-            <a:endParaRPr lang="en-IN" sz="2400" dirty="0">
-              <a:solidFill>
-                <a:schemeClr val="accent1"/>
-              </a:solidFill>
-              <a:latin typeface="Calistoga"/>
-              <a:ea typeface="Calistoga"/>
-              <a:cs typeface="Calistoga"/>
-              <a:sym typeface="Calistoga"/>
-            </a:endParaRPr>
-          </a:p>
-        </p:txBody>
-      </p:sp>
-      <p:sp>
-        <p:nvSpPr>
-          <p:cNvPr id="8" name="Google Shape;2851;p83">
-            <a:extLst>
-              <a:ext uri="{FF2B5EF4-FFF2-40B4-BE49-F238E27FC236}">
-                <a16:creationId xmlns:a16="http://schemas.microsoft.com/office/drawing/2014/main" id="{154456B4-41AA-564B-8AAE-FCCEECE72E0A}"/>
-              </a:ext>
-            </a:extLst>
-          </p:cNvPr>
-          <p:cNvSpPr txBox="1">
-            <a:spLocks/>
-          </p:cNvSpPr>
-          <p:nvPr/>
-        </p:nvSpPr>
-        <p:spPr>
-          <a:xfrm>
-            <a:off x="2008699" y="1995139"/>
-            <a:ext cx="1939084" cy="400522"/>
-          </a:xfrm>
-          <a:prstGeom prst="rect">
-            <a:avLst/>
-          </a:prstGeom>
-          <a:noFill/>
-          <a:ln>
-            <a:noFill/>
-          </a:ln>
-        </p:spPr>
-        <p:txBody>
-          <a:bodyPr spcFirstLastPara="1" wrap="square" lIns="91425" tIns="0" rIns="91425" bIns="91425" anchor="t" anchorCtr="0">
-            <a:noAutofit/>
-          </a:bodyPr>
-          <a:lstStyle>
-            <a:defPPr marR="0" lvl="0" algn="l" rtl="0">
-              <a:lnSpc>
-                <a:spcPct val="100000"/>
-              </a:lnSpc>
-              <a:spcBef>
-                <a:spcPts val="0"/>
-              </a:spcBef>
-              <a:spcAft>
-                <a:spcPts val="0"/>
-              </a:spcAft>
-            </a:defPPr>
-            <a:lvl1pPr marL="457200" marR="0" lvl="0" indent="-330200" algn="l" rtl="0">
-              <a:lnSpc>
-                <a:spcPct val="100000"/>
-              </a:lnSpc>
-              <a:spcBef>
-                <a:spcPts val="0"/>
-              </a:spcBef>
-              <a:spcAft>
-                <a:spcPts val="0"/>
-              </a:spcAft>
-              <a:buClr>
-                <a:schemeClr val="dk1"/>
-              </a:buClr>
-              <a:buSzPts val="1600"/>
-              <a:buFont typeface="Voces"/>
-              <a:buChar char="●"/>
-              <a:defRPr sz="1600" b="0" i="0" u="none" strike="noStrike" cap="none">
-                <a:solidFill>
-                  <a:schemeClr val="dk1"/>
-                </a:solidFill>
-                <a:latin typeface="Voces"/>
-                <a:ea typeface="Voces"/>
-                <a:cs typeface="Voces"/>
-                <a:sym typeface="Voces"/>
-              </a:defRPr>
-            </a:lvl1pPr>
-            <a:lvl2pPr marL="914400" marR="0" lvl="1" indent="-330200" algn="l" rtl="0">
-              <a:lnSpc>
-                <a:spcPct val="100000"/>
-              </a:lnSpc>
-              <a:spcBef>
-                <a:spcPts val="0"/>
-              </a:spcBef>
-              <a:spcAft>
-                <a:spcPts val="0"/>
-              </a:spcAft>
-              <a:buClr>
-                <a:schemeClr val="dk1"/>
-              </a:buClr>
-              <a:buSzPts val="1600"/>
-              <a:buFont typeface="Voces"/>
-              <a:buChar char="○"/>
-              <a:defRPr sz="1600" b="0" i="0" u="none" strike="noStrike" cap="none">
-                <a:solidFill>
-                  <a:schemeClr val="dk1"/>
-                </a:solidFill>
-                <a:latin typeface="Voces"/>
-                <a:ea typeface="Voces"/>
-                <a:cs typeface="Voces"/>
-                <a:sym typeface="Voces"/>
-              </a:defRPr>
-            </a:lvl2pPr>
-            <a:lvl3pPr marL="1371600" marR="0" lvl="2" indent="-330200" algn="l" rtl="0">
-              <a:lnSpc>
-                <a:spcPct val="100000"/>
-              </a:lnSpc>
-              <a:spcBef>
-                <a:spcPts val="0"/>
-              </a:spcBef>
-              <a:spcAft>
-                <a:spcPts val="0"/>
-              </a:spcAft>
-              <a:buClr>
-                <a:schemeClr val="dk1"/>
-              </a:buClr>
-              <a:buSzPts val="1600"/>
-              <a:buFont typeface="Voces"/>
-              <a:buChar char="■"/>
-              <a:defRPr sz="1600" b="0" i="0" u="none" strike="noStrike" cap="none">
-                <a:solidFill>
-                  <a:schemeClr val="dk1"/>
-                </a:solidFill>
-                <a:latin typeface="Voces"/>
-                <a:ea typeface="Voces"/>
-                <a:cs typeface="Voces"/>
-                <a:sym typeface="Voces"/>
-              </a:defRPr>
-            </a:lvl3pPr>
-            <a:lvl4pPr marL="1828800" marR="0" lvl="3" indent="-330200" algn="l" rtl="0">
-              <a:lnSpc>
-                <a:spcPct val="100000"/>
-              </a:lnSpc>
-              <a:spcBef>
-                <a:spcPts val="0"/>
-              </a:spcBef>
-              <a:spcAft>
-                <a:spcPts val="0"/>
-              </a:spcAft>
-              <a:buClr>
-                <a:schemeClr val="dk1"/>
-              </a:buClr>
-              <a:buSzPts val="1600"/>
-              <a:buFont typeface="Voces"/>
-              <a:buChar char="●"/>
-              <a:defRPr sz="1600" b="0" i="0" u="none" strike="noStrike" cap="none">
-                <a:solidFill>
-                  <a:schemeClr val="dk1"/>
-                </a:solidFill>
-                <a:latin typeface="Voces"/>
-                <a:ea typeface="Voces"/>
-                <a:cs typeface="Voces"/>
-                <a:sym typeface="Voces"/>
-              </a:defRPr>
-            </a:lvl4pPr>
-            <a:lvl5pPr marL="2286000" marR="0" lvl="4" indent="-330200" algn="l" rtl="0">
-              <a:lnSpc>
-                <a:spcPct val="100000"/>
-              </a:lnSpc>
-              <a:spcBef>
-                <a:spcPts val="0"/>
-              </a:spcBef>
-              <a:spcAft>
-                <a:spcPts val="0"/>
-              </a:spcAft>
-              <a:buClr>
-                <a:schemeClr val="dk1"/>
-              </a:buClr>
-              <a:buSzPts val="1600"/>
-              <a:buFont typeface="Voces"/>
-              <a:buChar char="○"/>
-              <a:defRPr sz="1600" b="0" i="0" u="none" strike="noStrike" cap="none">
-                <a:solidFill>
-                  <a:schemeClr val="dk1"/>
-                </a:solidFill>
-                <a:latin typeface="Voces"/>
-                <a:ea typeface="Voces"/>
-                <a:cs typeface="Voces"/>
-                <a:sym typeface="Voces"/>
-              </a:defRPr>
-            </a:lvl5pPr>
-            <a:lvl6pPr marL="2743200" marR="0" lvl="5" indent="-330200" algn="l" rtl="0">
-              <a:lnSpc>
-                <a:spcPct val="100000"/>
-              </a:lnSpc>
-              <a:spcBef>
-                <a:spcPts val="0"/>
-              </a:spcBef>
-              <a:spcAft>
-                <a:spcPts val="0"/>
-              </a:spcAft>
-              <a:buClr>
-                <a:schemeClr val="dk1"/>
-              </a:buClr>
-              <a:buSzPts val="1600"/>
-              <a:buFont typeface="Voces"/>
-              <a:buChar char="■"/>
-              <a:defRPr sz="1600" b="0" i="0" u="none" strike="noStrike" cap="none">
-                <a:solidFill>
-                  <a:schemeClr val="dk1"/>
-                </a:solidFill>
-                <a:latin typeface="Voces"/>
-                <a:ea typeface="Voces"/>
-                <a:cs typeface="Voces"/>
-                <a:sym typeface="Voces"/>
-              </a:defRPr>
-            </a:lvl6pPr>
-            <a:lvl7pPr marL="3200400" marR="0" lvl="6" indent="-330200" algn="l" rtl="0">
-              <a:lnSpc>
-                <a:spcPct val="100000"/>
-              </a:lnSpc>
-              <a:spcBef>
-                <a:spcPts val="0"/>
-              </a:spcBef>
-              <a:spcAft>
-                <a:spcPts val="0"/>
-              </a:spcAft>
-              <a:buClr>
-                <a:schemeClr val="dk1"/>
-              </a:buClr>
-              <a:buSzPts val="1600"/>
-              <a:buFont typeface="Voces"/>
-              <a:buChar char="●"/>
-              <a:defRPr sz="1600" b="0" i="0" u="none" strike="noStrike" cap="none">
-                <a:solidFill>
-                  <a:schemeClr val="dk1"/>
-                </a:solidFill>
-                <a:latin typeface="Voces"/>
-                <a:ea typeface="Voces"/>
-                <a:cs typeface="Voces"/>
-                <a:sym typeface="Voces"/>
-              </a:defRPr>
-            </a:lvl7pPr>
-            <a:lvl8pPr marL="3657600" marR="0" lvl="7" indent="-330200" algn="l" rtl="0">
-              <a:lnSpc>
-                <a:spcPct val="100000"/>
-              </a:lnSpc>
-              <a:spcBef>
-                <a:spcPts val="0"/>
-              </a:spcBef>
-              <a:spcAft>
-                <a:spcPts val="0"/>
-              </a:spcAft>
-              <a:buClr>
-                <a:schemeClr val="dk1"/>
-              </a:buClr>
-              <a:buSzPts val="1600"/>
-              <a:buFont typeface="Voces"/>
-              <a:buChar char="○"/>
-              <a:defRPr sz="1600" b="0" i="0" u="none" strike="noStrike" cap="none">
-                <a:solidFill>
-                  <a:schemeClr val="dk1"/>
-                </a:solidFill>
-                <a:latin typeface="Voces"/>
-                <a:ea typeface="Voces"/>
-                <a:cs typeface="Voces"/>
-                <a:sym typeface="Voces"/>
-              </a:defRPr>
-            </a:lvl8pPr>
-            <a:lvl9pPr marL="4114800" marR="0" lvl="8" indent="-330200" algn="l" rtl="0">
-              <a:lnSpc>
-                <a:spcPct val="100000"/>
-              </a:lnSpc>
-              <a:spcBef>
-                <a:spcPts val="0"/>
-              </a:spcBef>
-              <a:spcAft>
-                <a:spcPts val="0"/>
-              </a:spcAft>
-              <a:buClr>
-                <a:schemeClr val="dk1"/>
-              </a:buClr>
-              <a:buSzPts val="1600"/>
-              <a:buFont typeface="Voces"/>
-              <a:buChar char="■"/>
-              <a:defRPr sz="1600" b="0" i="0" u="none" strike="noStrike" cap="none">
-                <a:solidFill>
-                  <a:schemeClr val="dk1"/>
-                </a:solidFill>
-                <a:latin typeface="Voces"/>
-                <a:ea typeface="Voces"/>
-                <a:cs typeface="Voces"/>
-                <a:sym typeface="Voces"/>
-              </a:defRPr>
-            </a:lvl9pPr>
-          </a:lstStyle>
-          <a:p>
-            <a:pPr marL="0" indent="0" algn="ctr">
-              <a:spcAft>
-                <a:spcPts val="1200"/>
-              </a:spcAft>
-              <a:buFont typeface="Voces"/>
-              <a:buNone/>
-            </a:pPr>
-            <a:r>
-              <a:rPr lang="en-IN" sz="2400" dirty="0">
-                <a:solidFill>
-                  <a:schemeClr val="accent1"/>
-                </a:solidFill>
-                <a:latin typeface="Calistoga"/>
-                <a:ea typeface="Calistoga"/>
-                <a:cs typeface="Calistoga"/>
-                <a:sym typeface="Calistoga"/>
-              </a:rPr>
-              <a:t>Tillering</a:t>
-            </a:r>
-          </a:p>
-        </p:txBody>
-      </p:sp>
-      <p:sp>
-        <p:nvSpPr>
-          <p:cNvPr id="9" name="Google Shape;2854;p83">
-            <a:extLst>
-              <a:ext uri="{FF2B5EF4-FFF2-40B4-BE49-F238E27FC236}">
-                <a16:creationId xmlns:a16="http://schemas.microsoft.com/office/drawing/2014/main" id="{CAF64DC3-F737-D5B6-8E17-69C57068495A}"/>
-              </a:ext>
-            </a:extLst>
-          </p:cNvPr>
-          <p:cNvSpPr txBox="1">
-            <a:spLocks/>
-          </p:cNvSpPr>
-          <p:nvPr/>
-        </p:nvSpPr>
-        <p:spPr>
-          <a:xfrm>
-            <a:off x="4961979" y="1995138"/>
-            <a:ext cx="2164378" cy="400522"/>
-          </a:xfrm>
-          <a:prstGeom prst="rect">
-            <a:avLst/>
-          </a:prstGeom>
-          <a:noFill/>
-          <a:ln>
-            <a:noFill/>
-          </a:ln>
-        </p:spPr>
-        <p:txBody>
-          <a:bodyPr spcFirstLastPara="1" wrap="square" lIns="91425" tIns="0" rIns="91425" bIns="91425" anchor="t" anchorCtr="0">
-            <a:noAutofit/>
-          </a:bodyPr>
-          <a:lstStyle>
-            <a:defPPr marR="0" lvl="0" algn="l" rtl="0">
-              <a:lnSpc>
-                <a:spcPct val="100000"/>
-              </a:lnSpc>
-              <a:spcBef>
-                <a:spcPts val="0"/>
-              </a:spcBef>
-              <a:spcAft>
-                <a:spcPts val="0"/>
-              </a:spcAft>
-            </a:defPPr>
-            <a:lvl1pPr marL="457200" marR="0" lvl="0" indent="-330200" algn="l" rtl="0">
-              <a:lnSpc>
-                <a:spcPct val="100000"/>
-              </a:lnSpc>
-              <a:spcBef>
-                <a:spcPts val="0"/>
-              </a:spcBef>
-              <a:spcAft>
-                <a:spcPts val="0"/>
-              </a:spcAft>
-              <a:buClr>
-                <a:schemeClr val="dk1"/>
-              </a:buClr>
-              <a:buSzPts val="1600"/>
-              <a:buFont typeface="Voces"/>
-              <a:buChar char="●"/>
-              <a:defRPr sz="1600" b="0" i="0" u="none" strike="noStrike" cap="none">
-                <a:solidFill>
-                  <a:schemeClr val="dk1"/>
-                </a:solidFill>
-                <a:latin typeface="Voces"/>
-                <a:ea typeface="Voces"/>
-                <a:cs typeface="Voces"/>
-                <a:sym typeface="Voces"/>
-              </a:defRPr>
-            </a:lvl1pPr>
-            <a:lvl2pPr marL="914400" marR="0" lvl="1" indent="-330200" algn="l" rtl="0">
-              <a:lnSpc>
-                <a:spcPct val="100000"/>
-              </a:lnSpc>
-              <a:spcBef>
-                <a:spcPts val="0"/>
-              </a:spcBef>
-              <a:spcAft>
-                <a:spcPts val="0"/>
-              </a:spcAft>
-              <a:buClr>
-                <a:schemeClr val="dk1"/>
-              </a:buClr>
-              <a:buSzPts val="1600"/>
-              <a:buFont typeface="Voces"/>
-              <a:buChar char="○"/>
-              <a:defRPr sz="1600" b="0" i="0" u="none" strike="noStrike" cap="none">
-                <a:solidFill>
-                  <a:schemeClr val="dk1"/>
-                </a:solidFill>
-                <a:latin typeface="Voces"/>
-                <a:ea typeface="Voces"/>
-                <a:cs typeface="Voces"/>
-                <a:sym typeface="Voces"/>
-              </a:defRPr>
-            </a:lvl2pPr>
-            <a:lvl3pPr marL="1371600" marR="0" lvl="2" indent="-330200" algn="l" rtl="0">
-              <a:lnSpc>
-                <a:spcPct val="100000"/>
-              </a:lnSpc>
-              <a:spcBef>
-                <a:spcPts val="0"/>
-              </a:spcBef>
-              <a:spcAft>
-                <a:spcPts val="0"/>
-              </a:spcAft>
-              <a:buClr>
-                <a:schemeClr val="dk1"/>
-              </a:buClr>
-              <a:buSzPts val="1600"/>
-              <a:buFont typeface="Voces"/>
-              <a:buChar char="■"/>
-              <a:defRPr sz="1600" b="0" i="0" u="none" strike="noStrike" cap="none">
-                <a:solidFill>
-                  <a:schemeClr val="dk1"/>
-                </a:solidFill>
-                <a:latin typeface="Voces"/>
-                <a:ea typeface="Voces"/>
-                <a:cs typeface="Voces"/>
-                <a:sym typeface="Voces"/>
-              </a:defRPr>
-            </a:lvl3pPr>
-            <a:lvl4pPr marL="1828800" marR="0" lvl="3" indent="-330200" algn="l" rtl="0">
-              <a:lnSpc>
-                <a:spcPct val="100000"/>
-              </a:lnSpc>
-              <a:spcBef>
-                <a:spcPts val="0"/>
-              </a:spcBef>
-              <a:spcAft>
-                <a:spcPts val="0"/>
-              </a:spcAft>
-              <a:buClr>
-                <a:schemeClr val="dk1"/>
-              </a:buClr>
-              <a:buSzPts val="1600"/>
-              <a:buFont typeface="Voces"/>
-              <a:buChar char="●"/>
-              <a:defRPr sz="1600" b="0" i="0" u="none" strike="noStrike" cap="none">
-                <a:solidFill>
-                  <a:schemeClr val="dk1"/>
-                </a:solidFill>
-                <a:latin typeface="Voces"/>
-                <a:ea typeface="Voces"/>
-                <a:cs typeface="Voces"/>
-                <a:sym typeface="Voces"/>
-              </a:defRPr>
-            </a:lvl4pPr>
-            <a:lvl5pPr marL="2286000" marR="0" lvl="4" indent="-330200" algn="l" rtl="0">
-              <a:lnSpc>
-                <a:spcPct val="100000"/>
-              </a:lnSpc>
-              <a:spcBef>
-                <a:spcPts val="0"/>
-              </a:spcBef>
-              <a:spcAft>
-                <a:spcPts val="0"/>
-              </a:spcAft>
-              <a:buClr>
-                <a:schemeClr val="dk1"/>
-              </a:buClr>
-              <a:buSzPts val="1600"/>
-              <a:buFont typeface="Voces"/>
-              <a:buChar char="○"/>
-              <a:defRPr sz="1600" b="0" i="0" u="none" strike="noStrike" cap="none">
-                <a:solidFill>
-                  <a:schemeClr val="dk1"/>
-                </a:solidFill>
-                <a:latin typeface="Voces"/>
-                <a:ea typeface="Voces"/>
-                <a:cs typeface="Voces"/>
-                <a:sym typeface="Voces"/>
-              </a:defRPr>
-            </a:lvl5pPr>
-            <a:lvl6pPr marL="2743200" marR="0" lvl="5" indent="-330200" algn="l" rtl="0">
-              <a:lnSpc>
-                <a:spcPct val="100000"/>
-              </a:lnSpc>
-              <a:spcBef>
-                <a:spcPts val="0"/>
-              </a:spcBef>
-              <a:spcAft>
-                <a:spcPts val="0"/>
-              </a:spcAft>
-              <a:buClr>
-                <a:schemeClr val="dk1"/>
-              </a:buClr>
-              <a:buSzPts val="1600"/>
-              <a:buFont typeface="Voces"/>
-              <a:buChar char="■"/>
-              <a:defRPr sz="1600" b="0" i="0" u="none" strike="noStrike" cap="none">
-                <a:solidFill>
-                  <a:schemeClr val="dk1"/>
-                </a:solidFill>
-                <a:latin typeface="Voces"/>
-                <a:ea typeface="Voces"/>
-                <a:cs typeface="Voces"/>
-                <a:sym typeface="Voces"/>
-              </a:defRPr>
-            </a:lvl6pPr>
-            <a:lvl7pPr marL="3200400" marR="0" lvl="6" indent="-330200" algn="l" rtl="0">
-              <a:lnSpc>
-                <a:spcPct val="100000"/>
-              </a:lnSpc>
-              <a:spcBef>
-                <a:spcPts val="0"/>
-              </a:spcBef>
-              <a:spcAft>
-                <a:spcPts val="0"/>
-              </a:spcAft>
-              <a:buClr>
-                <a:schemeClr val="dk1"/>
-              </a:buClr>
-              <a:buSzPts val="1600"/>
-              <a:buFont typeface="Voces"/>
-              <a:buChar char="●"/>
-              <a:defRPr sz="1600" b="0" i="0" u="none" strike="noStrike" cap="none">
-                <a:solidFill>
-                  <a:schemeClr val="dk1"/>
-                </a:solidFill>
-                <a:latin typeface="Voces"/>
-                <a:ea typeface="Voces"/>
-                <a:cs typeface="Voces"/>
-                <a:sym typeface="Voces"/>
-              </a:defRPr>
-            </a:lvl7pPr>
-            <a:lvl8pPr marL="3657600" marR="0" lvl="7" indent="-330200" algn="l" rtl="0">
-              <a:lnSpc>
-                <a:spcPct val="100000"/>
-              </a:lnSpc>
-              <a:spcBef>
-                <a:spcPts val="0"/>
-              </a:spcBef>
-              <a:spcAft>
-                <a:spcPts val="0"/>
-              </a:spcAft>
-              <a:buClr>
-                <a:schemeClr val="dk1"/>
-              </a:buClr>
-              <a:buSzPts val="1600"/>
-              <a:buFont typeface="Voces"/>
-              <a:buChar char="○"/>
-              <a:defRPr sz="1600" b="0" i="0" u="none" strike="noStrike" cap="none">
-                <a:solidFill>
-                  <a:schemeClr val="dk1"/>
-                </a:solidFill>
-                <a:latin typeface="Voces"/>
-                <a:ea typeface="Voces"/>
-                <a:cs typeface="Voces"/>
-                <a:sym typeface="Voces"/>
-              </a:defRPr>
-            </a:lvl8pPr>
-            <a:lvl9pPr marL="4114800" marR="0" lvl="8" indent="-330200" algn="l" rtl="0">
-              <a:lnSpc>
-                <a:spcPct val="100000"/>
-              </a:lnSpc>
-              <a:spcBef>
-                <a:spcPts val="0"/>
-              </a:spcBef>
-              <a:spcAft>
-                <a:spcPts val="0"/>
-              </a:spcAft>
-              <a:buClr>
-                <a:schemeClr val="dk1"/>
-              </a:buClr>
-              <a:buSzPts val="1600"/>
-              <a:buFont typeface="Voces"/>
-              <a:buChar char="■"/>
-              <a:defRPr sz="1600" b="0" i="0" u="none" strike="noStrike" cap="none">
-                <a:solidFill>
-                  <a:schemeClr val="dk1"/>
-                </a:solidFill>
-                <a:latin typeface="Voces"/>
-                <a:ea typeface="Voces"/>
-                <a:cs typeface="Voces"/>
-                <a:sym typeface="Voces"/>
-              </a:defRPr>
-            </a:lvl9pPr>
-          </a:lstStyle>
-          <a:p>
-            <a:pPr marL="0" indent="0" algn="ctr">
-              <a:spcAft>
-                <a:spcPts val="1200"/>
-              </a:spcAft>
-              <a:buFont typeface="Voces"/>
-              <a:buNone/>
-            </a:pPr>
-            <a:r>
-              <a:rPr lang="en-IN" sz="2400" dirty="0">
-                <a:solidFill>
-                  <a:schemeClr val="accent1"/>
-                </a:solidFill>
-                <a:latin typeface="Calistoga"/>
-                <a:ea typeface="Calistoga"/>
-                <a:cs typeface="Calistoga"/>
-                <a:sym typeface="Calistoga"/>
-              </a:rPr>
-              <a:t>Ripening</a:t>
-            </a:r>
-          </a:p>
-        </p:txBody>
-      </p:sp>
-      <p:sp>
-        <p:nvSpPr>
-          <p:cNvPr id="10" name="Google Shape;2857;p83">
-            <a:extLst>
-              <a:ext uri="{FF2B5EF4-FFF2-40B4-BE49-F238E27FC236}">
-                <a16:creationId xmlns:a16="http://schemas.microsoft.com/office/drawing/2014/main" id="{5D459850-47C0-FCBC-5B3E-6743B0EBD67A}"/>
-              </a:ext>
-            </a:extLst>
-          </p:cNvPr>
-          <p:cNvSpPr txBox="1">
-            <a:spLocks/>
-          </p:cNvSpPr>
-          <p:nvPr/>
-        </p:nvSpPr>
-        <p:spPr>
-          <a:xfrm>
-            <a:off x="6979684" y="1349136"/>
-            <a:ext cx="1939084" cy="400521"/>
-          </a:xfrm>
-          <a:prstGeom prst="rect">
-            <a:avLst/>
-          </a:prstGeom>
-          <a:noFill/>
-          <a:ln>
-            <a:noFill/>
-          </a:ln>
-        </p:spPr>
-        <p:txBody>
-          <a:bodyPr spcFirstLastPara="1" wrap="square" lIns="91425" tIns="0" rIns="91425" bIns="91425" anchor="t" anchorCtr="0">
-            <a:noAutofit/>
-          </a:bodyPr>
-          <a:lstStyle>
-            <a:defPPr marR="0" lvl="0" algn="l" rtl="0">
-              <a:lnSpc>
-                <a:spcPct val="100000"/>
-              </a:lnSpc>
-              <a:spcBef>
-                <a:spcPts val="0"/>
-              </a:spcBef>
-              <a:spcAft>
-                <a:spcPts val="0"/>
-              </a:spcAft>
-            </a:defPPr>
-            <a:lvl1pPr marL="457200" marR="0" lvl="0" indent="-330200" algn="l" rtl="0">
-              <a:lnSpc>
-                <a:spcPct val="100000"/>
-              </a:lnSpc>
-              <a:spcBef>
-                <a:spcPts val="0"/>
-              </a:spcBef>
-              <a:spcAft>
-                <a:spcPts val="0"/>
-              </a:spcAft>
-              <a:buClr>
-                <a:schemeClr val="dk1"/>
-              </a:buClr>
-              <a:buSzPts val="1600"/>
-              <a:buFont typeface="Voces"/>
-              <a:buChar char="●"/>
-              <a:defRPr sz="1600" b="0" i="0" u="none" strike="noStrike" cap="none">
-                <a:solidFill>
-                  <a:schemeClr val="dk1"/>
-                </a:solidFill>
-                <a:latin typeface="Voces"/>
-                <a:ea typeface="Voces"/>
-                <a:cs typeface="Voces"/>
-                <a:sym typeface="Voces"/>
-              </a:defRPr>
-            </a:lvl1pPr>
-            <a:lvl2pPr marL="914400" marR="0" lvl="1" indent="-330200" algn="l" rtl="0">
-              <a:lnSpc>
-                <a:spcPct val="100000"/>
-              </a:lnSpc>
-              <a:spcBef>
-                <a:spcPts val="0"/>
-              </a:spcBef>
-              <a:spcAft>
-                <a:spcPts val="0"/>
-              </a:spcAft>
-              <a:buClr>
-                <a:schemeClr val="dk1"/>
-              </a:buClr>
-              <a:buSzPts val="1600"/>
-              <a:buFont typeface="Voces"/>
-              <a:buChar char="○"/>
-              <a:defRPr sz="1600" b="0" i="0" u="none" strike="noStrike" cap="none">
-                <a:solidFill>
-                  <a:schemeClr val="dk1"/>
-                </a:solidFill>
-                <a:latin typeface="Voces"/>
-                <a:ea typeface="Voces"/>
-                <a:cs typeface="Voces"/>
-                <a:sym typeface="Voces"/>
-              </a:defRPr>
-            </a:lvl2pPr>
-            <a:lvl3pPr marL="1371600" marR="0" lvl="2" indent="-330200" algn="l" rtl="0">
-              <a:lnSpc>
-                <a:spcPct val="100000"/>
-              </a:lnSpc>
-              <a:spcBef>
-                <a:spcPts val="0"/>
-              </a:spcBef>
-              <a:spcAft>
-                <a:spcPts val="0"/>
-              </a:spcAft>
-              <a:buClr>
-                <a:schemeClr val="dk1"/>
-              </a:buClr>
-              <a:buSzPts val="1600"/>
-              <a:buFont typeface="Voces"/>
-              <a:buChar char="■"/>
-              <a:defRPr sz="1600" b="0" i="0" u="none" strike="noStrike" cap="none">
-                <a:solidFill>
-                  <a:schemeClr val="dk1"/>
-                </a:solidFill>
-                <a:latin typeface="Voces"/>
-                <a:ea typeface="Voces"/>
-                <a:cs typeface="Voces"/>
-                <a:sym typeface="Voces"/>
-              </a:defRPr>
-            </a:lvl3pPr>
-            <a:lvl4pPr marL="1828800" marR="0" lvl="3" indent="-330200" algn="l" rtl="0">
-              <a:lnSpc>
-                <a:spcPct val="100000"/>
-              </a:lnSpc>
-              <a:spcBef>
-                <a:spcPts val="0"/>
-              </a:spcBef>
-              <a:spcAft>
-                <a:spcPts val="0"/>
-              </a:spcAft>
-              <a:buClr>
-                <a:schemeClr val="dk1"/>
-              </a:buClr>
-              <a:buSzPts val="1600"/>
-              <a:buFont typeface="Voces"/>
-              <a:buChar char="●"/>
-              <a:defRPr sz="1600" b="0" i="0" u="none" strike="noStrike" cap="none">
-                <a:solidFill>
-                  <a:schemeClr val="dk1"/>
-                </a:solidFill>
-                <a:latin typeface="Voces"/>
-                <a:ea typeface="Voces"/>
-                <a:cs typeface="Voces"/>
-                <a:sym typeface="Voces"/>
-              </a:defRPr>
-            </a:lvl4pPr>
-            <a:lvl5pPr marL="2286000" marR="0" lvl="4" indent="-330200" algn="l" rtl="0">
-              <a:lnSpc>
-                <a:spcPct val="100000"/>
-              </a:lnSpc>
-              <a:spcBef>
-                <a:spcPts val="0"/>
-              </a:spcBef>
-              <a:spcAft>
-                <a:spcPts val="0"/>
-              </a:spcAft>
-              <a:buClr>
-                <a:schemeClr val="dk1"/>
-              </a:buClr>
-              <a:buSzPts val="1600"/>
-              <a:buFont typeface="Voces"/>
-              <a:buChar char="○"/>
-              <a:defRPr sz="1600" b="0" i="0" u="none" strike="noStrike" cap="none">
-                <a:solidFill>
-                  <a:schemeClr val="dk1"/>
-                </a:solidFill>
-                <a:latin typeface="Voces"/>
-                <a:ea typeface="Voces"/>
-                <a:cs typeface="Voces"/>
-                <a:sym typeface="Voces"/>
-              </a:defRPr>
-            </a:lvl5pPr>
-            <a:lvl6pPr marL="2743200" marR="0" lvl="5" indent="-330200" algn="l" rtl="0">
-              <a:lnSpc>
-                <a:spcPct val="100000"/>
-              </a:lnSpc>
-              <a:spcBef>
-                <a:spcPts val="0"/>
-              </a:spcBef>
-              <a:spcAft>
-                <a:spcPts val="0"/>
-              </a:spcAft>
-              <a:buClr>
-                <a:schemeClr val="dk1"/>
-              </a:buClr>
-              <a:buSzPts val="1600"/>
-              <a:buFont typeface="Voces"/>
-              <a:buChar char="■"/>
-              <a:defRPr sz="1600" b="0" i="0" u="none" strike="noStrike" cap="none">
-                <a:solidFill>
-                  <a:schemeClr val="dk1"/>
-                </a:solidFill>
-                <a:latin typeface="Voces"/>
-                <a:ea typeface="Voces"/>
-                <a:cs typeface="Voces"/>
-                <a:sym typeface="Voces"/>
-              </a:defRPr>
-            </a:lvl6pPr>
-            <a:lvl7pPr marL="3200400" marR="0" lvl="6" indent="-330200" algn="l" rtl="0">
-              <a:lnSpc>
-                <a:spcPct val="100000"/>
-              </a:lnSpc>
-              <a:spcBef>
-                <a:spcPts val="0"/>
-              </a:spcBef>
-              <a:spcAft>
-                <a:spcPts val="0"/>
-              </a:spcAft>
-              <a:buClr>
-                <a:schemeClr val="dk1"/>
-              </a:buClr>
-              <a:buSzPts val="1600"/>
-              <a:buFont typeface="Voces"/>
-              <a:buChar char="●"/>
-              <a:defRPr sz="1600" b="0" i="0" u="none" strike="noStrike" cap="none">
-                <a:solidFill>
-                  <a:schemeClr val="dk1"/>
-                </a:solidFill>
-                <a:latin typeface="Voces"/>
-                <a:ea typeface="Voces"/>
-                <a:cs typeface="Voces"/>
-                <a:sym typeface="Voces"/>
-              </a:defRPr>
-            </a:lvl7pPr>
-            <a:lvl8pPr marL="3657600" marR="0" lvl="7" indent="-330200" algn="l" rtl="0">
-              <a:lnSpc>
-                <a:spcPct val="100000"/>
-              </a:lnSpc>
-              <a:spcBef>
-                <a:spcPts val="0"/>
-              </a:spcBef>
-              <a:spcAft>
-                <a:spcPts val="0"/>
-              </a:spcAft>
-              <a:buClr>
-                <a:schemeClr val="dk1"/>
-              </a:buClr>
-              <a:buSzPts val="1600"/>
-              <a:buFont typeface="Voces"/>
-              <a:buChar char="○"/>
-              <a:defRPr sz="1600" b="0" i="0" u="none" strike="noStrike" cap="none">
-                <a:solidFill>
-                  <a:schemeClr val="dk1"/>
-                </a:solidFill>
-                <a:latin typeface="Voces"/>
-                <a:ea typeface="Voces"/>
-                <a:cs typeface="Voces"/>
-                <a:sym typeface="Voces"/>
-              </a:defRPr>
-            </a:lvl8pPr>
-            <a:lvl9pPr marL="4114800" marR="0" lvl="8" indent="-330200" algn="l" rtl="0">
-              <a:lnSpc>
-                <a:spcPct val="100000"/>
-              </a:lnSpc>
-              <a:spcBef>
-                <a:spcPts val="0"/>
-              </a:spcBef>
-              <a:spcAft>
-                <a:spcPts val="0"/>
-              </a:spcAft>
-              <a:buClr>
-                <a:schemeClr val="dk1"/>
-              </a:buClr>
-              <a:buSzPts val="1600"/>
-              <a:buFont typeface="Voces"/>
-              <a:buChar char="■"/>
-              <a:defRPr sz="1600" b="0" i="0" u="none" strike="noStrike" cap="none">
-                <a:solidFill>
-                  <a:schemeClr val="dk1"/>
-                </a:solidFill>
-                <a:latin typeface="Voces"/>
-                <a:ea typeface="Voces"/>
-                <a:cs typeface="Voces"/>
-                <a:sym typeface="Voces"/>
-              </a:defRPr>
-            </a:lvl9pPr>
-          </a:lstStyle>
-          <a:p>
-            <a:pPr marL="0" indent="0" algn="ctr">
-              <a:spcAft>
-                <a:spcPts val="1200"/>
-              </a:spcAft>
-              <a:buFont typeface="Voces"/>
-              <a:buNone/>
-            </a:pPr>
-            <a:r>
-              <a:rPr lang="en-IN" sz="2400" dirty="0">
-                <a:solidFill>
-                  <a:schemeClr val="accent1"/>
-                </a:solidFill>
-                <a:latin typeface="Calistoga"/>
-                <a:ea typeface="Calistoga"/>
-                <a:cs typeface="Calistoga"/>
-                <a:sym typeface="Calistoga"/>
-              </a:rPr>
-              <a:t>Harvesting</a:t>
-            </a:r>
-          </a:p>
-        </p:txBody>
-      </p:sp>
-      <p:cxnSp>
-        <p:nvCxnSpPr>
-          <p:cNvPr id="11" name="Elbow Connector 10">
-            <a:extLst>
-              <a:ext uri="{FF2B5EF4-FFF2-40B4-BE49-F238E27FC236}">
-                <a16:creationId xmlns:a16="http://schemas.microsoft.com/office/drawing/2014/main" id="{B6AF0294-11B5-DB90-52D1-D97C3EC921CF}"/>
-              </a:ext>
-            </a:extLst>
-          </p:cNvPr>
-          <p:cNvCxnSpPr>
-            <a:cxnSpLocks/>
-            <a:stCxn id="7" idx="2"/>
-            <a:endCxn id="8" idx="1"/>
-          </p:cNvCxnSpPr>
-          <p:nvPr/>
-        </p:nvCxnSpPr>
-        <p:spPr>
-          <a:xfrm rot="16200000" flipH="1">
-            <a:off x="1469148" y="1655849"/>
-            <a:ext cx="482348" cy="596753"/>
-          </a:xfrm>
-          <a:prstGeom prst="bentConnector2">
-            <a:avLst/>
-          </a:prstGeom>
-          <a:ln w="44450">
-            <a:tailEnd type="triangle"/>
-          </a:ln>
-        </p:spPr>
-        <p:style>
-          <a:lnRef idx="1">
-            <a:schemeClr val="accent1"/>
-          </a:lnRef>
-          <a:fillRef idx="0">
-            <a:schemeClr val="accent1"/>
-          </a:fillRef>
-          <a:effectRef idx="0">
-            <a:schemeClr val="accent1"/>
-          </a:effectRef>
-          <a:fontRef idx="minor">
-            <a:schemeClr val="tx1"/>
-          </a:fontRef>
-        </p:style>
-      </p:cxnSp>
-      <p:cxnSp>
-        <p:nvCxnSpPr>
-          <p:cNvPr id="12" name="Elbow Connector 11">
-            <a:extLst>
-              <a:ext uri="{FF2B5EF4-FFF2-40B4-BE49-F238E27FC236}">
-                <a16:creationId xmlns:a16="http://schemas.microsoft.com/office/drawing/2014/main" id="{21F2B3AB-EB93-AD06-8312-4C459B9A285D}"/>
-              </a:ext>
-            </a:extLst>
-          </p:cNvPr>
-          <p:cNvCxnSpPr>
-            <a:cxnSpLocks/>
-            <a:stCxn id="8" idx="3"/>
-            <a:endCxn id="9" idx="1"/>
-          </p:cNvCxnSpPr>
-          <p:nvPr/>
-        </p:nvCxnSpPr>
-        <p:spPr>
-          <a:xfrm flipV="1">
-            <a:off x="3947783" y="2195399"/>
-            <a:ext cx="1014196" cy="1"/>
-          </a:xfrm>
-          <a:prstGeom prst="bentConnector3">
-            <a:avLst/>
-          </a:prstGeom>
-          <a:ln w="44450">
-            <a:tailEnd type="triangle"/>
-          </a:ln>
-        </p:spPr>
-        <p:style>
-          <a:lnRef idx="1">
-            <a:schemeClr val="accent1"/>
-          </a:lnRef>
-          <a:fillRef idx="0">
-            <a:schemeClr val="accent1"/>
-          </a:fillRef>
-          <a:effectRef idx="0">
-            <a:schemeClr val="accent1"/>
-          </a:effectRef>
-          <a:fontRef idx="minor">
-            <a:schemeClr val="tx1"/>
-          </a:fontRef>
-        </p:style>
-      </p:cxnSp>
-      <p:cxnSp>
-        <p:nvCxnSpPr>
-          <p:cNvPr id="13" name="Elbow Connector 12">
-            <a:extLst>
-              <a:ext uri="{FF2B5EF4-FFF2-40B4-BE49-F238E27FC236}">
-                <a16:creationId xmlns:a16="http://schemas.microsoft.com/office/drawing/2014/main" id="{D109D013-C972-DE89-D571-047F2963D661}"/>
-              </a:ext>
-            </a:extLst>
-          </p:cNvPr>
-          <p:cNvCxnSpPr>
-            <a:cxnSpLocks/>
-            <a:stCxn id="9" idx="3"/>
-            <a:endCxn id="10" idx="2"/>
-          </p:cNvCxnSpPr>
-          <p:nvPr/>
-        </p:nvCxnSpPr>
-        <p:spPr>
-          <a:xfrm flipV="1">
-            <a:off x="7126357" y="1749657"/>
-            <a:ext cx="822869" cy="445742"/>
-          </a:xfrm>
-          <a:prstGeom prst="bentConnector2">
-            <a:avLst/>
-          </a:prstGeom>
-          <a:ln w="44450">
-            <a:tailEnd type="triangle"/>
-          </a:ln>
-        </p:spPr>
-        <p:style>
-          <a:lnRef idx="1">
-            <a:schemeClr val="accent1"/>
-          </a:lnRef>
-          <a:fillRef idx="0">
-            <a:schemeClr val="accent1"/>
-          </a:fillRef>
-          <a:effectRef idx="0">
-            <a:schemeClr val="accent1"/>
-          </a:effectRef>
-          <a:fontRef idx="minor">
-            <a:schemeClr val="tx1"/>
-          </a:fontRef>
-        </p:style>
-      </p:cxnSp>
-      <p:sp>
-        <p:nvSpPr>
-          <p:cNvPr id="14" name="TextBox 13">
-            <a:extLst>
-              <a:ext uri="{FF2B5EF4-FFF2-40B4-BE49-F238E27FC236}">
-                <a16:creationId xmlns:a16="http://schemas.microsoft.com/office/drawing/2014/main" id="{2E18026A-1EBE-AD0E-437A-A07AC2FC6772}"/>
-              </a:ext>
-            </a:extLst>
-          </p:cNvPr>
-          <p:cNvSpPr txBox="1"/>
-          <p:nvPr/>
-        </p:nvSpPr>
-        <p:spPr>
-          <a:xfrm>
-            <a:off x="752193" y="2747840"/>
-            <a:ext cx="8102759" cy="2554545"/>
-          </a:xfrm>
-          <a:prstGeom prst="rect">
-            <a:avLst/>
-          </a:prstGeom>
-          <a:noFill/>
-        </p:spPr>
-        <p:txBody>
-          <a:bodyPr wrap="square" rtlCol="0">
-            <a:spAutoFit/>
-          </a:bodyPr>
-          <a:lstStyle/>
-          <a:p>
-            <a:r>
-              <a:rPr lang="en-US" sz="1600" dirty="0"/>
-              <a:t>In this webpage, we identify the stage of cultivation the paddy is in.</a:t>
-            </a:r>
-          </a:p>
-          <a:p>
-            <a:endParaRPr lang="en-US" sz="1600" dirty="0"/>
-          </a:p>
-          <a:p>
-            <a:r>
-              <a:rPr lang="en-US" sz="1600" dirty="0"/>
-              <a:t>This can provide users with unique insights on course of action.</a:t>
-            </a:r>
-          </a:p>
-          <a:p>
-            <a:endParaRPr lang="en-US" sz="1600" dirty="0"/>
-          </a:p>
-          <a:p>
-            <a:r>
-              <a:rPr lang="en-US" sz="1600" dirty="0"/>
-              <a:t>The input is image of the paddy and the output produces is the stage of cultivation the paddy is in which can be used more extensively in other applications</a:t>
-            </a:r>
-          </a:p>
-          <a:p>
-            <a:endParaRPr lang="en-US" sz="1600" dirty="0"/>
-          </a:p>
-          <a:p>
-            <a:endParaRPr lang="en-US" sz="1600" dirty="0"/>
-          </a:p>
-          <a:p>
-            <a:endParaRPr lang="en-US" sz="1600" dirty="0"/>
-          </a:p>
-          <a:p>
-            <a:endParaRPr lang="en-US" sz="1600" dirty="0"/>
-          </a:p>
-        </p:txBody>
-      </p:sp>
-    </p:spTree>
-    <p:extLst>
-      <p:ext uri="{BB962C8B-B14F-4D97-AF65-F5344CB8AC3E}">
-        <p14:creationId xmlns:p14="http://schemas.microsoft.com/office/powerpoint/2010/main" val="3824029667"/>
-      </p:ext>
-    </p:extLst>
-  </p:cSld>
-  <p:clrMapOvr>
-    <a:masterClrMapping/>
-  </p:clrMapOvr>
-  <mc:AlternateContent xmlns:mc="http://schemas.openxmlformats.org/markup-compatibility/2006" xmlns:p159="http://schemas.microsoft.com/office/powerpoint/2015/09/main">
-    <mc:Choice Requires="p159">
-      <p:transition xmlns:p14="http://schemas.microsoft.com/office/powerpoint/2010/main" spd="slow" p14:dur="2000">
-        <p159:morph option="byObject"/>
-      </p:transition>
-    </mc:Choice>
-    <mc:Fallback xmlns="">
+    <mc:Fallback>
       <p:transition spd="slow">
         <p:fade/>
       </p:transition>
@@ -37631,296 +39152,390 @@
       </p:grpSpPr>
       <p:sp>
         <p:nvSpPr>
-          <p:cNvPr id="3" name="Title 1">
+          <p:cNvPr id="2" name="Title 1">
             <a:extLst>
               <a:ext uri="{FF2B5EF4-FFF2-40B4-BE49-F238E27FC236}">
-                <a16:creationId xmlns:a16="http://schemas.microsoft.com/office/drawing/2014/main" id="{43A313A8-2EFC-AD58-48F2-4D7FC497BA75}"/>
+                <a16:creationId xmlns:a16="http://schemas.microsoft.com/office/drawing/2014/main" id="{CAACA468-F782-C05A-0982-3C7A52D60504}"/>
               </a:ext>
             </a:extLst>
           </p:cNvPr>
-          <p:cNvSpPr txBox="1">
-            <a:spLocks/>
+          <p:cNvSpPr>
+            <a:spLocks noGrp="1"/>
           </p:cNvSpPr>
+          <p:nvPr>
+            <p:ph type="title"/>
+          </p:nvPr>
+        </p:nvSpPr>
+        <p:spPr/>
+        <p:txBody>
+          <a:bodyPr/>
+          <a:lstStyle/>
+          <a:p>
+            <a:pPr algn="ctr"/>
+            <a:r>
+              <a:rPr lang="en-US" dirty="0"/>
+              <a:t>ML models we implemented </a:t>
+            </a:r>
+          </a:p>
+        </p:txBody>
+      </p:sp>
+      <p:sp>
+        <p:nvSpPr>
+          <p:cNvPr id="10" name="Rounded Rectangle 9">
+            <a:extLst>
+              <a:ext uri="{FF2B5EF4-FFF2-40B4-BE49-F238E27FC236}">
+                <a16:creationId xmlns:a16="http://schemas.microsoft.com/office/drawing/2014/main" id="{1A8F3CA1-0FBF-7A51-F710-157E5504C9BC}"/>
+              </a:ext>
+            </a:extLst>
+          </p:cNvPr>
+          <p:cNvSpPr/>
           <p:nvPr/>
         </p:nvSpPr>
         <p:spPr>
           <a:xfrm>
-            <a:off x="232020" y="949765"/>
-            <a:ext cx="5643116" cy="1062800"/>
+            <a:off x="1956374" y="1219018"/>
+            <a:ext cx="5231250" cy="520705"/>
           </a:xfrm>
-          <a:prstGeom prst="rect">
+          <a:prstGeom prst="roundRect">
             <a:avLst/>
           </a:prstGeom>
-          <a:noFill/>
+          <a:solidFill>
+            <a:schemeClr val="dk1"/>
+          </a:solidFill>
           <a:ln>
             <a:noFill/>
           </a:ln>
         </p:spPr>
+        <p:style>
+          <a:lnRef idx="0">
+            <a:scrgbClr r="0" g="0" b="0"/>
+          </a:lnRef>
+          <a:fillRef idx="0">
+            <a:scrgbClr r="0" g="0" b="0"/>
+          </a:fillRef>
+          <a:effectRef idx="0">
+            <a:scrgbClr r="0" g="0" b="0"/>
+          </a:effectRef>
+          <a:fontRef idx="minor">
+            <a:schemeClr val="lt1"/>
+          </a:fontRef>
+        </p:style>
         <p:txBody>
-          <a:bodyPr spcFirstLastPara="1" wrap="square" lIns="91425" tIns="91425" rIns="91425" bIns="91425" anchor="t" anchorCtr="0">
-            <a:noAutofit/>
-          </a:bodyPr>
-          <a:lstStyle>
-            <a:defPPr marR="0" lvl="0" algn="l" rtl="0">
-              <a:lnSpc>
-                <a:spcPct val="100000"/>
-              </a:lnSpc>
-              <a:spcBef>
-                <a:spcPts val="0"/>
-              </a:spcBef>
-              <a:spcAft>
-                <a:spcPts val="0"/>
-              </a:spcAft>
-            </a:defPPr>
-            <a:lvl1pPr marR="0" lvl="0" algn="l" rtl="0">
-              <a:lnSpc>
-                <a:spcPct val="100000"/>
-              </a:lnSpc>
-              <a:spcBef>
-                <a:spcPts val="0"/>
-              </a:spcBef>
-              <a:spcAft>
-                <a:spcPts val="0"/>
-              </a:spcAft>
-              <a:buClr>
-                <a:schemeClr val="accent1"/>
-              </a:buClr>
-              <a:buSzPts val="3600"/>
-              <a:buFont typeface="Calistoga"/>
-              <a:buNone/>
-              <a:defRPr sz="3600" b="0" i="0" u="none" strike="noStrike" cap="none">
-                <a:solidFill>
-                  <a:schemeClr val="lt1"/>
-                </a:solidFill>
-                <a:latin typeface="Calistoga"/>
-                <a:ea typeface="Calistoga"/>
-                <a:cs typeface="Calistoga"/>
-                <a:sym typeface="Calistoga"/>
-              </a:defRPr>
-            </a:lvl1pPr>
-            <a:lvl2pPr marR="0" lvl="1" algn="r" rtl="0">
-              <a:lnSpc>
-                <a:spcPct val="100000"/>
-              </a:lnSpc>
-              <a:spcBef>
-                <a:spcPts val="0"/>
-              </a:spcBef>
-              <a:spcAft>
-                <a:spcPts val="0"/>
-              </a:spcAft>
-              <a:buClr>
-                <a:schemeClr val="accent4"/>
-              </a:buClr>
-              <a:buSzPts val="1800"/>
-              <a:buFont typeface="Calistoga"/>
-              <a:buNone/>
-              <a:defRPr sz="1800" b="0" i="0" u="none" strike="noStrike" cap="none">
-                <a:solidFill>
-                  <a:schemeClr val="accent4"/>
-                </a:solidFill>
-                <a:latin typeface="Calistoga"/>
-                <a:ea typeface="Calistoga"/>
-                <a:cs typeface="Calistoga"/>
-                <a:sym typeface="Calistoga"/>
-              </a:defRPr>
-            </a:lvl2pPr>
-            <a:lvl3pPr marR="0" lvl="2" algn="r" rtl="0">
-              <a:lnSpc>
-                <a:spcPct val="100000"/>
-              </a:lnSpc>
-              <a:spcBef>
-                <a:spcPts val="0"/>
-              </a:spcBef>
-              <a:spcAft>
-                <a:spcPts val="0"/>
-              </a:spcAft>
-              <a:buClr>
-                <a:schemeClr val="accent4"/>
-              </a:buClr>
-              <a:buSzPts val="1800"/>
-              <a:buFont typeface="Calistoga"/>
-              <a:buNone/>
-              <a:defRPr sz="1800" b="0" i="0" u="none" strike="noStrike" cap="none">
-                <a:solidFill>
-                  <a:schemeClr val="accent4"/>
-                </a:solidFill>
-                <a:latin typeface="Calistoga"/>
-                <a:ea typeface="Calistoga"/>
-                <a:cs typeface="Calistoga"/>
-                <a:sym typeface="Calistoga"/>
-              </a:defRPr>
-            </a:lvl3pPr>
-            <a:lvl4pPr marR="0" lvl="3" algn="r" rtl="0">
-              <a:lnSpc>
-                <a:spcPct val="100000"/>
-              </a:lnSpc>
-              <a:spcBef>
-                <a:spcPts val="0"/>
-              </a:spcBef>
-              <a:spcAft>
-                <a:spcPts val="0"/>
-              </a:spcAft>
-              <a:buClr>
-                <a:schemeClr val="accent4"/>
-              </a:buClr>
-              <a:buSzPts val="1800"/>
-              <a:buFont typeface="Calistoga"/>
-              <a:buNone/>
-              <a:defRPr sz="1800" b="0" i="0" u="none" strike="noStrike" cap="none">
-                <a:solidFill>
-                  <a:schemeClr val="accent4"/>
-                </a:solidFill>
-                <a:latin typeface="Calistoga"/>
-                <a:ea typeface="Calistoga"/>
-                <a:cs typeface="Calistoga"/>
-                <a:sym typeface="Calistoga"/>
-              </a:defRPr>
-            </a:lvl4pPr>
-            <a:lvl5pPr marR="0" lvl="4" algn="r" rtl="0">
-              <a:lnSpc>
-                <a:spcPct val="100000"/>
-              </a:lnSpc>
-              <a:spcBef>
-                <a:spcPts val="0"/>
-              </a:spcBef>
-              <a:spcAft>
-                <a:spcPts val="0"/>
-              </a:spcAft>
-              <a:buClr>
-                <a:schemeClr val="accent4"/>
-              </a:buClr>
-              <a:buSzPts val="1800"/>
-              <a:buFont typeface="Calistoga"/>
-              <a:buNone/>
-              <a:defRPr sz="1800" b="0" i="0" u="none" strike="noStrike" cap="none">
-                <a:solidFill>
-                  <a:schemeClr val="accent4"/>
-                </a:solidFill>
-                <a:latin typeface="Calistoga"/>
-                <a:ea typeface="Calistoga"/>
-                <a:cs typeface="Calistoga"/>
-                <a:sym typeface="Calistoga"/>
-              </a:defRPr>
-            </a:lvl5pPr>
-            <a:lvl6pPr marR="0" lvl="5" algn="r" rtl="0">
-              <a:lnSpc>
-                <a:spcPct val="100000"/>
-              </a:lnSpc>
-              <a:spcBef>
-                <a:spcPts val="0"/>
-              </a:spcBef>
-              <a:spcAft>
-                <a:spcPts val="0"/>
-              </a:spcAft>
-              <a:buClr>
-                <a:schemeClr val="accent4"/>
-              </a:buClr>
-              <a:buSzPts val="1800"/>
-              <a:buFont typeface="Calistoga"/>
-              <a:buNone/>
-              <a:defRPr sz="1800" b="0" i="0" u="none" strike="noStrike" cap="none">
-                <a:solidFill>
-                  <a:schemeClr val="accent4"/>
-                </a:solidFill>
-                <a:latin typeface="Calistoga"/>
-                <a:ea typeface="Calistoga"/>
-                <a:cs typeface="Calistoga"/>
-                <a:sym typeface="Calistoga"/>
-              </a:defRPr>
-            </a:lvl6pPr>
-            <a:lvl7pPr marR="0" lvl="6" algn="r" rtl="0">
-              <a:lnSpc>
-                <a:spcPct val="100000"/>
-              </a:lnSpc>
-              <a:spcBef>
-                <a:spcPts val="0"/>
-              </a:spcBef>
-              <a:spcAft>
-                <a:spcPts val="0"/>
-              </a:spcAft>
-              <a:buClr>
-                <a:schemeClr val="accent4"/>
-              </a:buClr>
-              <a:buSzPts val="1800"/>
-              <a:buFont typeface="Calistoga"/>
-              <a:buNone/>
-              <a:defRPr sz="1800" b="0" i="0" u="none" strike="noStrike" cap="none">
-                <a:solidFill>
-                  <a:schemeClr val="accent4"/>
-                </a:solidFill>
-                <a:latin typeface="Calistoga"/>
-                <a:ea typeface="Calistoga"/>
-                <a:cs typeface="Calistoga"/>
-                <a:sym typeface="Calistoga"/>
-              </a:defRPr>
-            </a:lvl7pPr>
-            <a:lvl8pPr marR="0" lvl="7" algn="r" rtl="0">
-              <a:lnSpc>
-                <a:spcPct val="100000"/>
-              </a:lnSpc>
-              <a:spcBef>
-                <a:spcPts val="0"/>
-              </a:spcBef>
-              <a:spcAft>
-                <a:spcPts val="0"/>
-              </a:spcAft>
-              <a:buClr>
-                <a:schemeClr val="accent4"/>
-              </a:buClr>
-              <a:buSzPts val="1800"/>
-              <a:buFont typeface="Calistoga"/>
-              <a:buNone/>
-              <a:defRPr sz="1800" b="0" i="0" u="none" strike="noStrike" cap="none">
-                <a:solidFill>
-                  <a:schemeClr val="accent4"/>
-                </a:solidFill>
-                <a:latin typeface="Calistoga"/>
-                <a:ea typeface="Calistoga"/>
-                <a:cs typeface="Calistoga"/>
-                <a:sym typeface="Calistoga"/>
-              </a:defRPr>
-            </a:lvl8pPr>
-            <a:lvl9pPr marR="0" lvl="8" algn="r" rtl="0">
-              <a:lnSpc>
-                <a:spcPct val="100000"/>
-              </a:lnSpc>
-              <a:spcBef>
-                <a:spcPts val="0"/>
-              </a:spcBef>
-              <a:spcAft>
-                <a:spcPts val="0"/>
-              </a:spcAft>
-              <a:buClr>
-                <a:schemeClr val="accent4"/>
-              </a:buClr>
-              <a:buSzPts val="1800"/>
-              <a:buFont typeface="Calistoga"/>
-              <a:buNone/>
-              <a:defRPr sz="1800" b="0" i="0" u="none" strike="noStrike" cap="none">
-                <a:solidFill>
-                  <a:schemeClr val="accent4"/>
-                </a:solidFill>
-                <a:latin typeface="Calistoga"/>
-                <a:ea typeface="Calistoga"/>
-                <a:cs typeface="Calistoga"/>
-                <a:sym typeface="Calistoga"/>
-              </a:defRPr>
-            </a:lvl9pPr>
-          </a:lstStyle>
+          <a:bodyPr rtlCol="0" anchor="ctr"/>
+          <a:lstStyle/>
           <a:p>
+            <a:pPr algn="ctr"/>
             <a:r>
-              <a:rPr lang="en-US" sz="4400" dirty="0">
-                <a:solidFill>
-                  <a:schemeClr val="accent3"/>
-                </a:solidFill>
-              </a:rPr>
-              <a:t>Blogs</a:t>
+              <a:rPr lang="en-US" dirty="0"/>
+              <a:t>Paddy cultivation identification (using satellite images)</a:t>
             </a:r>
-            <a:endParaRPr lang="en-US" sz="2400" dirty="0">
-              <a:solidFill>
-                <a:schemeClr val="accent3"/>
-              </a:solidFill>
-            </a:endParaRPr>
+          </a:p>
+        </p:txBody>
+      </p:sp>
+      <p:sp>
+        <p:nvSpPr>
+          <p:cNvPr id="11" name="Rounded Rectangle 10">
+            <a:extLst>
+              <a:ext uri="{FF2B5EF4-FFF2-40B4-BE49-F238E27FC236}">
+                <a16:creationId xmlns:a16="http://schemas.microsoft.com/office/drawing/2014/main" id="{BA052068-C61B-0364-E74E-4977B8669737}"/>
+              </a:ext>
+            </a:extLst>
+          </p:cNvPr>
+          <p:cNvSpPr/>
+          <p:nvPr/>
+        </p:nvSpPr>
+        <p:spPr>
+          <a:xfrm>
+            <a:off x="1956374" y="1936797"/>
+            <a:ext cx="5231250" cy="520705"/>
+          </a:xfrm>
+          <a:prstGeom prst="roundRect">
+            <a:avLst/>
+          </a:prstGeom>
+          <a:solidFill>
+            <a:schemeClr val="dk1"/>
+          </a:solidFill>
+          <a:ln>
+            <a:noFill/>
+          </a:ln>
+        </p:spPr>
+        <p:style>
+          <a:lnRef idx="0">
+            <a:scrgbClr r="0" g="0" b="0"/>
+          </a:lnRef>
+          <a:fillRef idx="0">
+            <a:scrgbClr r="0" g="0" b="0"/>
+          </a:fillRef>
+          <a:effectRef idx="0">
+            <a:scrgbClr r="0" g="0" b="0"/>
+          </a:effectRef>
+          <a:fontRef idx="minor">
+            <a:schemeClr val="lt1"/>
+          </a:fontRef>
+        </p:style>
+        <p:txBody>
+          <a:bodyPr rtlCol="0" anchor="ctr"/>
+          <a:lstStyle/>
+          <a:p>
+            <a:pPr algn="ctr"/>
+            <a:r>
+              <a:rPr lang="en-US" dirty="0"/>
+              <a:t>Paddy cultivation identification (using uploaded images)</a:t>
+            </a:r>
+          </a:p>
+        </p:txBody>
+      </p:sp>
+      <p:sp>
+        <p:nvSpPr>
+          <p:cNvPr id="12" name="Rounded Rectangle 11">
+            <a:extLst>
+              <a:ext uri="{FF2B5EF4-FFF2-40B4-BE49-F238E27FC236}">
+                <a16:creationId xmlns:a16="http://schemas.microsoft.com/office/drawing/2014/main" id="{557B005E-F1F7-0ED1-6862-68E936424097}"/>
+              </a:ext>
+            </a:extLst>
+          </p:cNvPr>
+          <p:cNvSpPr/>
+          <p:nvPr/>
+        </p:nvSpPr>
+        <p:spPr>
+          <a:xfrm>
+            <a:off x="1956374" y="2639303"/>
+            <a:ext cx="5231250" cy="520705"/>
+          </a:xfrm>
+          <a:prstGeom prst="roundRect">
+            <a:avLst/>
+          </a:prstGeom>
+          <a:solidFill>
+            <a:schemeClr val="dk1"/>
+          </a:solidFill>
+          <a:ln>
+            <a:noFill/>
+          </a:ln>
+        </p:spPr>
+        <p:style>
+          <a:lnRef idx="0">
+            <a:scrgbClr r="0" g="0" b="0"/>
+          </a:lnRef>
+          <a:fillRef idx="0">
+            <a:scrgbClr r="0" g="0" b="0"/>
+          </a:fillRef>
+          <a:effectRef idx="0">
+            <a:scrgbClr r="0" g="0" b="0"/>
+          </a:effectRef>
+          <a:fontRef idx="minor">
+            <a:schemeClr val="lt1"/>
+          </a:fontRef>
+        </p:style>
+        <p:txBody>
+          <a:bodyPr rtlCol="0" anchor="ctr"/>
+          <a:lstStyle/>
+          <a:p>
+            <a:pPr algn="ctr"/>
+            <a:r>
+              <a:rPr lang="en-US" dirty="0"/>
+              <a:t>Stage of paddy identification</a:t>
+            </a:r>
+          </a:p>
+        </p:txBody>
+      </p:sp>
+      <p:sp>
+        <p:nvSpPr>
+          <p:cNvPr id="13" name="Rounded Rectangle 12">
+            <a:extLst>
+              <a:ext uri="{FF2B5EF4-FFF2-40B4-BE49-F238E27FC236}">
+                <a16:creationId xmlns:a16="http://schemas.microsoft.com/office/drawing/2014/main" id="{912D3A9C-23C7-AC5C-446B-33FBED61DAAB}"/>
+              </a:ext>
+            </a:extLst>
+          </p:cNvPr>
+          <p:cNvSpPr/>
+          <p:nvPr/>
+        </p:nvSpPr>
+        <p:spPr>
+          <a:xfrm>
+            <a:off x="1956374" y="3341809"/>
+            <a:ext cx="5231250" cy="520705"/>
+          </a:xfrm>
+          <a:prstGeom prst="roundRect">
+            <a:avLst/>
+          </a:prstGeom>
+          <a:solidFill>
+            <a:schemeClr val="dk1"/>
+          </a:solidFill>
+          <a:ln>
+            <a:noFill/>
+          </a:ln>
+        </p:spPr>
+        <p:style>
+          <a:lnRef idx="0">
+            <a:scrgbClr r="0" g="0" b="0"/>
+          </a:lnRef>
+          <a:fillRef idx="0">
+            <a:scrgbClr r="0" g="0" b="0"/>
+          </a:fillRef>
+          <a:effectRef idx="0">
+            <a:scrgbClr r="0" g="0" b="0"/>
+          </a:effectRef>
+          <a:fontRef idx="minor">
+            <a:schemeClr val="lt1"/>
+          </a:fontRef>
+        </p:style>
+        <p:txBody>
+          <a:bodyPr rtlCol="0" anchor="ctr"/>
+          <a:lstStyle/>
+          <a:p>
+            <a:pPr algn="ctr"/>
+            <a:r>
+              <a:rPr lang="en-US" dirty="0"/>
+              <a:t>Substandard paddy identification</a:t>
+            </a:r>
+          </a:p>
+        </p:txBody>
+      </p:sp>
+      <p:sp>
+        <p:nvSpPr>
+          <p:cNvPr id="14" name="Rounded Rectangle 13">
+            <a:extLst>
+              <a:ext uri="{FF2B5EF4-FFF2-40B4-BE49-F238E27FC236}">
+                <a16:creationId xmlns:a16="http://schemas.microsoft.com/office/drawing/2014/main" id="{B5ACA3D1-247C-126D-9B68-80ED6024CAF0}"/>
+              </a:ext>
+            </a:extLst>
+          </p:cNvPr>
+          <p:cNvSpPr/>
+          <p:nvPr/>
+        </p:nvSpPr>
+        <p:spPr>
+          <a:xfrm>
+            <a:off x="1956374" y="4059588"/>
+            <a:ext cx="5231250" cy="520705"/>
+          </a:xfrm>
+          <a:prstGeom prst="roundRect">
+            <a:avLst/>
+          </a:prstGeom>
+          <a:solidFill>
+            <a:schemeClr val="dk1"/>
+          </a:solidFill>
+          <a:ln>
+            <a:noFill/>
+          </a:ln>
+        </p:spPr>
+        <p:style>
+          <a:lnRef idx="0">
+            <a:scrgbClr r="0" g="0" b="0"/>
+          </a:lnRef>
+          <a:fillRef idx="0">
+            <a:scrgbClr r="0" g="0" b="0"/>
+          </a:fillRef>
+          <a:effectRef idx="0">
+            <a:scrgbClr r="0" g="0" b="0"/>
+          </a:effectRef>
+          <a:fontRef idx="minor">
+            <a:schemeClr val="lt1"/>
+          </a:fontRef>
+        </p:style>
+        <p:txBody>
+          <a:bodyPr rtlCol="0" anchor="ctr"/>
+          <a:lstStyle/>
+          <a:p>
+            <a:pPr algn="ctr"/>
+            <a:r>
+              <a:rPr lang="en-US" dirty="0"/>
+              <a:t>Rice Identification</a:t>
+            </a:r>
+          </a:p>
+        </p:txBody>
+      </p:sp>
+    </p:spTree>
+    <p:extLst>
+      <p:ext uri="{BB962C8B-B14F-4D97-AF65-F5344CB8AC3E}">
+        <p14:creationId xmlns:p14="http://schemas.microsoft.com/office/powerpoint/2010/main" val="2656036477"/>
+      </p:ext>
+    </p:extLst>
+  </p:cSld>
+  <p:clrMapOvr>
+    <a:masterClrMapping/>
+  </p:clrMapOvr>
+  <mc:AlternateContent xmlns:mc="http://schemas.openxmlformats.org/markup-compatibility/2006">
+    <mc:Choice xmlns:p159="http://schemas.microsoft.com/office/powerpoint/2015/09/main" Requires="p159">
+      <p:transition xmlns:p14="http://schemas.microsoft.com/office/powerpoint/2010/main" spd="slow" p14:dur="2000">
+        <p159:morph option="byObject"/>
+      </p:transition>
+    </mc:Choice>
+    <mc:Fallback>
+      <p:transition spd="slow">
+        <p:fade/>
+      </p:transition>
+    </mc:Fallback>
+  </mc:AlternateContent>
+</p:sld>
+</file>
+
+<file path=ppt/slides/slide8.xml><?xml version="1.0" encoding="utf-8"?>
+<p:sld xmlns:a="http://schemas.openxmlformats.org/drawingml/2006/main" xmlns:r="http://schemas.openxmlformats.org/officeDocument/2006/relationships" xmlns:p="http://schemas.openxmlformats.org/presentationml/2006/main">
+  <p:cSld>
+    <p:spTree>
+      <p:nvGrpSpPr>
+        <p:cNvPr id="1" name=""/>
+        <p:cNvGrpSpPr/>
+        <p:nvPr/>
+      </p:nvGrpSpPr>
+      <p:grpSpPr>
+        <a:xfrm>
+          <a:off x="0" y="0"/>
+          <a:ext cx="0" cy="0"/>
+          <a:chOff x="0" y="0"/>
+          <a:chExt cx="0" cy="0"/>
+        </a:xfrm>
+      </p:grpSpPr>
+      <p:sp>
+        <p:nvSpPr>
+          <p:cNvPr id="2" name="Rounded Rectangle 1">
+            <a:extLst>
+              <a:ext uri="{FF2B5EF4-FFF2-40B4-BE49-F238E27FC236}">
+                <a16:creationId xmlns:a16="http://schemas.microsoft.com/office/drawing/2014/main" id="{371547AB-B65D-D485-6A27-C0F07205AA99}"/>
+              </a:ext>
+            </a:extLst>
+          </p:cNvPr>
+          <p:cNvSpPr/>
+          <p:nvPr/>
+        </p:nvSpPr>
+        <p:spPr>
+          <a:xfrm>
+            <a:off x="666094" y="411526"/>
+            <a:ext cx="7811813" cy="734883"/>
+          </a:xfrm>
+          <a:prstGeom prst="roundRect">
+            <a:avLst/>
+          </a:prstGeom>
+          <a:solidFill>
+            <a:schemeClr val="dk1"/>
+          </a:solidFill>
+          <a:ln>
+            <a:noFill/>
+          </a:ln>
+        </p:spPr>
+        <p:style>
+          <a:lnRef idx="0">
+            <a:scrgbClr r="0" g="0" b="0"/>
+          </a:lnRef>
+          <a:fillRef idx="0">
+            <a:scrgbClr r="0" g="0" b="0"/>
+          </a:fillRef>
+          <a:effectRef idx="0">
+            <a:scrgbClr r="0" g="0" b="0"/>
+          </a:effectRef>
+          <a:fontRef idx="minor">
+            <a:schemeClr val="lt1"/>
+          </a:fontRef>
+        </p:style>
+        <p:txBody>
+          <a:bodyPr rtlCol="0" anchor="ctr"/>
+          <a:lstStyle/>
+          <a:p>
+            <a:pPr algn="ctr"/>
+            <a:r>
+              <a:rPr lang="en-US" sz="2400" dirty="0"/>
+              <a:t>Paddy cultivation identification (using uploaded images)</a:t>
+            </a:r>
           </a:p>
         </p:txBody>
       </p:sp>
@@ -37953,7 +39568,7 @@
         </p:spPr>
         <p:txBody>
           <a:bodyPr spcFirstLastPara="1" wrap="square" lIns="91425" tIns="91425" rIns="91425" bIns="91425" anchor="t" anchorCtr="0">
-            <a:normAutofit/>
+            <a:normAutofit fontScale="92500" lnSpcReduction="10000"/>
           </a:bodyPr>
           <a:lstStyle>
             <a:defPPr marR="0" lvl="0" algn="l" rtl="0">
@@ -38203,22 +39818,54 @@
             </a:lvl9pPr>
           </a:lstStyle>
           <a:p>
-            <a:pPr marL="0" indent="0" algn="l">
-              <a:buNone/>
+            <a:pPr marL="469900" indent="-342900" algn="l">
+              <a:buFont typeface="Arial" panose="020B0604020202020204" pitchFamily="34" charset="0"/>
+              <a:buChar char="•"/>
             </a:pPr>
             <a:r>
-              <a:rPr lang="en-US" sz="1600" dirty="0"/>
-              <a:t>This page enables users to share valuable insights about the paddy industry and keep in date with the current trends that help us raise the standards of paddy and other agricultural products.</a:t>
+              <a:rPr lang="en-US" dirty="0"/>
+              <a:t>This is one of the main features of this project that enables us to determine whether a patch of land can be cultivable or not.</a:t>
             </a:r>
+          </a:p>
+          <a:p>
+            <a:pPr marL="469900" indent="-342900" algn="l">
+              <a:buFont typeface="Arial" panose="020B0604020202020204" pitchFamily="34" charset="0"/>
+              <a:buChar char="•"/>
+            </a:pPr>
+            <a:endParaRPr lang="en-US" dirty="0"/>
+          </a:p>
+          <a:p>
+            <a:pPr marL="469900" indent="-342900" algn="l">
+              <a:buFont typeface="Arial" panose="020B0604020202020204" pitchFamily="34" charset="0"/>
+              <a:buChar char="•"/>
+            </a:pPr>
+            <a:r>
+              <a:rPr lang="en-US" dirty="0"/>
+              <a:t>Upon uploading like using satellite images, the backend code classifies if the field is cultivatable or not</a:t>
+            </a:r>
+          </a:p>
+          <a:p>
+            <a:pPr marL="469900" indent="-342900" algn="l">
+              <a:buFont typeface="Arial" panose="020B0604020202020204" pitchFamily="34" charset="0"/>
+              <a:buChar char="•"/>
+            </a:pPr>
+            <a:endParaRPr lang="en-US" dirty="0"/>
+          </a:p>
+          <a:p>
+            <a:pPr marL="469900" indent="-342900" algn="l">
+              <a:buFont typeface="Arial" panose="020B0604020202020204" pitchFamily="34" charset="0"/>
+              <a:buChar char="•"/>
+            </a:pPr>
+            <a:endParaRPr lang="en-US" dirty="0"/>
           </a:p>
         </p:txBody>
       </p:sp>
       <p:pic>
         <p:nvPicPr>
-          <p:cNvPr id="2" name="Content Placeholder 4">
+          <p:cNvPr id="7" name="Picture 6" descr="A close-up of a field&#10;&#10;Description automatically generated">
             <a:extLst>
               <a:ext uri="{FF2B5EF4-FFF2-40B4-BE49-F238E27FC236}">
-                <a16:creationId xmlns:a16="http://schemas.microsoft.com/office/drawing/2014/main" id="{3C7BA7E6-E4F2-AAE3-70E6-7DFE8D23C582}"/>
+                <a16:creationId xmlns:a16="http://schemas.microsoft.com/office/drawing/2014/main" id="{A2AB1018-77A7-D26F-F158-9CC6B09D98E4}"/>
               </a:ext>
             </a:extLst>
           </p:cNvPr>
@@ -38227,21 +39874,22 @@
           </p:cNvPicPr>
           <p:nvPr/>
         </p:nvPicPr>
-        <p:blipFill rotWithShape="1">
+        <p:blipFill>
           <a:blip r:embed="rId2"/>
-          <a:srcRect t="3138" r="2447"/>
-          <a:stretch/>
+          <a:stretch>
+            <a:fillRect/>
+          </a:stretch>
         </p:blipFill>
         <p:spPr>
           <a:xfrm>
-            <a:off x="4183024" y="1212331"/>
-            <a:ext cx="6489059" cy="3147193"/>
+            <a:off x="4564117" y="1822733"/>
+            <a:ext cx="4579883" cy="2486733"/>
           </a:xfrm>
           <a:prstGeom prst="rect">
             <a:avLst/>
           </a:prstGeom>
           <a:effectLst>
-            <a:outerShdw blurRad="686047" sx="102000" sy="102000" algn="ctr" rotWithShape="0">
+            <a:outerShdw blurRad="690076" sx="102000" sy="102000" algn="ctr" rotWithShape="0">
               <a:prstClr val="black">
                 <a:alpha val="40000"/>
               </a:prstClr>
@@ -38252,20 +39900,20 @@
     </p:spTree>
     <p:extLst>
       <p:ext uri="{BB962C8B-B14F-4D97-AF65-F5344CB8AC3E}">
-        <p14:creationId xmlns:p14="http://schemas.microsoft.com/office/powerpoint/2010/main" val="1762662815"/>
+        <p14:creationId xmlns:p14="http://schemas.microsoft.com/office/powerpoint/2010/main" val="2900313809"/>
       </p:ext>
     </p:extLst>
   </p:cSld>
   <p:clrMapOvr>
     <a:masterClrMapping/>
   </p:clrMapOvr>
-  <mc:AlternateContent xmlns:mc="http://schemas.openxmlformats.org/markup-compatibility/2006" xmlns:p159="http://schemas.microsoft.com/office/powerpoint/2015/09/main">
-    <mc:Choice Requires="p159">
+  <mc:AlternateContent xmlns:mc="http://schemas.openxmlformats.org/markup-compatibility/2006">
+    <mc:Choice xmlns:p159="http://schemas.microsoft.com/office/powerpoint/2015/09/main" Requires="p159">
       <p:transition xmlns:p14="http://schemas.microsoft.com/office/powerpoint/2010/main" spd="slow" p14:dur="2000">
         <p159:morph option="byObject"/>
       </p:transition>
     </mc:Choice>
-    <mc:Fallback xmlns="">
+    <mc:Fallback>
       <p:transition spd="slow">
         <p:fade/>
       </p:transition>
@@ -38274,7 +39922,7 @@
 </p:sld>
 </file>
 
-<file path=ppt/slides/slide8.xml><?xml version="1.0" encoding="utf-8"?>
+<file path=ppt/slides/slide9.xml><?xml version="1.0" encoding="utf-8"?>
 <p:sld xmlns:a="http://schemas.openxmlformats.org/drawingml/2006/main" xmlns:r="http://schemas.openxmlformats.org/officeDocument/2006/relationships" xmlns:p="http://schemas.openxmlformats.org/presentationml/2006/main">
   <p:cSld>
     <p:spTree>
@@ -38291,382 +39939,12 @@
           <a:chExt cx="0" cy="0"/>
         </a:xfrm>
       </p:grpSpPr>
-      <p:pic>
-        <p:nvPicPr>
-          <p:cNvPr id="4" name="Content Placeholder 4">
+      <p:sp>
+        <p:nvSpPr>
+          <p:cNvPr id="2" name="Title 1">
             <a:extLst>
               <a:ext uri="{FF2B5EF4-FFF2-40B4-BE49-F238E27FC236}">
-                <a16:creationId xmlns:a16="http://schemas.microsoft.com/office/drawing/2014/main" id="{B9C923A2-34E6-715F-C798-E9DA0442E528}"/>
-              </a:ext>
-            </a:extLst>
-          </p:cNvPr>
-          <p:cNvPicPr>
-            <a:picLocks noChangeAspect="1"/>
-          </p:cNvPicPr>
-          <p:nvPr/>
-        </p:nvPicPr>
-        <p:blipFill rotWithShape="1">
-          <a:blip r:embed="rId2"/>
-          <a:srcRect t="3138" r="2447"/>
-          <a:stretch/>
-        </p:blipFill>
-        <p:spPr>
-          <a:xfrm>
-            <a:off x="700549" y="694096"/>
-            <a:ext cx="7742902" cy="3755307"/>
-          </a:xfrm>
-          <a:prstGeom prst="rect">
-            <a:avLst/>
-          </a:prstGeom>
-          <a:effectLst>
-            <a:outerShdw blurRad="686047" sx="102000" sy="102000" algn="ctr" rotWithShape="0">
-              <a:prstClr val="black">
-                <a:alpha val="40000"/>
-              </a:prstClr>
-            </a:outerShdw>
-          </a:effectLst>
-        </p:spPr>
-      </p:pic>
-    </p:spTree>
-    <p:extLst>
-      <p:ext uri="{BB962C8B-B14F-4D97-AF65-F5344CB8AC3E}">
-        <p14:creationId xmlns:p14="http://schemas.microsoft.com/office/powerpoint/2010/main" val="98293583"/>
-      </p:ext>
-    </p:extLst>
-  </p:cSld>
-  <p:clrMapOvr>
-    <a:masterClrMapping/>
-  </p:clrMapOvr>
-  <mc:AlternateContent xmlns:mc="http://schemas.openxmlformats.org/markup-compatibility/2006" xmlns:p159="http://schemas.microsoft.com/office/powerpoint/2015/09/main">
-    <mc:Choice Requires="p159">
-      <p:transition xmlns:p14="http://schemas.microsoft.com/office/powerpoint/2010/main" spd="slow" p14:dur="2000">
-        <p159:morph option="byObject"/>
-      </p:transition>
-    </mc:Choice>
-    <mc:Fallback xmlns="">
-      <p:transition spd="slow">
-        <p:fade/>
-      </p:transition>
-    </mc:Fallback>
-  </mc:AlternateContent>
-</p:sld>
-</file>
-
-<file path=ppt/slides/slide9.xml><?xml version="1.0" encoding="utf-8"?>
-<p:sld xmlns:a="http://schemas.openxmlformats.org/drawingml/2006/main" xmlns:r="http://schemas.openxmlformats.org/officeDocument/2006/relationships" xmlns:p="http://schemas.openxmlformats.org/presentationml/2006/main">
-  <p:cSld>
-    <p:spTree>
-      <p:nvGrpSpPr>
-        <p:cNvPr id="1" name="Shape 3227"/>
-        <p:cNvGrpSpPr/>
-        <p:nvPr/>
-      </p:nvGrpSpPr>
-      <p:grpSpPr>
-        <a:xfrm>
-          <a:off x="0" y="0"/>
-          <a:ext cx="0" cy="0"/>
-          <a:chOff x="0" y="0"/>
-          <a:chExt cx="0" cy="0"/>
-        </a:xfrm>
-      </p:grpSpPr>
-      <p:sp>
-        <p:nvSpPr>
-          <p:cNvPr id="19" name="Google Shape;2846;p83">
-            <a:extLst>
-              <a:ext uri="{FF2B5EF4-FFF2-40B4-BE49-F238E27FC236}">
-                <a16:creationId xmlns:a16="http://schemas.microsoft.com/office/drawing/2014/main" id="{C04557BC-3E24-11C3-9B74-501A4ABBF9BE}"/>
-              </a:ext>
-            </a:extLst>
-          </p:cNvPr>
-          <p:cNvSpPr txBox="1">
-            <a:spLocks/>
-          </p:cNvSpPr>
-          <p:nvPr/>
-        </p:nvSpPr>
-        <p:spPr>
-          <a:xfrm>
-            <a:off x="596131" y="309091"/>
-            <a:ext cx="7717500" cy="576000"/>
-          </a:xfrm>
-          <a:prstGeom prst="rect">
-            <a:avLst/>
-          </a:prstGeom>
-          <a:noFill/>
-          <a:ln>
-            <a:noFill/>
-          </a:ln>
-        </p:spPr>
-        <p:txBody>
-          <a:bodyPr spcFirstLastPara="1" wrap="square" lIns="91425" tIns="91425" rIns="91425" bIns="91425" anchor="t" anchorCtr="0">
-            <a:noAutofit/>
-          </a:bodyPr>
-          <a:lstStyle>
-            <a:defPPr marR="0" lvl="0" algn="l" rtl="0">
-              <a:lnSpc>
-                <a:spcPct val="100000"/>
-              </a:lnSpc>
-              <a:spcBef>
-                <a:spcPts val="0"/>
-              </a:spcBef>
-              <a:spcAft>
-                <a:spcPts val="0"/>
-              </a:spcAft>
-            </a:defPPr>
-            <a:lvl1pPr marR="0" lvl="0" algn="ctr" rtl="0">
-              <a:lnSpc>
-                <a:spcPct val="100000"/>
-              </a:lnSpc>
-              <a:spcBef>
-                <a:spcPts val="0"/>
-              </a:spcBef>
-              <a:spcAft>
-                <a:spcPts val="0"/>
-              </a:spcAft>
-              <a:buClr>
-                <a:schemeClr val="accent1"/>
-              </a:buClr>
-              <a:buSzPts val="4000"/>
-              <a:buFont typeface="Calistoga"/>
-              <a:buNone/>
-              <a:defRPr sz="5500" b="0" i="0" u="none" strike="noStrike" cap="none">
-                <a:solidFill>
-                  <a:schemeClr val="lt1"/>
-                </a:solidFill>
-                <a:latin typeface="Calistoga"/>
-                <a:ea typeface="Calistoga"/>
-                <a:cs typeface="Calistoga"/>
-                <a:sym typeface="Calistoga"/>
-              </a:defRPr>
-            </a:lvl1pPr>
-            <a:lvl2pPr marR="0" lvl="1" algn="ctr" rtl="0">
-              <a:lnSpc>
-                <a:spcPct val="100000"/>
-              </a:lnSpc>
-              <a:spcBef>
-                <a:spcPts val="0"/>
-              </a:spcBef>
-              <a:spcAft>
-                <a:spcPts val="0"/>
-              </a:spcAft>
-              <a:buClr>
-                <a:schemeClr val="accent1"/>
-              </a:buClr>
-              <a:buSzPts val="4000"/>
-              <a:buFont typeface="Calistoga"/>
-              <a:buNone/>
-              <a:defRPr sz="4000" b="0" i="0" u="none" strike="noStrike" cap="none">
-                <a:solidFill>
-                  <a:schemeClr val="accent1"/>
-                </a:solidFill>
-                <a:latin typeface="Calistoga"/>
-                <a:ea typeface="Calistoga"/>
-                <a:cs typeface="Calistoga"/>
-                <a:sym typeface="Calistoga"/>
-              </a:defRPr>
-            </a:lvl2pPr>
-            <a:lvl3pPr marR="0" lvl="2" algn="ctr" rtl="0">
-              <a:lnSpc>
-                <a:spcPct val="100000"/>
-              </a:lnSpc>
-              <a:spcBef>
-                <a:spcPts val="0"/>
-              </a:spcBef>
-              <a:spcAft>
-                <a:spcPts val="0"/>
-              </a:spcAft>
-              <a:buClr>
-                <a:schemeClr val="accent1"/>
-              </a:buClr>
-              <a:buSzPts val="4000"/>
-              <a:buFont typeface="Calistoga"/>
-              <a:buNone/>
-              <a:defRPr sz="4000" b="0" i="0" u="none" strike="noStrike" cap="none">
-                <a:solidFill>
-                  <a:schemeClr val="accent1"/>
-                </a:solidFill>
-                <a:latin typeface="Calistoga"/>
-                <a:ea typeface="Calistoga"/>
-                <a:cs typeface="Calistoga"/>
-                <a:sym typeface="Calistoga"/>
-              </a:defRPr>
-            </a:lvl3pPr>
-            <a:lvl4pPr marR="0" lvl="3" algn="ctr" rtl="0">
-              <a:lnSpc>
-                <a:spcPct val="100000"/>
-              </a:lnSpc>
-              <a:spcBef>
-                <a:spcPts val="0"/>
-              </a:spcBef>
-              <a:spcAft>
-                <a:spcPts val="0"/>
-              </a:spcAft>
-              <a:buClr>
-                <a:schemeClr val="accent1"/>
-              </a:buClr>
-              <a:buSzPts val="4000"/>
-              <a:buFont typeface="Calistoga"/>
-              <a:buNone/>
-              <a:defRPr sz="4000" b="0" i="0" u="none" strike="noStrike" cap="none">
-                <a:solidFill>
-                  <a:schemeClr val="accent1"/>
-                </a:solidFill>
-                <a:latin typeface="Calistoga"/>
-                <a:ea typeface="Calistoga"/>
-                <a:cs typeface="Calistoga"/>
-                <a:sym typeface="Calistoga"/>
-              </a:defRPr>
-            </a:lvl4pPr>
-            <a:lvl5pPr marR="0" lvl="4" algn="ctr" rtl="0">
-              <a:lnSpc>
-                <a:spcPct val="100000"/>
-              </a:lnSpc>
-              <a:spcBef>
-                <a:spcPts val="0"/>
-              </a:spcBef>
-              <a:spcAft>
-                <a:spcPts val="0"/>
-              </a:spcAft>
-              <a:buClr>
-                <a:schemeClr val="accent1"/>
-              </a:buClr>
-              <a:buSzPts val="4000"/>
-              <a:buFont typeface="Calistoga"/>
-              <a:buNone/>
-              <a:defRPr sz="4000" b="0" i="0" u="none" strike="noStrike" cap="none">
-                <a:solidFill>
-                  <a:schemeClr val="accent1"/>
-                </a:solidFill>
-                <a:latin typeface="Calistoga"/>
-                <a:ea typeface="Calistoga"/>
-                <a:cs typeface="Calistoga"/>
-                <a:sym typeface="Calistoga"/>
-              </a:defRPr>
-            </a:lvl5pPr>
-            <a:lvl6pPr marR="0" lvl="5" algn="ctr" rtl="0">
-              <a:lnSpc>
-                <a:spcPct val="100000"/>
-              </a:lnSpc>
-              <a:spcBef>
-                <a:spcPts val="0"/>
-              </a:spcBef>
-              <a:spcAft>
-                <a:spcPts val="0"/>
-              </a:spcAft>
-              <a:buClr>
-                <a:schemeClr val="accent1"/>
-              </a:buClr>
-              <a:buSzPts val="4000"/>
-              <a:buFont typeface="Calistoga"/>
-              <a:buNone/>
-              <a:defRPr sz="4000" b="0" i="0" u="none" strike="noStrike" cap="none">
-                <a:solidFill>
-                  <a:schemeClr val="accent1"/>
-                </a:solidFill>
-                <a:latin typeface="Calistoga"/>
-                <a:ea typeface="Calistoga"/>
-                <a:cs typeface="Calistoga"/>
-                <a:sym typeface="Calistoga"/>
-              </a:defRPr>
-            </a:lvl6pPr>
-            <a:lvl7pPr marR="0" lvl="6" algn="ctr" rtl="0">
-              <a:lnSpc>
-                <a:spcPct val="100000"/>
-              </a:lnSpc>
-              <a:spcBef>
-                <a:spcPts val="0"/>
-              </a:spcBef>
-              <a:spcAft>
-                <a:spcPts val="0"/>
-              </a:spcAft>
-              <a:buClr>
-                <a:schemeClr val="accent1"/>
-              </a:buClr>
-              <a:buSzPts val="4000"/>
-              <a:buFont typeface="Calistoga"/>
-              <a:buNone/>
-              <a:defRPr sz="4000" b="0" i="0" u="none" strike="noStrike" cap="none">
-                <a:solidFill>
-                  <a:schemeClr val="accent1"/>
-                </a:solidFill>
-                <a:latin typeface="Calistoga"/>
-                <a:ea typeface="Calistoga"/>
-                <a:cs typeface="Calistoga"/>
-                <a:sym typeface="Calistoga"/>
-              </a:defRPr>
-            </a:lvl7pPr>
-            <a:lvl8pPr marR="0" lvl="7" algn="ctr" rtl="0">
-              <a:lnSpc>
-                <a:spcPct val="100000"/>
-              </a:lnSpc>
-              <a:spcBef>
-                <a:spcPts val="0"/>
-              </a:spcBef>
-              <a:spcAft>
-                <a:spcPts val="0"/>
-              </a:spcAft>
-              <a:buClr>
-                <a:schemeClr val="accent1"/>
-              </a:buClr>
-              <a:buSzPts val="4000"/>
-              <a:buFont typeface="Calistoga"/>
-              <a:buNone/>
-              <a:defRPr sz="4000" b="0" i="0" u="none" strike="noStrike" cap="none">
-                <a:solidFill>
-                  <a:schemeClr val="accent1"/>
-                </a:solidFill>
-                <a:latin typeface="Calistoga"/>
-                <a:ea typeface="Calistoga"/>
-                <a:cs typeface="Calistoga"/>
-                <a:sym typeface="Calistoga"/>
-              </a:defRPr>
-            </a:lvl8pPr>
-            <a:lvl9pPr marR="0" lvl="8" algn="ctr" rtl="0">
-              <a:lnSpc>
-                <a:spcPct val="100000"/>
-              </a:lnSpc>
-              <a:spcBef>
-                <a:spcPts val="0"/>
-              </a:spcBef>
-              <a:spcAft>
-                <a:spcPts val="0"/>
-              </a:spcAft>
-              <a:buClr>
-                <a:schemeClr val="accent1"/>
-              </a:buClr>
-              <a:buSzPts val="4000"/>
-              <a:buFont typeface="Calistoga"/>
-              <a:buNone/>
-              <a:defRPr sz="4000" b="0" i="0" u="none" strike="noStrike" cap="none">
-                <a:solidFill>
-                  <a:schemeClr val="accent1"/>
-                </a:solidFill>
-                <a:latin typeface="Calistoga"/>
-                <a:ea typeface="Calistoga"/>
-                <a:cs typeface="Calistoga"/>
-                <a:sym typeface="Calistoga"/>
-              </a:defRPr>
-            </a:lvl9pPr>
-          </a:lstStyle>
-          <a:p>
-            <a:r>
-              <a:rPr lang="en-IN" sz="3600" dirty="0">
-                <a:solidFill>
-                  <a:schemeClr val="bg1">
-                    <a:lumMod val="90000"/>
-                  </a:schemeClr>
-                </a:solidFill>
-              </a:rPr>
-              <a:t>Online procurement system</a:t>
-            </a:r>
-          </a:p>
-        </p:txBody>
-      </p:sp>
-      <p:sp>
-        <p:nvSpPr>
-          <p:cNvPr id="20" name="Subtitle 2">
-            <a:extLst>
-              <a:ext uri="{FF2B5EF4-FFF2-40B4-BE49-F238E27FC236}">
-                <a16:creationId xmlns:a16="http://schemas.microsoft.com/office/drawing/2014/main" id="{7AE73E98-5440-978A-6336-606E1E910376}"/>
+                <a16:creationId xmlns:a16="http://schemas.microsoft.com/office/drawing/2014/main" id="{CAACA468-F782-C05A-0982-3C7A52D60504}"/>
               </a:ext>
             </a:extLst>
           </p:cNvPr>
@@ -38674,152 +39952,304 @@
             <a:spLocks noGrp="1"/>
           </p:cNvSpPr>
           <p:nvPr>
-            <p:ph type="subTitle" idx="1"/>
+            <p:ph type="title"/>
           </p:nvPr>
         </p:nvSpPr>
-        <p:spPr>
-          <a:xfrm>
-            <a:off x="712350" y="1248991"/>
-            <a:ext cx="7719300" cy="3473400"/>
-          </a:xfrm>
-        </p:spPr>
+        <p:spPr/>
         <p:txBody>
           <a:bodyPr/>
           <a:lstStyle/>
           <a:p>
-            <a:pPr marL="412750" indent="-285750" algn="l">
-              <a:buFont typeface="Arial" panose="020B0604020202020204" pitchFamily="34" charset="0"/>
-              <a:buChar char="•"/>
-            </a:pPr>
+            <a:pPr algn="ctr"/>
             <a:r>
-              <a:rPr lang="en-US" sz="1400" b="0" i="0" dirty="0">
-                <a:effectLst/>
-                <a:latin typeface="Söhne"/>
-              </a:rPr>
-              <a:t>Convenient Access to Markets: Online procurement systems provide paddy farmers with easy access to a broader marketplace. </a:t>
+              <a:rPr lang="en-US" dirty="0"/>
+              <a:t>ML models we implemented </a:t>
             </a:r>
           </a:p>
+        </p:txBody>
+      </p:sp>
+      <p:sp>
+        <p:nvSpPr>
+          <p:cNvPr id="10" name="Rounded Rectangle 9">
+            <a:extLst>
+              <a:ext uri="{FF2B5EF4-FFF2-40B4-BE49-F238E27FC236}">
+                <a16:creationId xmlns:a16="http://schemas.microsoft.com/office/drawing/2014/main" id="{1A8F3CA1-0FBF-7A51-F710-157E5504C9BC}"/>
+              </a:ext>
+            </a:extLst>
+          </p:cNvPr>
+          <p:cNvSpPr/>
+          <p:nvPr/>
+        </p:nvSpPr>
+        <p:spPr>
+          <a:xfrm>
+            <a:off x="1956374" y="1219018"/>
+            <a:ext cx="5231250" cy="520705"/>
+          </a:xfrm>
+          <a:prstGeom prst="roundRect">
+            <a:avLst/>
+          </a:prstGeom>
+          <a:solidFill>
+            <a:schemeClr val="dk1"/>
+          </a:solidFill>
+          <a:ln>
+            <a:noFill/>
+          </a:ln>
+        </p:spPr>
+        <p:style>
+          <a:lnRef idx="0">
+            <a:scrgbClr r="0" g="0" b="0"/>
+          </a:lnRef>
+          <a:fillRef idx="0">
+            <a:scrgbClr r="0" g="0" b="0"/>
+          </a:fillRef>
+          <a:effectRef idx="0">
+            <a:scrgbClr r="0" g="0" b="0"/>
+          </a:effectRef>
+          <a:fontRef idx="minor">
+            <a:schemeClr val="lt1"/>
+          </a:fontRef>
+        </p:style>
+        <p:txBody>
+          <a:bodyPr rtlCol="0" anchor="ctr"/>
+          <a:lstStyle/>
           <a:p>
-            <a:pPr marL="412750" indent="-285750" algn="l">
-              <a:buFont typeface="Arial" panose="020B0604020202020204" pitchFamily="34" charset="0"/>
-              <a:buChar char="•"/>
-            </a:pPr>
-            <a:endParaRPr lang="en-US" sz="1400" b="0" i="0" dirty="0">
-              <a:effectLst/>
-              <a:latin typeface="Söhne"/>
-            </a:endParaRPr>
-          </a:p>
-          <a:p>
-            <a:pPr marL="412750" indent="-285750" algn="l">
-              <a:buFont typeface="Arial" panose="020B0604020202020204" pitchFamily="34" charset="0"/>
-              <a:buChar char="•"/>
-            </a:pPr>
+            <a:pPr algn="ctr"/>
             <a:r>
-              <a:rPr lang="en-US" sz="1400" b="0" i="0" dirty="0">
-                <a:effectLst/>
-                <a:latin typeface="Söhne"/>
-              </a:rPr>
-              <a:t>Transparent Pricing: These platforms often offer real-time price information, ensuring that farmers receive fair and competitive prices for their paddy. </a:t>
+              <a:rPr lang="en-US" dirty="0"/>
+              <a:t>Paddy cultivation identification (using satellite images)</a:t>
             </a:r>
           </a:p>
+        </p:txBody>
+      </p:sp>
+      <p:sp>
+        <p:nvSpPr>
+          <p:cNvPr id="11" name="Rounded Rectangle 10">
+            <a:extLst>
+              <a:ext uri="{FF2B5EF4-FFF2-40B4-BE49-F238E27FC236}">
+                <a16:creationId xmlns:a16="http://schemas.microsoft.com/office/drawing/2014/main" id="{BA052068-C61B-0364-E74E-4977B8669737}"/>
+              </a:ext>
+            </a:extLst>
+          </p:cNvPr>
+          <p:cNvSpPr/>
+          <p:nvPr/>
+        </p:nvSpPr>
+        <p:spPr>
+          <a:xfrm>
+            <a:off x="1956374" y="1936797"/>
+            <a:ext cx="5231250" cy="520705"/>
+          </a:xfrm>
+          <a:prstGeom prst="roundRect">
+            <a:avLst/>
+          </a:prstGeom>
+          <a:solidFill>
+            <a:schemeClr val="dk1"/>
+          </a:solidFill>
+          <a:ln>
+            <a:noFill/>
+          </a:ln>
+        </p:spPr>
+        <p:style>
+          <a:lnRef idx="0">
+            <a:scrgbClr r="0" g="0" b="0"/>
+          </a:lnRef>
+          <a:fillRef idx="0">
+            <a:scrgbClr r="0" g="0" b="0"/>
+          </a:fillRef>
+          <a:effectRef idx="0">
+            <a:scrgbClr r="0" g="0" b="0"/>
+          </a:effectRef>
+          <a:fontRef idx="minor">
+            <a:schemeClr val="lt1"/>
+          </a:fontRef>
+        </p:style>
+        <p:txBody>
+          <a:bodyPr rtlCol="0" anchor="ctr"/>
+          <a:lstStyle/>
           <a:p>
-            <a:pPr marL="412750" indent="-285750" algn="l">
-              <a:buFont typeface="Arial" panose="020B0604020202020204" pitchFamily="34" charset="0"/>
-              <a:buChar char="•"/>
-            </a:pPr>
-            <a:endParaRPr lang="en-US" sz="1400" b="0" i="0" dirty="0">
-              <a:effectLst/>
-              <a:latin typeface="Söhne"/>
-            </a:endParaRPr>
-          </a:p>
-          <a:p>
-            <a:pPr marL="412750" indent="-285750" algn="l">
-              <a:buFont typeface="Arial" panose="020B0604020202020204" pitchFamily="34" charset="0"/>
-              <a:buChar char="•"/>
-            </a:pPr>
+            <a:pPr algn="ctr"/>
             <a:r>
-              <a:rPr lang="en-US" sz="1400" b="0" i="0" dirty="0">
-                <a:effectLst/>
-                <a:latin typeface="Söhne"/>
-              </a:rPr>
-              <a:t>Reduced Middlemen: By directly connecting with buyers through online systems, paddy farmers can eliminate middlemen, which can lead to higher profit margins. </a:t>
+              <a:rPr lang="en-US" dirty="0"/>
+              <a:t>Paddy cultivation identification (using uploaded images)</a:t>
             </a:r>
           </a:p>
+        </p:txBody>
+      </p:sp>
+      <p:sp>
+        <p:nvSpPr>
+          <p:cNvPr id="12" name="Rounded Rectangle 11">
+            <a:extLst>
+              <a:ext uri="{FF2B5EF4-FFF2-40B4-BE49-F238E27FC236}">
+                <a16:creationId xmlns:a16="http://schemas.microsoft.com/office/drawing/2014/main" id="{557B005E-F1F7-0ED1-6862-68E936424097}"/>
+              </a:ext>
+            </a:extLst>
+          </p:cNvPr>
+          <p:cNvSpPr/>
+          <p:nvPr/>
+        </p:nvSpPr>
+        <p:spPr>
+          <a:xfrm>
+            <a:off x="1956374" y="2639303"/>
+            <a:ext cx="5231250" cy="520705"/>
+          </a:xfrm>
+          <a:prstGeom prst="roundRect">
+            <a:avLst/>
+          </a:prstGeom>
+          <a:solidFill>
+            <a:schemeClr val="dk1"/>
+          </a:solidFill>
+          <a:ln>
+            <a:noFill/>
+          </a:ln>
+        </p:spPr>
+        <p:style>
+          <a:lnRef idx="0">
+            <a:scrgbClr r="0" g="0" b="0"/>
+          </a:lnRef>
+          <a:fillRef idx="0">
+            <a:scrgbClr r="0" g="0" b="0"/>
+          </a:fillRef>
+          <a:effectRef idx="0">
+            <a:scrgbClr r="0" g="0" b="0"/>
+          </a:effectRef>
+          <a:fontRef idx="minor">
+            <a:schemeClr val="lt1"/>
+          </a:fontRef>
+        </p:style>
+        <p:txBody>
+          <a:bodyPr rtlCol="0" anchor="ctr"/>
+          <a:lstStyle/>
           <a:p>
-            <a:pPr marL="412750" indent="-285750" algn="l">
-              <a:buFont typeface="Arial" panose="020B0604020202020204" pitchFamily="34" charset="0"/>
-              <a:buChar char="•"/>
-            </a:pPr>
-            <a:endParaRPr lang="en-US" sz="1400" b="0" i="0" dirty="0">
-              <a:effectLst/>
-              <a:latin typeface="Söhne"/>
-            </a:endParaRPr>
-          </a:p>
-          <a:p>
-            <a:pPr marL="412750" indent="-285750" algn="l">
-              <a:buFont typeface="Arial" panose="020B0604020202020204" pitchFamily="34" charset="0"/>
-              <a:buChar char="•"/>
-            </a:pPr>
+            <a:pPr algn="ctr"/>
             <a:r>
-              <a:rPr lang="en-US" sz="1400" b="0" i="0" dirty="0">
-                <a:effectLst/>
-                <a:latin typeface="Söhne"/>
-              </a:rPr>
-              <a:t>Timely Payments: Online procurement systems typically facilitate prompt and secure payment methods as there is a record of everything unlike conventional methods being used right now</a:t>
+              <a:rPr lang="en-US" dirty="0"/>
+              <a:t>Stage of paddy identification</a:t>
             </a:r>
           </a:p>
+        </p:txBody>
+      </p:sp>
+      <p:sp>
+        <p:nvSpPr>
+          <p:cNvPr id="13" name="Rounded Rectangle 12">
+            <a:extLst>
+              <a:ext uri="{FF2B5EF4-FFF2-40B4-BE49-F238E27FC236}">
+                <a16:creationId xmlns:a16="http://schemas.microsoft.com/office/drawing/2014/main" id="{912D3A9C-23C7-AC5C-446B-33FBED61DAAB}"/>
+              </a:ext>
+            </a:extLst>
+          </p:cNvPr>
+          <p:cNvSpPr/>
+          <p:nvPr/>
+        </p:nvSpPr>
+        <p:spPr>
+          <a:xfrm>
+            <a:off x="1956374" y="3341809"/>
+            <a:ext cx="5231250" cy="520705"/>
+          </a:xfrm>
+          <a:prstGeom prst="roundRect">
+            <a:avLst/>
+          </a:prstGeom>
+          <a:solidFill>
+            <a:schemeClr val="dk1"/>
+          </a:solidFill>
+          <a:ln>
+            <a:noFill/>
+          </a:ln>
+        </p:spPr>
+        <p:style>
+          <a:lnRef idx="0">
+            <a:scrgbClr r="0" g="0" b="0"/>
+          </a:lnRef>
+          <a:fillRef idx="0">
+            <a:scrgbClr r="0" g="0" b="0"/>
+          </a:fillRef>
+          <a:effectRef idx="0">
+            <a:scrgbClr r="0" g="0" b="0"/>
+          </a:effectRef>
+          <a:fontRef idx="minor">
+            <a:schemeClr val="lt1"/>
+          </a:fontRef>
+        </p:style>
+        <p:txBody>
+          <a:bodyPr rtlCol="0" anchor="ctr"/>
+          <a:lstStyle/>
           <a:p>
-            <a:pPr marL="412750" indent="-285750" algn="l">
-              <a:buFont typeface="Arial" panose="020B0604020202020204" pitchFamily="34" charset="0"/>
-              <a:buChar char="•"/>
-            </a:pPr>
-            <a:endParaRPr lang="en-US" sz="1400" b="0" i="0" dirty="0">
-              <a:effectLst/>
-              <a:latin typeface="Söhne"/>
-            </a:endParaRPr>
-          </a:p>
-          <a:p>
-            <a:pPr marL="412750" indent="-285750" algn="l">
-              <a:buFont typeface="Arial" panose="020B0604020202020204" pitchFamily="34" charset="0"/>
-              <a:buChar char="•"/>
-            </a:pPr>
+            <a:pPr algn="ctr"/>
             <a:r>
-              <a:rPr lang="en-US" sz="1400" b="0" i="0" dirty="0">
-                <a:effectLst/>
-                <a:latin typeface="Söhne"/>
-              </a:rPr>
-              <a:t>Overall, it enables the farmers to move their outcomes in a procedural manner eliminating all types of errors which could’ve aroused in case of traditional methods.</a:t>
+              <a:rPr lang="en-US" dirty="0"/>
+              <a:t>Substandard paddy identification</a:t>
             </a:r>
           </a:p>
+        </p:txBody>
+      </p:sp>
+      <p:sp>
+        <p:nvSpPr>
+          <p:cNvPr id="14" name="Rounded Rectangle 13">
+            <a:extLst>
+              <a:ext uri="{FF2B5EF4-FFF2-40B4-BE49-F238E27FC236}">
+                <a16:creationId xmlns:a16="http://schemas.microsoft.com/office/drawing/2014/main" id="{B5ACA3D1-247C-126D-9B68-80ED6024CAF0}"/>
+              </a:ext>
+            </a:extLst>
+          </p:cNvPr>
+          <p:cNvSpPr/>
+          <p:nvPr/>
+        </p:nvSpPr>
+        <p:spPr>
+          <a:xfrm>
+            <a:off x="1956374" y="4059588"/>
+            <a:ext cx="5231250" cy="520705"/>
+          </a:xfrm>
+          <a:prstGeom prst="roundRect">
+            <a:avLst/>
+          </a:prstGeom>
+          <a:solidFill>
+            <a:schemeClr val="dk1"/>
+          </a:solidFill>
+          <a:ln>
+            <a:noFill/>
+          </a:ln>
+        </p:spPr>
+        <p:style>
+          <a:lnRef idx="0">
+            <a:scrgbClr r="0" g="0" b="0"/>
+          </a:lnRef>
+          <a:fillRef idx="0">
+            <a:scrgbClr r="0" g="0" b="0"/>
+          </a:fillRef>
+          <a:effectRef idx="0">
+            <a:scrgbClr r="0" g="0" b="0"/>
+          </a:effectRef>
+          <a:fontRef idx="minor">
+            <a:schemeClr val="lt1"/>
+          </a:fontRef>
+        </p:style>
+        <p:txBody>
+          <a:bodyPr rtlCol="0" anchor="ctr"/>
+          <a:lstStyle/>
           <a:p>
-            <a:pPr marL="412750" indent="-285750" algn="l">
-              <a:buFont typeface="Arial" panose="020B0604020202020204" pitchFamily="34" charset="0"/>
-              <a:buChar char="•"/>
-            </a:pPr>
-            <a:endParaRPr lang="en-US" sz="1400" b="0" i="0" dirty="0">
-              <a:effectLst/>
-              <a:latin typeface="Söhne"/>
-            </a:endParaRPr>
+            <a:pPr algn="ctr"/>
+            <a:r>
+              <a:rPr lang="en-US" dirty="0"/>
+              <a:t>Rice Identification</a:t>
+            </a:r>
           </a:p>
         </p:txBody>
       </p:sp>
     </p:spTree>
     <p:extLst>
       <p:ext uri="{BB962C8B-B14F-4D97-AF65-F5344CB8AC3E}">
-        <p14:creationId xmlns:p14="http://schemas.microsoft.com/office/powerpoint/2010/main" val="1059206247"/>
+        <p14:creationId xmlns:p14="http://schemas.microsoft.com/office/powerpoint/2010/main" val="4153914755"/>
       </p:ext>
     </p:extLst>
   </p:cSld>
   <p:clrMapOvr>
     <a:masterClrMapping/>
   </p:clrMapOvr>
-  <mc:AlternateContent xmlns:mc="http://schemas.openxmlformats.org/markup-compatibility/2006" xmlns:p159="http://schemas.microsoft.com/office/powerpoint/2015/09/main">
-    <mc:Choice Requires="p159">
+  <mc:AlternateContent xmlns:mc="http://schemas.openxmlformats.org/markup-compatibility/2006">
+    <mc:Choice xmlns:p159="http://schemas.microsoft.com/office/powerpoint/2015/09/main" Requires="p159">
       <p:transition xmlns:p14="http://schemas.microsoft.com/office/powerpoint/2010/main" spd="slow" p14:dur="2000">
         <p159:morph option="byObject"/>
       </p:transition>
     </mc:Choice>
-    <mc:Fallback xmlns="">
+    <mc:Fallback>
       <p:transition spd="slow">
         <p:fade/>
       </p:transition>
